--- a/RefPt101_draft.pptx
+++ b/RefPt101_draft.pptx
@@ -5,7 +5,7 @@
     <p:sldMasterId id="2147483648" r:id="rId1"/>
   </p:sldMasterIdLst>
   <p:notesMasterIdLst>
-    <p:notesMasterId r:id="rId71"/>
+    <p:notesMasterId r:id="rId77"/>
   </p:notesMasterIdLst>
   <p:sldIdLst>
     <p:sldId id="256" r:id="rId2"/>
@@ -75,8 +75,14 @@
     <p:sldId id="307" r:id="rId66"/>
     <p:sldId id="345" r:id="rId67"/>
     <p:sldId id="347" r:id="rId68"/>
-    <p:sldId id="346" r:id="rId69"/>
-    <p:sldId id="348" r:id="rId70"/>
+    <p:sldId id="349" r:id="rId69"/>
+    <p:sldId id="350" r:id="rId70"/>
+    <p:sldId id="351" r:id="rId71"/>
+    <p:sldId id="352" r:id="rId72"/>
+    <p:sldId id="353" r:id="rId73"/>
+    <p:sldId id="354" r:id="rId74"/>
+    <p:sldId id="346" r:id="rId75"/>
+    <p:sldId id="348" r:id="rId76"/>
   </p:sldIdLst>
   <p:sldSz cx="12192000" cy="6858000"/>
   <p:notesSz cx="6858000" cy="9144000"/>
@@ -268,7 +274,7 @@
           <a:p>
             <a:fld id="{29EFBA6D-BD8D-4319-9B8F-54D25DEE77D2}" type="datetimeFigureOut">
               <a:rPr lang="en-CA" smtClean="0"/>
-              <a:t>2022-10-12</a:t>
+              <a:t>2022-10-21</a:t>
             </a:fld>
             <a:endParaRPr lang="en-CA"/>
           </a:p>
@@ -672,7 +678,7 @@
           <a:p>
             <a:fld id="{C10D6541-6A28-4C84-AE9F-73751BB3182A}" type="datetimeFigureOut">
               <a:rPr lang="en-CA" smtClean="0"/>
-              <a:t>2022-10-12</a:t>
+              <a:t>2022-10-21</a:t>
             </a:fld>
             <a:endParaRPr lang="en-CA"/>
           </a:p>
@@ -842,7 +848,7 @@
           <a:p>
             <a:fld id="{C10D6541-6A28-4C84-AE9F-73751BB3182A}" type="datetimeFigureOut">
               <a:rPr lang="en-CA" smtClean="0"/>
-              <a:t>2022-10-12</a:t>
+              <a:t>2022-10-21</a:t>
             </a:fld>
             <a:endParaRPr lang="en-CA"/>
           </a:p>
@@ -1022,7 +1028,7 @@
           <a:p>
             <a:fld id="{C10D6541-6A28-4C84-AE9F-73751BB3182A}" type="datetimeFigureOut">
               <a:rPr lang="en-CA" smtClean="0"/>
-              <a:t>2022-10-12</a:t>
+              <a:t>2022-10-21</a:t>
             </a:fld>
             <a:endParaRPr lang="en-CA"/>
           </a:p>
@@ -1197,7 +1203,7 @@
           <a:p>
             <a:fld id="{C10D6541-6A28-4C84-AE9F-73751BB3182A}" type="datetimeFigureOut">
               <a:rPr lang="en-CA" smtClean="0"/>
-              <a:t>2022-10-12</a:t>
+              <a:t>2022-10-21</a:t>
             </a:fld>
             <a:endParaRPr lang="en-CA"/>
           </a:p>
@@ -1448,7 +1454,7 @@
           <a:p>
             <a:fld id="{C10D6541-6A28-4C84-AE9F-73751BB3182A}" type="datetimeFigureOut">
               <a:rPr lang="en-CA" smtClean="0"/>
-              <a:t>2022-10-12</a:t>
+              <a:t>2022-10-21</a:t>
             </a:fld>
             <a:endParaRPr lang="en-CA"/>
           </a:p>
@@ -1736,7 +1742,7 @@
           <a:p>
             <a:fld id="{C10D6541-6A28-4C84-AE9F-73751BB3182A}" type="datetimeFigureOut">
               <a:rPr lang="en-CA" smtClean="0"/>
-              <a:t>2022-10-12</a:t>
+              <a:t>2022-10-21</a:t>
             </a:fld>
             <a:endParaRPr lang="en-CA"/>
           </a:p>
@@ -2159,7 +2165,7 @@
           <a:p>
             <a:fld id="{C10D6541-6A28-4C84-AE9F-73751BB3182A}" type="datetimeFigureOut">
               <a:rPr lang="en-CA" smtClean="0"/>
-              <a:t>2022-10-12</a:t>
+              <a:t>2022-10-21</a:t>
             </a:fld>
             <a:endParaRPr lang="en-CA"/>
           </a:p>
@@ -2328,7 +2334,7 @@
           <a:p>
             <a:fld id="{C10D6541-6A28-4C84-AE9F-73751BB3182A}" type="datetimeFigureOut">
               <a:rPr lang="en-CA" smtClean="0"/>
-              <a:t>2022-10-12</a:t>
+              <a:t>2022-10-21</a:t>
             </a:fld>
             <a:endParaRPr lang="en-CA"/>
           </a:p>
@@ -2423,7 +2429,7 @@
           <a:p>
             <a:fld id="{C10D6541-6A28-4C84-AE9F-73751BB3182A}" type="datetimeFigureOut">
               <a:rPr lang="en-CA" smtClean="0"/>
-              <a:t>2022-10-12</a:t>
+              <a:t>2022-10-21</a:t>
             </a:fld>
             <a:endParaRPr lang="en-CA"/>
           </a:p>
@@ -2700,7 +2706,7 @@
           <a:p>
             <a:fld id="{C10D6541-6A28-4C84-AE9F-73751BB3182A}" type="datetimeFigureOut">
               <a:rPr lang="en-CA" smtClean="0"/>
-              <a:t>2022-10-12</a:t>
+              <a:t>2022-10-21</a:t>
             </a:fld>
             <a:endParaRPr lang="en-CA"/>
           </a:p>
@@ -2953,7 +2959,7 @@
           <a:p>
             <a:fld id="{C10D6541-6A28-4C84-AE9F-73751BB3182A}" type="datetimeFigureOut">
               <a:rPr lang="en-CA" smtClean="0"/>
-              <a:t>2022-10-12</a:t>
+              <a:t>2022-10-21</a:t>
             </a:fld>
             <a:endParaRPr lang="en-CA"/>
           </a:p>
@@ -3166,7 +3172,7 @@
           <a:p>
             <a:fld id="{C10D6541-6A28-4C84-AE9F-73751BB3182A}" type="datetimeFigureOut">
               <a:rPr lang="en-CA" smtClean="0"/>
-              <a:t>2022-10-12</a:t>
+              <a:t>2022-10-21</a:t>
             </a:fld>
             <a:endParaRPr lang="en-CA"/>
           </a:p>
@@ -4381,8 +4387,8 @@
           <a:chExt cx="0" cy="0"/>
         </a:xfrm>
       </p:grpSpPr>
-      <mc:AlternateContent xmlns:mc="http://schemas.openxmlformats.org/markup-compatibility/2006">
-        <mc:Choice xmlns:a14="http://schemas.microsoft.com/office/drawing/2010/main" Requires="a14">
+      <mc:AlternateContent xmlns:mc="http://schemas.openxmlformats.org/markup-compatibility/2006" xmlns:a14="http://schemas.microsoft.com/office/drawing/2010/main">
+        <mc:Choice Requires="a14">
           <p:sp>
             <p:nvSpPr>
               <p:cNvPr id="3" name="Content Placeholder 2"/>
@@ -4549,7 +4555,7 @@
             </p:txBody>
           </p:sp>
         </mc:Choice>
-        <mc:Fallback>
+        <mc:Fallback xmlns="">
           <p:sp>
             <p:nvSpPr>
               <p:cNvPr id="3" name="Content Placeholder 2"/>
@@ -7049,8 +7055,8 @@
           </a:p>
         </p:txBody>
       </p:sp>
-      <mc:AlternateContent xmlns:mc="http://schemas.openxmlformats.org/markup-compatibility/2006">
-        <mc:Choice xmlns:a14="http://schemas.microsoft.com/office/drawing/2010/main" Requires="a14">
+      <mc:AlternateContent xmlns:mc="http://schemas.openxmlformats.org/markup-compatibility/2006" xmlns:a14="http://schemas.microsoft.com/office/drawing/2010/main">
+        <mc:Choice Requires="a14">
           <p:sp>
             <p:nvSpPr>
               <p:cNvPr id="3" name="Content Placeholder 2">
@@ -7532,7 +7538,7 @@
             </p:txBody>
           </p:sp>
         </mc:Choice>
-        <mc:Fallback>
+        <mc:Fallback xmlns="">
           <p:sp>
             <p:nvSpPr>
               <p:cNvPr id="3" name="Content Placeholder 2">
@@ -7614,8 +7620,8 @@
           </a:fontRef>
         </p:style>
       </p:cxnSp>
-      <mc:AlternateContent xmlns:mc="http://schemas.openxmlformats.org/markup-compatibility/2006">
-        <mc:Choice xmlns:a14="http://schemas.microsoft.com/office/drawing/2010/main" Requires="a14">
+      <mc:AlternateContent xmlns:mc="http://schemas.openxmlformats.org/markup-compatibility/2006" xmlns:a14="http://schemas.microsoft.com/office/drawing/2010/main">
+        <mc:Choice Requires="a14">
           <p:sp>
             <p:nvSpPr>
               <p:cNvPr id="6" name="TextBox 5">
@@ -7698,7 +7704,7 @@
             </p:txBody>
           </p:sp>
         </mc:Choice>
-        <mc:Fallback>
+        <mc:Fallback xmlns="">
           <p:sp>
             <p:nvSpPr>
               <p:cNvPr id="6" name="TextBox 5">
@@ -7884,8 +7890,8 @@
           </a:p>
         </p:txBody>
       </p:sp>
-      <mc:AlternateContent xmlns:mc="http://schemas.openxmlformats.org/markup-compatibility/2006">
-        <mc:Choice xmlns:a14="http://schemas.microsoft.com/office/drawing/2010/main" Requires="a14">
+      <mc:AlternateContent xmlns:mc="http://schemas.openxmlformats.org/markup-compatibility/2006" xmlns:a14="http://schemas.microsoft.com/office/drawing/2010/main">
+        <mc:Choice Requires="a14">
           <p:sp>
             <p:nvSpPr>
               <p:cNvPr id="3" name="Content Placeholder 2">
@@ -8432,7 +8438,7 @@
             </p:txBody>
           </p:sp>
         </mc:Choice>
-        <mc:Fallback>
+        <mc:Fallback xmlns="">
           <p:sp>
             <p:nvSpPr>
               <p:cNvPr id="3" name="Content Placeholder 2">
@@ -8524,8 +8530,8 @@
           </a:p>
         </p:txBody>
       </p:sp>
-      <mc:AlternateContent xmlns:mc="http://schemas.openxmlformats.org/markup-compatibility/2006">
-        <mc:Choice xmlns:a14="http://schemas.microsoft.com/office/drawing/2010/main" Requires="a14">
+      <mc:AlternateContent xmlns:mc="http://schemas.openxmlformats.org/markup-compatibility/2006" xmlns:a14="http://schemas.microsoft.com/office/drawing/2010/main">
+        <mc:Choice Requires="a14">
           <p:sp>
             <p:nvSpPr>
               <p:cNvPr id="10" name="TextBox 9">
@@ -8603,7 +8609,7 @@
             </p:txBody>
           </p:sp>
         </mc:Choice>
-        <mc:Fallback>
+        <mc:Fallback xmlns="">
           <p:sp>
             <p:nvSpPr>
               <p:cNvPr id="10" name="TextBox 9">
@@ -8706,8 +8712,8 @@
           </a:p>
         </p:txBody>
       </p:sp>
-      <mc:AlternateContent xmlns:mc="http://schemas.openxmlformats.org/markup-compatibility/2006">
-        <mc:Choice xmlns:a14="http://schemas.microsoft.com/office/drawing/2010/main" Requires="a14">
+      <mc:AlternateContent xmlns:mc="http://schemas.openxmlformats.org/markup-compatibility/2006" xmlns:a14="http://schemas.microsoft.com/office/drawing/2010/main">
+        <mc:Choice Requires="a14">
           <p:sp>
             <p:nvSpPr>
               <p:cNvPr id="3" name="Content Placeholder 2">
@@ -10031,7 +10037,7 @@
             </p:txBody>
           </p:sp>
         </mc:Choice>
-        <mc:Fallback>
+        <mc:Fallback xmlns="">
           <p:sp>
             <p:nvSpPr>
               <p:cNvPr id="3" name="Content Placeholder 2">
@@ -10281,8 +10287,8 @@
           </a:fontRef>
         </p:style>
       </p:cxnSp>
-      <mc:AlternateContent xmlns:mc="http://schemas.openxmlformats.org/markup-compatibility/2006">
-        <mc:Choice xmlns:a14="http://schemas.microsoft.com/office/drawing/2010/main" Requires="a14">
+      <mc:AlternateContent xmlns:mc="http://schemas.openxmlformats.org/markup-compatibility/2006" xmlns:a14="http://schemas.microsoft.com/office/drawing/2010/main">
+        <mc:Choice Requires="a14">
           <p:sp>
             <p:nvSpPr>
               <p:cNvPr id="16" name="TextBox 15">
@@ -10385,7 +10391,7 @@
             </p:txBody>
           </p:sp>
         </mc:Choice>
-        <mc:Fallback>
+        <mc:Fallback xmlns="">
           <p:sp>
             <p:nvSpPr>
               <p:cNvPr id="16" name="TextBox 15">
@@ -10430,8 +10436,8 @@
           </p:sp>
         </mc:Fallback>
       </mc:AlternateContent>
-      <mc:AlternateContent xmlns:mc="http://schemas.openxmlformats.org/markup-compatibility/2006">
-        <mc:Choice xmlns:a14="http://schemas.microsoft.com/office/drawing/2010/main" Requires="a14">
+      <mc:AlternateContent xmlns:mc="http://schemas.openxmlformats.org/markup-compatibility/2006" xmlns:a14="http://schemas.microsoft.com/office/drawing/2010/main">
+        <mc:Choice Requires="a14">
           <p:sp>
             <p:nvSpPr>
               <p:cNvPr id="17" name="TextBox 16">
@@ -10529,7 +10535,7 @@
             </p:txBody>
           </p:sp>
         </mc:Choice>
-        <mc:Fallback>
+        <mc:Fallback xmlns="">
           <p:sp>
             <p:nvSpPr>
               <p:cNvPr id="17" name="TextBox 16">
@@ -11070,8 +11076,8 @@
           </a:p>
         </p:txBody>
       </p:sp>
-      <mc:AlternateContent xmlns:mc="http://schemas.openxmlformats.org/markup-compatibility/2006">
-        <mc:Choice xmlns:a14="http://schemas.microsoft.com/office/drawing/2010/main" Requires="a14">
+      <mc:AlternateContent xmlns:mc="http://schemas.openxmlformats.org/markup-compatibility/2006" xmlns:a14="http://schemas.microsoft.com/office/drawing/2010/main">
+        <mc:Choice Requires="a14">
           <p:sp>
             <p:nvSpPr>
               <p:cNvPr id="3" name="Content Placeholder 2"/>
@@ -11228,7 +11234,7 @@
             </p:txBody>
           </p:sp>
         </mc:Choice>
-        <mc:Fallback>
+        <mc:Fallback xmlns="">
           <p:sp>
             <p:nvSpPr>
               <p:cNvPr id="3" name="Content Placeholder 2"/>
@@ -11854,8 +11860,8 @@
           </a:p>
         </p:txBody>
       </p:sp>
-      <mc:AlternateContent xmlns:mc="http://schemas.openxmlformats.org/markup-compatibility/2006">
-        <mc:Choice xmlns:a14="http://schemas.microsoft.com/office/drawing/2010/main" Requires="a14">
+      <mc:AlternateContent xmlns:mc="http://schemas.openxmlformats.org/markup-compatibility/2006" xmlns:a14="http://schemas.microsoft.com/office/drawing/2010/main">
+        <mc:Choice Requires="a14">
           <p:sp>
             <p:nvSpPr>
               <p:cNvPr id="3" name="Content Placeholder 2"/>
@@ -12022,7 +12028,7 @@
             </p:txBody>
           </p:sp>
         </mc:Choice>
-        <mc:Fallback>
+        <mc:Fallback xmlns="">
           <p:sp>
             <p:nvSpPr>
               <p:cNvPr id="3" name="Content Placeholder 2"/>
@@ -12118,8 +12124,8 @@
           </a:p>
         </p:txBody>
       </p:sp>
-      <mc:AlternateContent xmlns:mc="http://schemas.openxmlformats.org/markup-compatibility/2006">
-        <mc:Choice xmlns:a14="http://schemas.microsoft.com/office/drawing/2010/main" Requires="a14">
+      <mc:AlternateContent xmlns:mc="http://schemas.openxmlformats.org/markup-compatibility/2006" xmlns:a14="http://schemas.microsoft.com/office/drawing/2010/main">
+        <mc:Choice Requires="a14">
           <p:sp>
             <p:nvSpPr>
               <p:cNvPr id="3" name="Content Placeholder 2"/>
@@ -12175,7 +12181,7 @@
             </p:txBody>
           </p:sp>
         </mc:Choice>
-        <mc:Fallback>
+        <mc:Fallback xmlns="">
           <p:sp>
             <p:nvSpPr>
               <p:cNvPr id="3" name="Content Placeholder 2"/>
@@ -12295,8 +12301,8 @@
           </a:p>
         </p:txBody>
       </p:sp>
-      <mc:AlternateContent xmlns:mc="http://schemas.openxmlformats.org/markup-compatibility/2006">
-        <mc:Choice xmlns:a14="http://schemas.microsoft.com/office/drawing/2010/main" Requires="a14">
+      <mc:AlternateContent xmlns:mc="http://schemas.openxmlformats.org/markup-compatibility/2006" xmlns:a14="http://schemas.microsoft.com/office/drawing/2010/main">
+        <mc:Choice Requires="a14">
           <p:sp>
             <p:nvSpPr>
               <p:cNvPr id="3" name="Content Placeholder 2"/>
@@ -12683,7 +12689,7 @@
             </p:txBody>
           </p:sp>
         </mc:Choice>
-        <mc:Fallback>
+        <mc:Fallback xmlns="">
           <p:sp>
             <p:nvSpPr>
               <p:cNvPr id="3" name="Content Placeholder 2"/>
@@ -12803,8 +12809,8 @@
           </a:p>
         </p:txBody>
       </p:sp>
-      <mc:AlternateContent xmlns:mc="http://schemas.openxmlformats.org/markup-compatibility/2006">
-        <mc:Choice xmlns:a14="http://schemas.microsoft.com/office/drawing/2010/main" Requires="a14">
+      <mc:AlternateContent xmlns:mc="http://schemas.openxmlformats.org/markup-compatibility/2006" xmlns:a14="http://schemas.microsoft.com/office/drawing/2010/main">
+        <mc:Choice Requires="a14">
           <p:sp>
             <p:nvSpPr>
               <p:cNvPr id="3" name="Content Placeholder 2"/>
@@ -12871,7 +12877,7 @@
             </p:txBody>
           </p:sp>
         </mc:Choice>
-        <mc:Fallback>
+        <mc:Fallback xmlns="">
           <p:sp>
             <p:nvSpPr>
               <p:cNvPr id="3" name="Content Placeholder 2"/>
@@ -12905,8 +12911,8 @@
           </p:sp>
         </mc:Fallback>
       </mc:AlternateContent>
-      <mc:AlternateContent xmlns:mc="http://schemas.openxmlformats.org/markup-compatibility/2006">
-        <mc:Choice xmlns:a14="http://schemas.microsoft.com/office/drawing/2010/main" Requires="a14">
+      <mc:AlternateContent xmlns:mc="http://schemas.openxmlformats.org/markup-compatibility/2006" xmlns:a14="http://schemas.microsoft.com/office/drawing/2010/main">
+        <mc:Choice Requires="a14">
           <p:graphicFrame>
             <p:nvGraphicFramePr>
               <p:cNvPr id="5" name="Table 4"/>
@@ -13200,7 +13206,7 @@
             </a:graphic>
           </p:graphicFrame>
         </mc:Choice>
-        <mc:Fallback>
+        <mc:Fallback xmlns="">
           <p:graphicFrame>
             <p:nvGraphicFramePr>
               <p:cNvPr id="5" name="Table 4"/>
@@ -13502,8 +13508,8 @@
           </a:p>
         </p:txBody>
       </p:sp>
-      <mc:AlternateContent xmlns:mc="http://schemas.openxmlformats.org/markup-compatibility/2006">
-        <mc:Choice xmlns:a14="http://schemas.microsoft.com/office/drawing/2010/main" Requires="a14">
+      <mc:AlternateContent xmlns:mc="http://schemas.openxmlformats.org/markup-compatibility/2006" xmlns:a14="http://schemas.microsoft.com/office/drawing/2010/main">
+        <mc:Choice Requires="a14">
           <p:sp>
             <p:nvSpPr>
               <p:cNvPr id="3" name="Content Placeholder 2"/>
@@ -13575,7 +13581,7 @@
             </p:txBody>
           </p:sp>
         </mc:Choice>
-        <mc:Fallback>
+        <mc:Fallback xmlns="">
           <p:sp>
             <p:nvSpPr>
               <p:cNvPr id="3" name="Content Placeholder 2"/>
@@ -13633,8 +13639,8 @@
           </a:prstGeom>
         </p:spPr>
       </p:pic>
-      <mc:AlternateContent xmlns:mc="http://schemas.openxmlformats.org/markup-compatibility/2006">
-        <mc:Choice xmlns:a14="http://schemas.microsoft.com/office/drawing/2010/main" Requires="a14">
+      <mc:AlternateContent xmlns:mc="http://schemas.openxmlformats.org/markup-compatibility/2006" xmlns:a14="http://schemas.microsoft.com/office/drawing/2010/main">
+        <mc:Choice Requires="a14">
           <p:graphicFrame>
             <p:nvGraphicFramePr>
               <p:cNvPr id="6" name="Table 5"/>
@@ -14302,7 +14308,7 @@
             </a:graphic>
           </p:graphicFrame>
         </mc:Choice>
-        <mc:Fallback>
+        <mc:Fallback xmlns="">
           <p:graphicFrame>
             <p:nvGraphicFramePr>
               <p:cNvPr id="6" name="Table 5"/>
@@ -14927,8 +14933,8 @@
           </a:p>
         </p:txBody>
       </p:sp>
-      <mc:AlternateContent xmlns:mc="http://schemas.openxmlformats.org/markup-compatibility/2006">
-        <mc:Choice xmlns:a14="http://schemas.microsoft.com/office/drawing/2010/main" Requires="a14">
+      <mc:AlternateContent xmlns:mc="http://schemas.openxmlformats.org/markup-compatibility/2006" xmlns:a14="http://schemas.microsoft.com/office/drawing/2010/main">
+        <mc:Choice Requires="a14">
           <p:sp>
             <p:nvSpPr>
               <p:cNvPr id="3" name="Content Placeholder 2"/>
@@ -15114,7 +15120,7 @@
             </p:txBody>
           </p:sp>
         </mc:Choice>
-        <mc:Fallback>
+        <mc:Fallback xmlns="">
           <p:sp>
             <p:nvSpPr>
               <p:cNvPr id="3" name="Content Placeholder 2"/>
@@ -15263,8 +15269,8 @@
           </a:p>
         </p:txBody>
       </p:sp>
-      <mc:AlternateContent xmlns:mc="http://schemas.openxmlformats.org/markup-compatibility/2006">
-        <mc:Choice xmlns:a14="http://schemas.microsoft.com/office/drawing/2010/main" Requires="a14">
+      <mc:AlternateContent xmlns:mc="http://schemas.openxmlformats.org/markup-compatibility/2006" xmlns:a14="http://schemas.microsoft.com/office/drawing/2010/main">
+        <mc:Choice Requires="a14">
           <p:sp>
             <p:nvSpPr>
               <p:cNvPr id="3" name="Content Placeholder 2"/>
@@ -15969,13 +15975,7 @@
                       <a:rPr lang="en-US" i="1">
                         <a:latin typeface="Cambria Math" panose="02040503050406030204" pitchFamily="18" charset="0"/>
                       </a:rPr>
-                      <m:t>=</m:t>
-                    </m:r>
-                    <m:r>
-                      <a:rPr lang="en-US" i="1">
-                        <a:latin typeface="Cambria Math" panose="02040503050406030204" pitchFamily="18" charset="0"/>
-                      </a:rPr>
-                      <m:t>1</m:t>
+                      <m:t>=1</m:t>
                     </m:r>
                     <m:r>
                       <m:rPr>
@@ -16157,21 +16157,7 @@
                             <a:latin typeface="Cambria Math" panose="02040503050406030204" pitchFamily="18" charset="0"/>
                             <a:ea typeface="Cambria Math" panose="02040503050406030204" pitchFamily="18" charset="0"/>
                           </a:rPr>
-                          <m:t>(</m:t>
-                        </m:r>
-                        <m:r>
-                          <a:rPr lang="en-US" i="1">
-                            <a:latin typeface="Cambria Math" panose="02040503050406030204" pitchFamily="18" charset="0"/>
-                            <a:ea typeface="Cambria Math" panose="02040503050406030204" pitchFamily="18" charset="0"/>
-                          </a:rPr>
-                          <m:t>0.2</m:t>
-                        </m:r>
-                        <m:r>
-                          <a:rPr lang="en-US" i="1">
-                            <a:latin typeface="Cambria Math" panose="02040503050406030204" pitchFamily="18" charset="0"/>
-                            <a:ea typeface="Cambria Math" panose="02040503050406030204" pitchFamily="18" charset="0"/>
-                          </a:rPr>
-                          <m:t>)</m:t>
+                          <m:t>(0.2)</m:t>
                         </m:r>
                       </m:sup>
                     </m:sSup>
@@ -16326,7 +16312,7 @@
             </p:txBody>
           </p:sp>
         </mc:Choice>
-        <mc:Fallback>
+        <mc:Fallback xmlns="">
           <p:sp>
             <p:nvSpPr>
               <p:cNvPr id="3" name="Content Placeholder 2"/>
@@ -16593,8 +16579,8 @@
           </a:p>
         </p:txBody>
       </p:sp>
-      <mc:AlternateContent xmlns:mc="http://schemas.openxmlformats.org/markup-compatibility/2006">
-        <mc:Choice xmlns:a14="http://schemas.microsoft.com/office/drawing/2010/main" Requires="a14">
+      <mc:AlternateContent xmlns:mc="http://schemas.openxmlformats.org/markup-compatibility/2006" xmlns:a14="http://schemas.microsoft.com/office/drawing/2010/main">
+        <mc:Choice Requires="a14">
           <p:sp>
             <p:nvSpPr>
               <p:cNvPr id="3" name="Content Placeholder 2"/>
@@ -17420,7 +17406,7 @@
             </p:txBody>
           </p:sp>
         </mc:Choice>
-        <mc:Fallback>
+        <mc:Fallback xmlns="">
           <p:sp>
             <p:nvSpPr>
               <p:cNvPr id="3" name="Content Placeholder 2"/>
@@ -17623,8 +17609,8 @@
           </a:p>
         </p:txBody>
       </p:sp>
-      <mc:AlternateContent xmlns:mc="http://schemas.openxmlformats.org/markup-compatibility/2006">
-        <mc:Choice xmlns:a14="http://schemas.microsoft.com/office/drawing/2010/main" Requires="a14">
+      <mc:AlternateContent xmlns:mc="http://schemas.openxmlformats.org/markup-compatibility/2006" xmlns:a14="http://schemas.microsoft.com/office/drawing/2010/main">
+        <mc:Choice Requires="a14">
           <p:sp>
             <p:nvSpPr>
               <p:cNvPr id="5" name="TextBox 4"/>
@@ -18729,7 +18715,7 @@
             </p:txBody>
           </p:sp>
         </mc:Choice>
-        <mc:Fallback>
+        <mc:Fallback xmlns="">
           <p:sp>
             <p:nvSpPr>
               <p:cNvPr id="5" name="TextBox 4"/>
@@ -18971,8 +18957,8 @@
           </a:p>
         </p:txBody>
       </p:sp>
-      <mc:AlternateContent xmlns:mc="http://schemas.openxmlformats.org/markup-compatibility/2006">
-        <mc:Choice xmlns:a14="http://schemas.microsoft.com/office/drawing/2010/main" Requires="a14">
+      <mc:AlternateContent xmlns:mc="http://schemas.openxmlformats.org/markup-compatibility/2006" xmlns:a14="http://schemas.microsoft.com/office/drawing/2010/main">
+        <mc:Choice Requires="a14">
           <p:sp>
             <p:nvSpPr>
               <p:cNvPr id="5" name="TextBox 4"/>
@@ -20056,7 +20042,7 @@
             </p:txBody>
           </p:sp>
         </mc:Choice>
-        <mc:Fallback>
+        <mc:Fallback xmlns="">
           <p:sp>
             <p:nvSpPr>
               <p:cNvPr id="5" name="TextBox 4"/>
@@ -20461,8 +20447,8 @@
           </a:p>
         </p:txBody>
       </p:sp>
-      <mc:AlternateContent xmlns:mc="http://schemas.openxmlformats.org/markup-compatibility/2006">
-        <mc:Choice xmlns:a14="http://schemas.microsoft.com/office/drawing/2010/main" Requires="a14">
+      <mc:AlternateContent xmlns:mc="http://schemas.openxmlformats.org/markup-compatibility/2006" xmlns:a14="http://schemas.microsoft.com/office/drawing/2010/main">
+        <mc:Choice Requires="a14">
           <p:sp>
             <p:nvSpPr>
               <p:cNvPr id="3" name="Content Placeholder 2"/>
@@ -20653,7 +20639,7 @@
             </p:txBody>
           </p:sp>
         </mc:Choice>
-        <mc:Fallback>
+        <mc:Fallback xmlns="">
           <p:sp>
             <p:nvSpPr>
               <p:cNvPr id="3" name="Content Placeholder 2"/>
@@ -20687,8 +20673,8 @@
           </p:sp>
         </mc:Fallback>
       </mc:AlternateContent>
-      <mc:AlternateContent xmlns:mc="http://schemas.openxmlformats.org/markup-compatibility/2006">
-        <mc:Choice xmlns:a14="http://schemas.microsoft.com/office/drawing/2010/main" Requires="a14">
+      <mc:AlternateContent xmlns:mc="http://schemas.openxmlformats.org/markup-compatibility/2006" xmlns:a14="http://schemas.microsoft.com/office/drawing/2010/main">
+        <mc:Choice Requires="a14">
           <p:sp>
             <p:nvSpPr>
               <p:cNvPr id="5" name="TextBox 4"/>
@@ -21078,7 +21064,7 @@
             </p:txBody>
           </p:sp>
         </mc:Choice>
-        <mc:Fallback>
+        <mc:Fallback xmlns="">
           <p:sp>
             <p:nvSpPr>
               <p:cNvPr id="5" name="TextBox 4"/>
@@ -21180,8 +21166,8 @@
           </a:p>
         </p:txBody>
       </p:sp>
-      <mc:AlternateContent xmlns:mc="http://schemas.openxmlformats.org/markup-compatibility/2006">
-        <mc:Choice xmlns:a14="http://schemas.microsoft.com/office/drawing/2010/main" Requires="a14">
+      <mc:AlternateContent xmlns:mc="http://schemas.openxmlformats.org/markup-compatibility/2006" xmlns:a14="http://schemas.microsoft.com/office/drawing/2010/main">
+        <mc:Choice Requires="a14">
           <p:sp>
             <p:nvSpPr>
               <p:cNvPr id="3" name="Content Placeholder 2"/>
@@ -21431,7 +21417,7 @@
             </p:txBody>
           </p:sp>
         </mc:Choice>
-        <mc:Fallback>
+        <mc:Fallback xmlns="">
           <p:sp>
             <p:nvSpPr>
               <p:cNvPr id="3" name="Content Placeholder 2"/>
@@ -21465,8 +21451,8 @@
           </p:sp>
         </mc:Fallback>
       </mc:AlternateContent>
-      <mc:AlternateContent xmlns:mc="http://schemas.openxmlformats.org/markup-compatibility/2006">
-        <mc:Choice xmlns:a14="http://schemas.microsoft.com/office/drawing/2010/main" Requires="a14">
+      <mc:AlternateContent xmlns:mc="http://schemas.openxmlformats.org/markup-compatibility/2006" xmlns:a14="http://schemas.microsoft.com/office/drawing/2010/main">
+        <mc:Choice Requires="a14">
           <p:sp>
             <p:nvSpPr>
               <p:cNvPr id="5" name="TextBox 4"/>
@@ -21907,7 +21893,7 @@
             </p:txBody>
           </p:sp>
         </mc:Choice>
-        <mc:Fallback>
+        <mc:Fallback xmlns="">
           <p:sp>
             <p:nvSpPr>
               <p:cNvPr id="5" name="TextBox 4"/>
@@ -22322,8 +22308,8 @@
           </a:p>
         </p:txBody>
       </p:sp>
-      <mc:AlternateContent xmlns:mc="http://schemas.openxmlformats.org/markup-compatibility/2006">
-        <mc:Choice xmlns:a14="http://schemas.microsoft.com/office/drawing/2010/main" Requires="a14">
+      <mc:AlternateContent xmlns:mc="http://schemas.openxmlformats.org/markup-compatibility/2006" xmlns:a14="http://schemas.microsoft.com/office/drawing/2010/main">
+        <mc:Choice Requires="a14">
           <p:sp>
             <p:nvSpPr>
               <p:cNvPr id="3" name="Content Placeholder 2"/>
@@ -22581,7 +22567,7 @@
             </p:txBody>
           </p:sp>
         </mc:Choice>
-        <mc:Fallback>
+        <mc:Fallback xmlns="">
           <p:sp>
             <p:nvSpPr>
               <p:cNvPr id="3" name="Content Placeholder 2"/>
@@ -22740,8 +22726,8 @@
           </a:fontRef>
         </p:style>
       </p:cxnSp>
-      <mc:AlternateContent xmlns:mc="http://schemas.openxmlformats.org/markup-compatibility/2006">
-        <mc:Choice xmlns:a14="http://schemas.microsoft.com/office/drawing/2010/main" Requires="a14">
+      <mc:AlternateContent xmlns:mc="http://schemas.openxmlformats.org/markup-compatibility/2006" xmlns:a14="http://schemas.microsoft.com/office/drawing/2010/main">
+        <mc:Choice Requires="a14">
           <p:sp>
             <p:nvSpPr>
               <p:cNvPr id="9" name="TextBox 8"/>
@@ -22809,7 +22795,7 @@
             </p:txBody>
           </p:sp>
         </mc:Choice>
-        <mc:Fallback>
+        <mc:Fallback xmlns="">
           <p:sp>
             <p:nvSpPr>
               <p:cNvPr id="9" name="TextBox 8"/>
@@ -22923,8 +22909,8 @@
           </a:p>
         </p:txBody>
       </p:sp>
-      <mc:AlternateContent xmlns:mc="http://schemas.openxmlformats.org/markup-compatibility/2006">
-        <mc:Choice xmlns:a14="http://schemas.microsoft.com/office/drawing/2010/main" Requires="a14">
+      <mc:AlternateContent xmlns:mc="http://schemas.openxmlformats.org/markup-compatibility/2006" xmlns:a14="http://schemas.microsoft.com/office/drawing/2010/main">
+        <mc:Choice Requires="a14">
           <p:sp>
             <p:nvSpPr>
               <p:cNvPr id="3" name="Content Placeholder 2"/>
@@ -23134,7 +23120,7 @@
             </p:txBody>
           </p:sp>
         </mc:Choice>
-        <mc:Fallback>
+        <mc:Fallback xmlns="">
           <p:sp>
             <p:nvSpPr>
               <p:cNvPr id="3" name="Content Placeholder 2"/>
@@ -23172,8 +23158,8 @@
           </p:sp>
         </mc:Fallback>
       </mc:AlternateContent>
-      <mc:AlternateContent xmlns:mc="http://schemas.openxmlformats.org/markup-compatibility/2006">
-        <mc:Choice xmlns:a14="http://schemas.microsoft.com/office/drawing/2010/main" Requires="a14">
+      <mc:AlternateContent xmlns:mc="http://schemas.openxmlformats.org/markup-compatibility/2006" xmlns:a14="http://schemas.microsoft.com/office/drawing/2010/main">
+        <mc:Choice Requires="a14">
           <p:sp>
             <p:nvSpPr>
               <p:cNvPr id="4" name="TextBox 3"/>
@@ -23323,7 +23309,7 @@
                           <a:schemeClr val="tx1"/>
                         </a:solidFill>
                       </a:rPr>
-                      <m:t>-</m:t>
+                      <m:t>−</m:t>
                     </m:r>
                     <m:r>
                       <m:rPr>
@@ -23337,7 +23323,7 @@
                         <m:nor/>
                       </m:rPr>
                       <a:rPr lang="en-US" sz="2000" b="0" i="0" dirty="0" smtClean="0"/>
-                      <m:t>-</m:t>
+                      <m:t>−</m:t>
                     </m:r>
                     <m:r>
                       <m:rPr>
@@ -23648,7 +23634,7 @@
             </p:txBody>
           </p:sp>
         </mc:Choice>
-        <mc:Fallback>
+        <mc:Fallback xmlns="">
           <p:sp>
             <p:nvSpPr>
               <p:cNvPr id="4" name="TextBox 3"/>
@@ -23687,8 +23673,8 @@
           </p:sp>
         </mc:Fallback>
       </mc:AlternateContent>
-      <mc:AlternateContent xmlns:mc="http://schemas.openxmlformats.org/markup-compatibility/2006">
-        <mc:Choice xmlns:a14="http://schemas.microsoft.com/office/drawing/2010/main" Requires="a14">
+      <mc:AlternateContent xmlns:mc="http://schemas.openxmlformats.org/markup-compatibility/2006" xmlns:a14="http://schemas.microsoft.com/office/drawing/2010/main">
+        <mc:Choice Requires="a14">
           <p:sp>
             <p:nvSpPr>
               <p:cNvPr id="5" name="TextBox 4"/>
@@ -24234,7 +24220,7 @@
             </p:txBody>
           </p:sp>
         </mc:Choice>
-        <mc:Fallback>
+        <mc:Fallback xmlns="">
           <p:sp>
             <p:nvSpPr>
               <p:cNvPr id="5" name="TextBox 4"/>
@@ -24459,8 +24445,8 @@
           </a:p>
         </p:txBody>
       </p:sp>
-      <mc:AlternateContent xmlns:mc="http://schemas.openxmlformats.org/markup-compatibility/2006">
-        <mc:Choice xmlns:a14="http://schemas.microsoft.com/office/drawing/2010/main" Requires="a14">
+      <mc:AlternateContent xmlns:mc="http://schemas.openxmlformats.org/markup-compatibility/2006" xmlns:a14="http://schemas.microsoft.com/office/drawing/2010/main">
+        <mc:Choice Requires="a14">
           <p:sp>
             <p:nvSpPr>
               <p:cNvPr id="3" name="Content Placeholder 2"/>
@@ -24505,7 +24491,7 @@
             </p:txBody>
           </p:sp>
         </mc:Choice>
-        <mc:Fallback>
+        <mc:Fallback xmlns="">
           <p:sp>
             <p:nvSpPr>
               <p:cNvPr id="3" name="Content Placeholder 2"/>
@@ -24539,8 +24525,8 @@
           </p:sp>
         </mc:Fallback>
       </mc:AlternateContent>
-      <mc:AlternateContent xmlns:mc="http://schemas.openxmlformats.org/markup-compatibility/2006">
-        <mc:Choice xmlns:a14="http://schemas.microsoft.com/office/drawing/2010/main" Requires="a14">
+      <mc:AlternateContent xmlns:mc="http://schemas.openxmlformats.org/markup-compatibility/2006" xmlns:a14="http://schemas.microsoft.com/office/drawing/2010/main">
+        <mc:Choice Requires="a14">
           <p:sp>
             <p:nvSpPr>
               <p:cNvPr id="5" name="TextBox 4"/>
@@ -25044,7 +25030,7 @@
             </p:txBody>
           </p:sp>
         </mc:Choice>
-        <mc:Fallback>
+        <mc:Fallback xmlns="">
           <p:sp>
             <p:nvSpPr>
               <p:cNvPr id="5" name="TextBox 4"/>
@@ -25083,8 +25069,8 @@
           </p:sp>
         </mc:Fallback>
       </mc:AlternateContent>
-      <mc:AlternateContent xmlns:mc="http://schemas.openxmlformats.org/markup-compatibility/2006">
-        <mc:Choice xmlns:a14="http://schemas.microsoft.com/office/drawing/2010/main" Requires="a14">
+      <mc:AlternateContent xmlns:mc="http://schemas.openxmlformats.org/markup-compatibility/2006" xmlns:a14="http://schemas.microsoft.com/office/drawing/2010/main">
+        <mc:Choice Requires="a14">
           <p:sp>
             <p:nvSpPr>
               <p:cNvPr id="10" name="TextBox 3"/>
@@ -25592,7 +25578,7 @@
             </p:txBody>
           </p:sp>
         </mc:Choice>
-        <mc:Fallback>
+        <mc:Fallback xmlns="">
           <p:sp>
             <p:nvSpPr>
               <p:cNvPr id="10" name="TextBox 3"/>
@@ -25702,8 +25688,8 @@
           </a:p>
         </p:txBody>
       </p:sp>
-      <mc:AlternateContent xmlns:mc="http://schemas.openxmlformats.org/markup-compatibility/2006">
-        <mc:Choice xmlns:a14="http://schemas.microsoft.com/office/drawing/2010/main" Requires="a14">
+      <mc:AlternateContent xmlns:mc="http://schemas.openxmlformats.org/markup-compatibility/2006" xmlns:a14="http://schemas.microsoft.com/office/drawing/2010/main">
+        <mc:Choice Requires="a14">
           <p:sp>
             <p:nvSpPr>
               <p:cNvPr id="3" name="Content Placeholder 2"/>
@@ -25844,7 +25830,7 @@
             </p:txBody>
           </p:sp>
         </mc:Choice>
-        <mc:Fallback>
+        <mc:Fallback xmlns="">
           <p:sp>
             <p:nvSpPr>
               <p:cNvPr id="3" name="Content Placeholder 2"/>
@@ -26118,8 +26104,8 @@
           </a:p>
         </p:txBody>
       </p:sp>
-      <mc:AlternateContent xmlns:mc="http://schemas.openxmlformats.org/markup-compatibility/2006">
-        <mc:Choice xmlns:a14="http://schemas.microsoft.com/office/drawing/2010/main" Requires="a14">
+      <mc:AlternateContent xmlns:mc="http://schemas.openxmlformats.org/markup-compatibility/2006" xmlns:a14="http://schemas.microsoft.com/office/drawing/2010/main">
+        <mc:Choice Requires="a14">
           <p:sp>
             <p:nvSpPr>
               <p:cNvPr id="3" name="Content Placeholder 2"/>
@@ -26233,7 +26219,7 @@
             </p:txBody>
           </p:sp>
         </mc:Choice>
-        <mc:Fallback>
+        <mc:Fallback xmlns="">
           <p:sp>
             <p:nvSpPr>
               <p:cNvPr id="3" name="Content Placeholder 2"/>
@@ -29084,8 +29070,8 @@
           </a:p>
         </p:txBody>
       </p:sp>
-      <mc:AlternateContent xmlns:mc="http://schemas.openxmlformats.org/markup-compatibility/2006">
-        <mc:Choice xmlns:a14="http://schemas.microsoft.com/office/drawing/2010/main" Requires="a14">
+      <mc:AlternateContent xmlns:mc="http://schemas.openxmlformats.org/markup-compatibility/2006" xmlns:a14="http://schemas.microsoft.com/office/drawing/2010/main">
+        <mc:Choice Requires="a14">
           <p:sp>
             <p:nvSpPr>
               <p:cNvPr id="3" name="Content Placeholder 2"/>
@@ -29154,7 +29140,7 @@
             </p:txBody>
           </p:sp>
         </mc:Choice>
-        <mc:Fallback>
+        <mc:Fallback xmlns="">
           <p:sp>
             <p:nvSpPr>
               <p:cNvPr id="3" name="Content Placeholder 2"/>
@@ -29496,8 +29482,8 @@
           </a:fontRef>
         </p:style>
       </p:cxnSp>
-      <mc:AlternateContent xmlns:mc="http://schemas.openxmlformats.org/markup-compatibility/2006">
-        <mc:Choice xmlns:a14="http://schemas.microsoft.com/office/drawing/2010/main" Requires="a14">
+      <mc:AlternateContent xmlns:mc="http://schemas.openxmlformats.org/markup-compatibility/2006" xmlns:a14="http://schemas.microsoft.com/office/drawing/2010/main">
+        <mc:Choice Requires="a14">
           <p:sp>
             <p:nvSpPr>
               <p:cNvPr id="14" name="TextBox 13"/>
@@ -29602,7 +29588,7 @@
             </p:txBody>
           </p:sp>
         </mc:Choice>
-        <mc:Fallback>
+        <mc:Fallback xmlns="">
           <p:sp>
             <p:nvSpPr>
               <p:cNvPr id="14" name="TextBox 13"/>
@@ -31739,8 +31725,8 @@
           <a:chExt cx="0" cy="0"/>
         </a:xfrm>
       </p:grpSpPr>
-      <mc:AlternateContent xmlns:mc="http://schemas.openxmlformats.org/markup-compatibility/2006">
-        <mc:Choice xmlns:a14="http://schemas.microsoft.com/office/drawing/2010/main" Requires="a14">
+      <mc:AlternateContent xmlns:mc="http://schemas.openxmlformats.org/markup-compatibility/2006" xmlns:a14="http://schemas.microsoft.com/office/drawing/2010/main">
+        <mc:Choice Requires="a14">
           <p:sp>
             <p:nvSpPr>
               <p:cNvPr id="3" name="Content Placeholder 2"/>
@@ -31833,7 +31819,7 @@
             </p:txBody>
           </p:sp>
         </mc:Choice>
-        <mc:Fallback>
+        <mc:Fallback xmlns="">
           <p:sp>
             <p:nvSpPr>
               <p:cNvPr id="3" name="Content Placeholder 2"/>
@@ -32353,8 +32339,8 @@
           </a:fontRef>
         </p:style>
       </p:cxnSp>
-      <mc:AlternateContent xmlns:mc="http://schemas.openxmlformats.org/markup-compatibility/2006">
-        <mc:Choice xmlns:a14="http://schemas.microsoft.com/office/drawing/2010/main" Requires="a14">
+      <mc:AlternateContent xmlns:mc="http://schemas.openxmlformats.org/markup-compatibility/2006" xmlns:a14="http://schemas.microsoft.com/office/drawing/2010/main">
+        <mc:Choice Requires="a14">
           <p:sp>
             <p:nvSpPr>
               <p:cNvPr id="24" name="TextBox 23"/>
@@ -32377,6 +32363,7 @@
               </a:bodyPr>
               <a:lstStyle/>
               <a:p>
+                <a:pPr/>
                 <a14:m>
                   <m:oMathPara xmlns:m="http://schemas.openxmlformats.org/officeDocument/2006/math">
                     <m:oMathParaPr>
@@ -32422,7 +32409,7 @@
             </p:txBody>
           </p:sp>
         </mc:Choice>
-        <mc:Fallback>
+        <mc:Fallback xmlns="">
           <p:sp>
             <p:nvSpPr>
               <p:cNvPr id="24" name="TextBox 23"/>
@@ -32461,8 +32448,8 @@
           </p:sp>
         </mc:Fallback>
       </mc:AlternateContent>
-      <mc:AlternateContent xmlns:mc="http://schemas.openxmlformats.org/markup-compatibility/2006">
-        <mc:Choice xmlns:a14="http://schemas.microsoft.com/office/drawing/2010/main" Requires="a14">
+      <mc:AlternateContent xmlns:mc="http://schemas.openxmlformats.org/markup-compatibility/2006" xmlns:a14="http://schemas.microsoft.com/office/drawing/2010/main">
+        <mc:Choice Requires="a14">
           <p:sp>
             <p:nvSpPr>
               <p:cNvPr id="25" name="TextBox 24"/>
@@ -32485,6 +32472,7 @@
               </a:bodyPr>
               <a:lstStyle/>
               <a:p>
+                <a:pPr/>
                 <a14:m>
                   <m:oMathPara xmlns:m="http://schemas.openxmlformats.org/officeDocument/2006/math">
                     <m:oMathParaPr>
@@ -32521,7 +32509,7 @@
             </p:txBody>
           </p:sp>
         </mc:Choice>
-        <mc:Fallback>
+        <mc:Fallback xmlns="">
           <p:sp>
             <p:nvSpPr>
               <p:cNvPr id="25" name="TextBox 24"/>
@@ -32560,8 +32548,8 @@
           </p:sp>
         </mc:Fallback>
       </mc:AlternateContent>
-      <mc:AlternateContent xmlns:mc="http://schemas.openxmlformats.org/markup-compatibility/2006">
-        <mc:Choice xmlns:a14="http://schemas.microsoft.com/office/drawing/2010/main" Requires="a14">
+      <mc:AlternateContent xmlns:mc="http://schemas.openxmlformats.org/markup-compatibility/2006" xmlns:a14="http://schemas.microsoft.com/office/drawing/2010/main">
+        <mc:Choice Requires="a14">
           <p:sp>
             <p:nvSpPr>
               <p:cNvPr id="26" name="TextBox 25"/>
@@ -32584,6 +32572,7 @@
               </a:bodyPr>
               <a:lstStyle/>
               <a:p>
+                <a:pPr/>
                 <a14:m>
                   <m:oMathPara xmlns:m="http://schemas.openxmlformats.org/officeDocument/2006/math">
                     <m:oMathParaPr>
@@ -32645,7 +32634,7 @@
             </p:txBody>
           </p:sp>
         </mc:Choice>
-        <mc:Fallback>
+        <mc:Fallback xmlns="">
           <p:sp>
             <p:nvSpPr>
               <p:cNvPr id="26" name="TextBox 25"/>
@@ -32905,8 +32894,8 @@
           </p:sp>
         </mc:Fallback>
       </mc:AlternateContent>
-      <mc:AlternateContent xmlns:mc="http://schemas.openxmlformats.org/markup-compatibility/2006">
-        <mc:Choice xmlns:a14="http://schemas.microsoft.com/office/drawing/2010/main" Requires="a14">
+      <mc:AlternateContent xmlns:mc="http://schemas.openxmlformats.org/markup-compatibility/2006" xmlns:a14="http://schemas.microsoft.com/office/drawing/2010/main">
+        <mc:Choice Requires="a14">
           <p:sp>
             <p:nvSpPr>
               <p:cNvPr id="28" name="TextBox 27"/>
@@ -32929,6 +32918,7 @@
               </a:bodyPr>
               <a:lstStyle/>
               <a:p>
+                <a:pPr/>
                 <a14:m>
                   <m:oMathPara xmlns:m="http://schemas.openxmlformats.org/officeDocument/2006/math">
                     <m:oMathParaPr>
@@ -32965,7 +32955,7 @@
             </p:txBody>
           </p:sp>
         </mc:Choice>
-        <mc:Fallback>
+        <mc:Fallback xmlns="">
           <p:sp>
             <p:nvSpPr>
               <p:cNvPr id="28" name="TextBox 27"/>
@@ -33240,8 +33230,8 @@
           <a:chExt cx="0" cy="0"/>
         </a:xfrm>
       </p:grpSpPr>
-      <mc:AlternateContent xmlns:mc="http://schemas.openxmlformats.org/markup-compatibility/2006">
-        <mc:Choice xmlns:a14="http://schemas.microsoft.com/office/drawing/2010/main" Requires="a14">
+      <mc:AlternateContent xmlns:mc="http://schemas.openxmlformats.org/markup-compatibility/2006" xmlns:a14="http://schemas.microsoft.com/office/drawing/2010/main">
+        <mc:Choice Requires="a14">
           <p:sp>
             <p:nvSpPr>
               <p:cNvPr id="3" name="Content Placeholder 2"/>
@@ -33408,7 +33398,7 @@
             </p:txBody>
           </p:sp>
         </mc:Choice>
-        <mc:Fallback>
+        <mc:Fallback xmlns="">
           <p:sp>
             <p:nvSpPr>
               <p:cNvPr id="3" name="Content Placeholder 2"/>
@@ -33586,8 +33576,8 @@
           <a:chExt cx="0" cy="0"/>
         </a:xfrm>
       </p:grpSpPr>
-      <mc:AlternateContent xmlns:mc="http://schemas.openxmlformats.org/markup-compatibility/2006">
-        <mc:Choice xmlns:a14="http://schemas.microsoft.com/office/drawing/2010/main" Requires="a14">
+      <mc:AlternateContent xmlns:mc="http://schemas.openxmlformats.org/markup-compatibility/2006" xmlns:a14="http://schemas.microsoft.com/office/drawing/2010/main">
+        <mc:Choice Requires="a14">
           <p:sp>
             <p:nvSpPr>
               <p:cNvPr id="3" name="Content Placeholder 2"/>
@@ -34322,7 +34312,7 @@
             </p:txBody>
           </p:sp>
         </mc:Choice>
-        <mc:Fallback>
+        <mc:Fallback xmlns="">
           <p:sp>
             <p:nvSpPr>
               <p:cNvPr id="3" name="Content Placeholder 2"/>
@@ -34356,8 +34346,8 @@
           </p:sp>
         </mc:Fallback>
       </mc:AlternateContent>
-      <mc:AlternateContent xmlns:mc="http://schemas.openxmlformats.org/markup-compatibility/2006">
-        <mc:Choice xmlns:a14="http://schemas.microsoft.com/office/drawing/2010/main" Requires="a14">
+      <mc:AlternateContent xmlns:mc="http://schemas.openxmlformats.org/markup-compatibility/2006" xmlns:a14="http://schemas.microsoft.com/office/drawing/2010/main">
+        <mc:Choice Requires="a14">
           <p:sp>
             <p:nvSpPr>
               <p:cNvPr id="2" name="Title 1"/>
@@ -34431,7 +34421,7 @@
             </p:txBody>
           </p:sp>
         </mc:Choice>
-        <mc:Fallback>
+        <mc:Fallback xmlns="">
           <p:sp>
             <p:nvSpPr>
               <p:cNvPr id="2" name="Title 1"/>
@@ -34495,8 +34485,8 @@
           <a:chExt cx="0" cy="0"/>
         </a:xfrm>
       </p:grpSpPr>
-      <mc:AlternateContent xmlns:mc="http://schemas.openxmlformats.org/markup-compatibility/2006">
-        <mc:Choice xmlns:a14="http://schemas.microsoft.com/office/drawing/2010/main" Requires="a14">
+      <mc:AlternateContent xmlns:mc="http://schemas.openxmlformats.org/markup-compatibility/2006" xmlns:a14="http://schemas.microsoft.com/office/drawing/2010/main">
+        <mc:Choice Requires="a14">
           <p:sp>
             <p:nvSpPr>
               <p:cNvPr id="3" name="Content Placeholder 2"/>
@@ -34883,7 +34873,7 @@
             </p:txBody>
           </p:sp>
         </mc:Choice>
-        <mc:Fallback>
+        <mc:Fallback xmlns="">
           <p:sp>
             <p:nvSpPr>
               <p:cNvPr id="3" name="Content Placeholder 2"/>
@@ -34917,8 +34907,8 @@
           </p:sp>
         </mc:Fallback>
       </mc:AlternateContent>
-      <mc:AlternateContent xmlns:mc="http://schemas.openxmlformats.org/markup-compatibility/2006">
-        <mc:Choice xmlns:a14="http://schemas.microsoft.com/office/drawing/2010/main" Requires="a14">
+      <mc:AlternateContent xmlns:mc="http://schemas.openxmlformats.org/markup-compatibility/2006" xmlns:a14="http://schemas.microsoft.com/office/drawing/2010/main">
+        <mc:Choice Requires="a14">
           <p:sp>
             <p:nvSpPr>
               <p:cNvPr id="2" name="Title 1"/>
@@ -34992,7 +34982,7 @@
             </p:txBody>
           </p:sp>
         </mc:Choice>
-        <mc:Fallback>
+        <mc:Fallback xmlns="">
           <p:sp>
             <p:nvSpPr>
               <p:cNvPr id="2" name="Title 1"/>
@@ -35145,8 +35135,8 @@
           </a:fontRef>
         </p:style>
       </p:cxnSp>
-      <mc:AlternateContent xmlns:mc="http://schemas.openxmlformats.org/markup-compatibility/2006">
-        <mc:Choice xmlns:a14="http://schemas.microsoft.com/office/drawing/2010/main" Requires="a14">
+      <mc:AlternateContent xmlns:mc="http://schemas.openxmlformats.org/markup-compatibility/2006" xmlns:a14="http://schemas.microsoft.com/office/drawing/2010/main">
+        <mc:Choice Requires="a14">
           <p:sp>
             <p:nvSpPr>
               <p:cNvPr id="11" name="TextBox 10">
@@ -35346,7 +35336,7 @@
             </p:txBody>
           </p:sp>
         </mc:Choice>
-        <mc:Fallback>
+        <mc:Fallback xmlns="">
           <p:sp>
             <p:nvSpPr>
               <p:cNvPr id="11" name="TextBox 10">
@@ -35391,8 +35381,8 @@
           </p:sp>
         </mc:Fallback>
       </mc:AlternateContent>
-      <mc:AlternateContent xmlns:mc="http://schemas.openxmlformats.org/markup-compatibility/2006">
-        <mc:Choice xmlns:a14="http://schemas.microsoft.com/office/drawing/2010/main" Requires="a14">
+      <mc:AlternateContent xmlns:mc="http://schemas.openxmlformats.org/markup-compatibility/2006" xmlns:a14="http://schemas.microsoft.com/office/drawing/2010/main">
+        <mc:Choice Requires="a14">
           <p:sp>
             <p:nvSpPr>
               <p:cNvPr id="12" name="TextBox 11">
@@ -35546,7 +35536,7 @@
             </p:txBody>
           </p:sp>
         </mc:Choice>
-        <mc:Fallback>
+        <mc:Fallback xmlns="">
           <p:sp>
             <p:nvSpPr>
               <p:cNvPr id="12" name="TextBox 11">
@@ -35591,8 +35581,8 @@
           </p:sp>
         </mc:Fallback>
       </mc:AlternateContent>
-      <mc:AlternateContent xmlns:mc="http://schemas.openxmlformats.org/markup-compatibility/2006">
-        <mc:Choice xmlns:a14="http://schemas.microsoft.com/office/drawing/2010/main" Requires="a14">
+      <mc:AlternateContent xmlns:mc="http://schemas.openxmlformats.org/markup-compatibility/2006" xmlns:a14="http://schemas.microsoft.com/office/drawing/2010/main">
+        <mc:Choice Requires="a14">
           <p:sp>
             <p:nvSpPr>
               <p:cNvPr id="13" name="TextBox 12">
@@ -35621,6 +35611,7 @@
               </a:bodyPr>
               <a:lstStyle/>
               <a:p>
+                <a:pPr/>
                 <a14:m>
                   <m:oMathPara xmlns:m="http://schemas.openxmlformats.org/officeDocument/2006/math">
                     <m:oMathParaPr>
@@ -35711,7 +35702,7 @@
             </p:txBody>
           </p:sp>
         </mc:Choice>
-        <mc:Fallback>
+        <mc:Fallback xmlns="">
           <p:sp>
             <p:nvSpPr>
               <p:cNvPr id="13" name="TextBox 12">
@@ -35756,8 +35747,8 @@
           </p:sp>
         </mc:Fallback>
       </mc:AlternateContent>
-      <mc:AlternateContent xmlns:mc="http://schemas.openxmlformats.org/markup-compatibility/2006">
-        <mc:Choice xmlns:a14="http://schemas.microsoft.com/office/drawing/2010/main" Requires="a14">
+      <mc:AlternateContent xmlns:mc="http://schemas.openxmlformats.org/markup-compatibility/2006" xmlns:a14="http://schemas.microsoft.com/office/drawing/2010/main">
+        <mc:Choice Requires="a14">
           <p:sp>
             <p:nvSpPr>
               <p:cNvPr id="15" name="TextBox 14">
@@ -35892,7 +35883,7 @@
             </p:txBody>
           </p:sp>
         </mc:Choice>
-        <mc:Fallback>
+        <mc:Fallback xmlns="">
           <p:sp>
             <p:nvSpPr>
               <p:cNvPr id="15" name="TextBox 14">
@@ -36002,8 +35993,8 @@
           <a:chExt cx="0" cy="0"/>
         </a:xfrm>
       </p:grpSpPr>
-      <mc:AlternateContent xmlns:mc="http://schemas.openxmlformats.org/markup-compatibility/2006">
-        <mc:Choice xmlns:a14="http://schemas.microsoft.com/office/drawing/2010/main" Requires="a14">
+      <mc:AlternateContent xmlns:mc="http://schemas.openxmlformats.org/markup-compatibility/2006" xmlns:a14="http://schemas.microsoft.com/office/drawing/2010/main">
+        <mc:Choice Requires="a14">
           <p:sp>
             <p:nvSpPr>
               <p:cNvPr id="3" name="Content Placeholder 2"/>
@@ -36191,13 +36182,7 @@
                       <a:rPr lang="en-US" b="0" i="1" dirty="0" smtClean="0">
                         <a:latin typeface="Cambria Math" panose="02040503050406030204" pitchFamily="18" charset="0"/>
                       </a:rPr>
-                      <m:t>𝑆𝑆</m:t>
-                    </m:r>
-                    <m:r>
-                      <a:rPr lang="en-US" i="1" dirty="0">
-                        <a:latin typeface="Cambria Math" panose="02040503050406030204" pitchFamily="18" charset="0"/>
-                      </a:rPr>
-                      <m:t>𝐵</m:t>
+                      <m:t>𝑆𝑆𝐵</m:t>
                     </m:r>
                     <m:r>
                       <a:rPr lang="en-US" i="1" baseline="-25000" dirty="0">
@@ -36212,7 +36197,7 @@
             </p:txBody>
           </p:sp>
         </mc:Choice>
-        <mc:Fallback>
+        <mc:Fallback xmlns="">
           <p:sp>
             <p:nvSpPr>
               <p:cNvPr id="3" name="Content Placeholder 2"/>
@@ -36250,8 +36235,8 @@
           </p:sp>
         </mc:Fallback>
       </mc:AlternateContent>
-      <mc:AlternateContent xmlns:mc="http://schemas.openxmlformats.org/markup-compatibility/2006">
-        <mc:Choice xmlns:a14="http://schemas.microsoft.com/office/drawing/2010/main" Requires="a14">
+      <mc:AlternateContent xmlns:mc="http://schemas.openxmlformats.org/markup-compatibility/2006" xmlns:a14="http://schemas.microsoft.com/office/drawing/2010/main">
+        <mc:Choice Requires="a14">
           <p:sp>
             <p:nvSpPr>
               <p:cNvPr id="2" name="Title 1"/>
@@ -36325,7 +36310,7 @@
             </p:txBody>
           </p:sp>
         </mc:Choice>
-        <mc:Fallback>
+        <mc:Fallback xmlns="">
           <p:sp>
             <p:nvSpPr>
               <p:cNvPr id="2" name="Title 1"/>
@@ -36397,8 +36382,8 @@
             </a:prstGeom>
           </p:spPr>
         </p:pic>
-        <mc:AlternateContent xmlns:mc="http://schemas.openxmlformats.org/markup-compatibility/2006">
-          <mc:Choice xmlns:a14="http://schemas.microsoft.com/office/drawing/2010/main" Requires="a14">
+        <mc:AlternateContent xmlns:mc="http://schemas.openxmlformats.org/markup-compatibility/2006" xmlns:a14="http://schemas.microsoft.com/office/drawing/2010/main">
+          <mc:Choice Requires="a14">
             <p:sp>
               <p:nvSpPr>
                 <p:cNvPr id="6" name="TextBox 5"/>
@@ -36488,7 +36473,7 @@
               </p:txBody>
             </p:sp>
           </mc:Choice>
-          <mc:Fallback>
+          <mc:Fallback xmlns="">
             <p:sp>
               <p:nvSpPr>
                 <p:cNvPr id="6" name="TextBox 5"/>
@@ -36569,8 +36554,8 @@
           </a:fontRef>
         </p:style>
       </p:cxnSp>
-      <mc:AlternateContent xmlns:mc="http://schemas.openxmlformats.org/markup-compatibility/2006">
-        <mc:Choice xmlns:a14="http://schemas.microsoft.com/office/drawing/2010/main" Requires="a14">
+      <mc:AlternateContent xmlns:mc="http://schemas.openxmlformats.org/markup-compatibility/2006" xmlns:a14="http://schemas.microsoft.com/office/drawing/2010/main">
+        <mc:Choice Requires="a14">
           <p:sp>
             <p:nvSpPr>
               <p:cNvPr id="12" name="TextBox 11">
@@ -36599,7 +36584,6 @@
               </a:bodyPr>
               <a:lstStyle/>
               <a:p>
-                <a:pPr/>
                 <a:r>
                   <a:rPr lang="en-US" dirty="0">
                     <a:solidFill>
@@ -36665,7 +36649,7 @@
             </p:txBody>
           </p:sp>
         </mc:Choice>
-        <mc:Fallback>
+        <mc:Fallback xmlns="">
           <p:sp>
             <p:nvSpPr>
               <p:cNvPr id="12" name="TextBox 11">
@@ -36904,8 +36888,8 @@
           <a:chExt cx="0" cy="0"/>
         </a:xfrm>
       </p:grpSpPr>
-      <mc:AlternateContent xmlns:mc="http://schemas.openxmlformats.org/markup-compatibility/2006">
-        <mc:Choice xmlns:a14="http://schemas.microsoft.com/office/drawing/2010/main" Requires="a14">
+      <mc:AlternateContent xmlns:mc="http://schemas.openxmlformats.org/markup-compatibility/2006" xmlns:a14="http://schemas.microsoft.com/office/drawing/2010/main">
+        <mc:Choice Requires="a14">
           <p:sp>
             <p:nvSpPr>
               <p:cNvPr id="3" name="Content Placeholder 2"/>
@@ -37358,7 +37342,7 @@
             </p:txBody>
           </p:sp>
         </mc:Choice>
-        <mc:Fallback>
+        <mc:Fallback xmlns="">
           <p:sp>
             <p:nvSpPr>
               <p:cNvPr id="3" name="Content Placeholder 2"/>
@@ -37459,8 +37443,8 @@
           <a:chExt cx="0" cy="0"/>
         </a:xfrm>
       </p:grpSpPr>
-      <mc:AlternateContent xmlns:mc="http://schemas.openxmlformats.org/markup-compatibility/2006">
-        <mc:Choice xmlns:a14="http://schemas.microsoft.com/office/drawing/2010/main" Requires="a14">
+      <mc:AlternateContent xmlns:mc="http://schemas.openxmlformats.org/markup-compatibility/2006" xmlns:a14="http://schemas.microsoft.com/office/drawing/2010/main">
+        <mc:Choice Requires="a14">
           <p:sp>
             <p:nvSpPr>
               <p:cNvPr id="3" name="Content Placeholder 2"/>
@@ -37865,7 +37849,7 @@
             </p:txBody>
           </p:sp>
         </mc:Choice>
-        <mc:Fallback>
+        <mc:Fallback xmlns="">
           <p:sp>
             <p:nvSpPr>
               <p:cNvPr id="3" name="Content Placeholder 2"/>
@@ -37970,8 +37954,8 @@
             </a:prstGeom>
           </p:spPr>
         </p:pic>
-        <mc:AlternateContent xmlns:mc="http://schemas.openxmlformats.org/markup-compatibility/2006">
-          <mc:Choice xmlns:a14="http://schemas.microsoft.com/office/drawing/2010/main" Requires="a14">
+        <mc:AlternateContent xmlns:mc="http://schemas.openxmlformats.org/markup-compatibility/2006" xmlns:a14="http://schemas.microsoft.com/office/drawing/2010/main">
+          <mc:Choice Requires="a14">
             <p:sp>
               <p:nvSpPr>
                 <p:cNvPr id="13" name="TextBox 12"/>
@@ -38071,7 +38055,7 @@
               </p:txBody>
             </p:sp>
           </mc:Choice>
-          <mc:Fallback>
+          <mc:Fallback xmlns="">
             <p:sp>
               <p:nvSpPr>
                 <p:cNvPr id="13" name="TextBox 12"/>
@@ -38231,8 +38215,8 @@
           </p:txBody>
         </p:sp>
       </p:grpSp>
-      <mc:AlternateContent xmlns:mc="http://schemas.openxmlformats.org/markup-compatibility/2006">
-        <mc:Choice xmlns:a14="http://schemas.microsoft.com/office/drawing/2010/main" Requires="a14">
+      <mc:AlternateContent xmlns:mc="http://schemas.openxmlformats.org/markup-compatibility/2006" xmlns:a14="http://schemas.microsoft.com/office/drawing/2010/main">
+        <mc:Choice Requires="a14">
           <p:sp>
             <p:nvSpPr>
               <p:cNvPr id="16" name="TextBox 15">
@@ -38338,7 +38322,7 @@
             </p:txBody>
           </p:sp>
         </mc:Choice>
-        <mc:Fallback>
+        <mc:Fallback xmlns="">
           <p:sp>
             <p:nvSpPr>
               <p:cNvPr id="16" name="TextBox 15">
@@ -38444,8 +38428,8 @@
           </a:p>
         </p:txBody>
       </p:sp>
-      <mc:AlternateContent xmlns:mc="http://schemas.openxmlformats.org/markup-compatibility/2006">
-        <mc:Choice xmlns:a14="http://schemas.microsoft.com/office/drawing/2010/main" Requires="a14">
+      <mc:AlternateContent xmlns:mc="http://schemas.openxmlformats.org/markup-compatibility/2006" xmlns:a14="http://schemas.microsoft.com/office/drawing/2010/main">
+        <mc:Choice Requires="a14">
           <p:sp>
             <p:nvSpPr>
               <p:cNvPr id="3" name="Content Placeholder 2"/>
@@ -38591,7 +38575,7 @@
             </p:txBody>
           </p:sp>
         </mc:Choice>
-        <mc:Fallback>
+        <mc:Fallback xmlns="">
           <p:sp>
             <p:nvSpPr>
               <p:cNvPr id="3" name="Content Placeholder 2"/>
@@ -38917,8 +38901,8 @@
           </a:p>
         </p:txBody>
       </p:sp>
-      <mc:AlternateContent xmlns:mc="http://schemas.openxmlformats.org/markup-compatibility/2006">
-        <mc:Choice xmlns:a14="http://schemas.microsoft.com/office/drawing/2010/main" Requires="a14">
+      <mc:AlternateContent xmlns:mc="http://schemas.openxmlformats.org/markup-compatibility/2006" xmlns:a14="http://schemas.microsoft.com/office/drawing/2010/main">
+        <mc:Choice Requires="a14">
           <p:sp>
             <p:nvSpPr>
               <p:cNvPr id="3" name="Content Placeholder 2"/>
@@ -39073,7 +39057,7 @@
             </p:txBody>
           </p:sp>
         </mc:Choice>
-        <mc:Fallback>
+        <mc:Fallback xmlns="">
           <p:sp>
             <p:nvSpPr>
               <p:cNvPr id="3" name="Content Placeholder 2"/>
@@ -39357,8 +39341,8 @@
           </a:p>
         </p:txBody>
       </p:sp>
-      <mc:AlternateContent xmlns:mc="http://schemas.openxmlformats.org/markup-compatibility/2006">
-        <mc:Choice xmlns:a14="http://schemas.microsoft.com/office/drawing/2010/main" Requires="a14">
+      <mc:AlternateContent xmlns:mc="http://schemas.openxmlformats.org/markup-compatibility/2006" xmlns:a14="http://schemas.microsoft.com/office/drawing/2010/main">
+        <mc:Choice Requires="a14">
           <p:sp>
             <p:nvSpPr>
               <p:cNvPr id="3" name="Content Placeholder 2"/>
@@ -39489,7 +39473,7 @@
             </p:txBody>
           </p:sp>
         </mc:Choice>
-        <mc:Fallback>
+        <mc:Fallback xmlns="">
           <p:sp>
             <p:nvSpPr>
               <p:cNvPr id="3" name="Content Placeholder 2"/>
@@ -39677,8 +39661,8 @@
           <a:chExt cx="0" cy="0"/>
         </a:xfrm>
       </p:grpSpPr>
-      <mc:AlternateContent xmlns:mc="http://schemas.openxmlformats.org/markup-compatibility/2006">
-        <mc:Choice xmlns:a14="http://schemas.microsoft.com/office/drawing/2010/main" Requires="a14">
+      <mc:AlternateContent xmlns:mc="http://schemas.openxmlformats.org/markup-compatibility/2006" xmlns:a14="http://schemas.microsoft.com/office/drawing/2010/main">
+        <mc:Choice Requires="a14">
           <p:sp>
             <p:nvSpPr>
               <p:cNvPr id="13" name="Title 1"/>
@@ -39748,7 +39732,7 @@
             </p:txBody>
           </p:sp>
         </mc:Choice>
-        <mc:Fallback>
+        <mc:Fallback xmlns="">
           <p:sp>
             <p:nvSpPr>
               <p:cNvPr id="13" name="Title 1"/>
@@ -39790,8 +39774,8 @@
           </p:sp>
         </mc:Fallback>
       </mc:AlternateContent>
-      <mc:AlternateContent xmlns:mc="http://schemas.openxmlformats.org/markup-compatibility/2006">
-        <mc:Choice xmlns:a14="http://schemas.microsoft.com/office/drawing/2010/main" Requires="a14">
+      <mc:AlternateContent xmlns:mc="http://schemas.openxmlformats.org/markup-compatibility/2006" xmlns:a14="http://schemas.microsoft.com/office/drawing/2010/main">
+        <mc:Choice Requires="a14">
           <p:sp>
             <p:nvSpPr>
               <p:cNvPr id="3" name="Content Placeholder 2"/>
@@ -39953,7 +39937,7 @@
             </p:txBody>
           </p:sp>
         </mc:Choice>
-        <mc:Fallback>
+        <mc:Fallback xmlns="">
           <p:sp>
             <p:nvSpPr>
               <p:cNvPr id="3" name="Content Placeholder 2"/>
@@ -40111,8 +40095,8 @@
           </a:fontRef>
         </p:style>
       </p:cxnSp>
-      <mc:AlternateContent xmlns:mc="http://schemas.openxmlformats.org/markup-compatibility/2006">
-        <mc:Choice xmlns:a14="http://schemas.microsoft.com/office/drawing/2010/main" Requires="a14">
+      <mc:AlternateContent xmlns:mc="http://schemas.openxmlformats.org/markup-compatibility/2006" xmlns:a14="http://schemas.microsoft.com/office/drawing/2010/main">
+        <mc:Choice Requires="a14">
           <p:sp>
             <p:nvSpPr>
               <p:cNvPr id="4" name="TextBox 3"/>
@@ -40165,7 +40149,7 @@
             </p:txBody>
           </p:sp>
         </mc:Choice>
-        <mc:Fallback>
+        <mc:Fallback xmlns="">
           <p:sp>
             <p:nvSpPr>
               <p:cNvPr id="4" name="TextBox 3"/>
@@ -40204,8 +40188,8 @@
           </p:sp>
         </mc:Fallback>
       </mc:AlternateContent>
-      <mc:AlternateContent xmlns:mc="http://schemas.openxmlformats.org/markup-compatibility/2006">
-        <mc:Choice xmlns:a14="http://schemas.microsoft.com/office/drawing/2010/main" Requires="a14">
+      <mc:AlternateContent xmlns:mc="http://schemas.openxmlformats.org/markup-compatibility/2006" xmlns:a14="http://schemas.microsoft.com/office/drawing/2010/main">
+        <mc:Choice Requires="a14">
           <p:sp>
             <p:nvSpPr>
               <p:cNvPr id="10" name="TextBox 9"/>
@@ -40264,7 +40248,7 @@
             </p:txBody>
           </p:sp>
         </mc:Choice>
-        <mc:Fallback>
+        <mc:Fallback xmlns="">
           <p:sp>
             <p:nvSpPr>
               <p:cNvPr id="10" name="TextBox 9"/>
@@ -40303,8 +40287,8 @@
           </p:sp>
         </mc:Fallback>
       </mc:AlternateContent>
-      <mc:AlternateContent xmlns:mc="http://schemas.openxmlformats.org/markup-compatibility/2006">
-        <mc:Choice xmlns:a14="http://schemas.microsoft.com/office/drawing/2010/main" Requires="a14">
+      <mc:AlternateContent xmlns:mc="http://schemas.openxmlformats.org/markup-compatibility/2006" xmlns:a14="http://schemas.microsoft.com/office/drawing/2010/main">
+        <mc:Choice Requires="a14">
           <p:sp>
             <p:nvSpPr>
               <p:cNvPr id="11" name="TextBox 10"/>
@@ -40357,7 +40341,7 @@
             </p:txBody>
           </p:sp>
         </mc:Choice>
-        <mc:Fallback>
+        <mc:Fallback xmlns="">
           <p:sp>
             <p:nvSpPr>
               <p:cNvPr id="11" name="TextBox 10"/>
@@ -40440,8 +40424,8 @@
           </a:p>
         </p:txBody>
       </p:sp>
-      <mc:AlternateContent xmlns:mc="http://schemas.openxmlformats.org/markup-compatibility/2006">
-        <mc:Choice xmlns:a14="http://schemas.microsoft.com/office/drawing/2010/main" Requires="a14">
+      <mc:AlternateContent xmlns:mc="http://schemas.openxmlformats.org/markup-compatibility/2006" xmlns:a14="http://schemas.microsoft.com/office/drawing/2010/main">
+        <mc:Choice Requires="a14">
           <p:sp>
             <p:nvSpPr>
               <p:cNvPr id="14" name="TextBox 13">
@@ -40470,6 +40454,7 @@
               </a:bodyPr>
               <a:lstStyle/>
               <a:p>
+                <a:pPr/>
                 <a14:m>
                   <m:oMathPara xmlns:m="http://schemas.openxmlformats.org/officeDocument/2006/math">
                     <m:oMathParaPr>
@@ -40522,7 +40507,7 @@
             </p:txBody>
           </p:sp>
         </mc:Choice>
-        <mc:Fallback>
+        <mc:Fallback xmlns="">
           <p:sp>
             <p:nvSpPr>
               <p:cNvPr id="14" name="TextBox 13">
@@ -40567,8 +40552,8 @@
           </p:sp>
         </mc:Fallback>
       </mc:AlternateContent>
-      <mc:AlternateContent xmlns:mc="http://schemas.openxmlformats.org/markup-compatibility/2006">
-        <mc:Choice xmlns:a14="http://schemas.microsoft.com/office/drawing/2010/main" Requires="a14">
+      <mc:AlternateContent xmlns:mc="http://schemas.openxmlformats.org/markup-compatibility/2006" xmlns:a14="http://schemas.microsoft.com/office/drawing/2010/main">
+        <mc:Choice Requires="a14">
           <p:sp>
             <p:nvSpPr>
               <p:cNvPr id="15" name="TextBox 14">
@@ -40597,6 +40582,7 @@
               </a:bodyPr>
               <a:lstStyle/>
               <a:p>
+                <a:pPr/>
                 <a14:m>
                   <m:oMathPara xmlns:m="http://schemas.openxmlformats.org/officeDocument/2006/math">
                     <m:oMathParaPr>
@@ -40649,7 +40635,7 @@
             </p:txBody>
           </p:sp>
         </mc:Choice>
-        <mc:Fallback>
+        <mc:Fallback xmlns="">
           <p:sp>
             <p:nvSpPr>
               <p:cNvPr id="15" name="TextBox 14">
@@ -40694,8 +40680,8 @@
           </p:sp>
         </mc:Fallback>
       </mc:AlternateContent>
-      <mc:AlternateContent xmlns:mc="http://schemas.openxmlformats.org/markup-compatibility/2006">
-        <mc:Choice xmlns:a14="http://schemas.microsoft.com/office/drawing/2010/main" Requires="a14">
+      <mc:AlternateContent xmlns:mc="http://schemas.openxmlformats.org/markup-compatibility/2006" xmlns:a14="http://schemas.microsoft.com/office/drawing/2010/main">
+        <mc:Choice Requires="a14">
           <p:sp>
             <p:nvSpPr>
               <p:cNvPr id="16" name="TextBox 15">
@@ -40724,6 +40710,7 @@
               </a:bodyPr>
               <a:lstStyle/>
               <a:p>
+                <a:pPr/>
                 <a14:m>
                   <m:oMathPara xmlns:m="http://schemas.openxmlformats.org/officeDocument/2006/math">
                     <m:oMathParaPr>
@@ -40776,7 +40763,7 @@
             </p:txBody>
           </p:sp>
         </mc:Choice>
-        <mc:Fallback>
+        <mc:Fallback xmlns="">
           <p:sp>
             <p:nvSpPr>
               <p:cNvPr id="16" name="TextBox 15">
@@ -40863,8 +40850,8 @@
           </a:fontRef>
         </p:style>
       </p:cxnSp>
-      <mc:AlternateContent xmlns:mc="http://schemas.openxmlformats.org/markup-compatibility/2006">
-        <mc:Choice xmlns:a14="http://schemas.microsoft.com/office/drawing/2010/main" Requires="a14">
+      <mc:AlternateContent xmlns:mc="http://schemas.openxmlformats.org/markup-compatibility/2006" xmlns:a14="http://schemas.microsoft.com/office/drawing/2010/main">
+        <mc:Choice Requires="a14">
           <p:sp>
             <p:nvSpPr>
               <p:cNvPr id="18" name="TextBox 17">
@@ -40893,6 +40880,7 @@
               </a:bodyPr>
               <a:lstStyle/>
               <a:p>
+                <a:pPr/>
                 <a14:m>
                   <m:oMathPara xmlns:m="http://schemas.openxmlformats.org/officeDocument/2006/math">
                     <m:oMathParaPr>
@@ -40945,7 +40933,7 @@
             </p:txBody>
           </p:sp>
         </mc:Choice>
-        <mc:Fallback>
+        <mc:Fallback xmlns="">
           <p:sp>
             <p:nvSpPr>
               <p:cNvPr id="18" name="TextBox 17">
@@ -41299,6 +41287,45 @@
           </a:p>
         </p:txBody>
       </p:sp>
+      <p:sp>
+        <p:nvSpPr>
+          <p:cNvPr id="3" name="TextBox 2">
+            <a:extLst>
+              <a:ext uri="{FF2B5EF4-FFF2-40B4-BE49-F238E27FC236}">
+                <a16:creationId xmlns:a16="http://schemas.microsoft.com/office/drawing/2014/main" id="{F28BBC60-EFE3-41B5-89E6-BDA0E4FAE63E}"/>
+              </a:ext>
+            </a:extLst>
+          </p:cNvPr>
+          <p:cNvSpPr txBox="1"/>
+          <p:nvPr/>
+        </p:nvSpPr>
+        <p:spPr>
+          <a:xfrm>
+            <a:off x="3057832" y="4218039"/>
+            <a:ext cx="6105833" cy="646331"/>
+          </a:xfrm>
+          <a:prstGeom prst="rect">
+            <a:avLst/>
+          </a:prstGeom>
+          <a:noFill/>
+        </p:spPr>
+        <p:txBody>
+          <a:bodyPr wrap="square" rtlCol="0">
+            <a:spAutoFit/>
+          </a:bodyPr>
+          <a:lstStyle/>
+          <a:p>
+            <a:r>
+              <a:rPr lang="en-US" dirty="0">
+                <a:solidFill>
+                  <a:srgbClr val="FF0000"/>
+                </a:solidFill>
+              </a:rPr>
+              <a:t>I think this should be a very gentle introduction to what options are available?</a:t>
+            </a:r>
+          </a:p>
+        </p:txBody>
+      </p:sp>
     </p:spTree>
     <p:extLst>
       <p:ext uri="{BB962C8B-B14F-4D97-AF65-F5344CB8AC3E}">
@@ -41350,7 +41377,10 @@
           <a:bodyPr/>
           <a:lstStyle/>
           <a:p>
-            <a:endParaRPr lang="en-US"/>
+            <a:r>
+              <a:rPr lang="en-US" dirty="0"/>
+              <a:t>Approaches for Data-limited Stocks</a:t>
+            </a:r>
           </a:p>
         </p:txBody>
       </p:sp>
@@ -41375,7 +41405,86 @@
           <a:bodyPr/>
           <a:lstStyle/>
           <a:p>
-            <a:endParaRPr lang="en-US"/>
+            <a:r>
+              <a:rPr lang="en-US" dirty="0"/>
+              <a:t>Methods:</a:t>
+            </a:r>
+          </a:p>
+          <a:p>
+            <a:pPr lvl="1"/>
+            <a:r>
+              <a:rPr lang="en-US" dirty="0"/>
+              <a:t>Empirical, theoretical, and historical proxies for </a:t>
+            </a:r>
+            <a:r>
+              <a:rPr lang="en-US" i="1" dirty="0"/>
+              <a:t>B</a:t>
+            </a:r>
+            <a:r>
+              <a:rPr lang="en-US" i="1" baseline="-25000" dirty="0"/>
+              <a:t>0</a:t>
+            </a:r>
+            <a:r>
+              <a:rPr lang="en-US" dirty="0"/>
+              <a:t> and </a:t>
+            </a:r>
+            <a:r>
+              <a:rPr lang="en-US" i="1" dirty="0"/>
+              <a:t>B</a:t>
+            </a:r>
+            <a:r>
+              <a:rPr lang="en-US" i="1" baseline="-25000" dirty="0"/>
+              <a:t>MSY</a:t>
+            </a:r>
+            <a:endParaRPr lang="en-US" dirty="0"/>
+          </a:p>
+          <a:p>
+            <a:pPr lvl="1"/>
+            <a:r>
+              <a:rPr lang="en-US" dirty="0"/>
+              <a:t>Catch-only methods: can provide estimates of B relative to </a:t>
+            </a:r>
+            <a:r>
+              <a:rPr lang="en-US" i="1" dirty="0"/>
+              <a:t>B</a:t>
+            </a:r>
+            <a:r>
+              <a:rPr lang="en-US" i="1" baseline="-25000" dirty="0"/>
+              <a:t>0</a:t>
+            </a:r>
+            <a:r>
+              <a:rPr lang="en-US" dirty="0"/>
+              <a:t> and </a:t>
+            </a:r>
+            <a:r>
+              <a:rPr lang="en-US" i="1" dirty="0"/>
+              <a:t>B</a:t>
+            </a:r>
+            <a:r>
+              <a:rPr lang="en-US" i="1" baseline="-25000" dirty="0"/>
+              <a:t>MSY</a:t>
+            </a:r>
+            <a:r>
+              <a:rPr lang="en-US" dirty="0"/>
+              <a:t> </a:t>
+            </a:r>
+          </a:p>
+          <a:p>
+            <a:pPr lvl="2"/>
+            <a:r>
+              <a:rPr lang="en-US" dirty="0"/>
+              <a:t>they have generally been used to estimate global trends in stock status and not for stock assessment</a:t>
+            </a:r>
+          </a:p>
+          <a:p>
+            <a:pPr lvl="1"/>
+            <a:r>
+              <a:rPr lang="en-US" dirty="0"/>
+              <a:t>Closed-loop simulation approaches: an alternative to using empirical proxies or methods that rely on strong model assumptions or priors</a:t>
+            </a:r>
+          </a:p>
+          <a:p>
+            <a:endParaRPr lang="en-US" dirty="0"/>
           </a:p>
         </p:txBody>
       </p:sp>
@@ -41411,55 +41520,13 @@
       </p:grpSpPr>
       <p:sp>
         <p:nvSpPr>
-          <p:cNvPr id="8" name="Rectangle 7"/>
-          <p:cNvSpPr/>
-          <p:nvPr/>
-        </p:nvSpPr>
-        <p:spPr>
-          <a:xfrm>
-            <a:off x="0" y="0"/>
-            <a:ext cx="12192000" cy="6858000"/>
-          </a:xfrm>
-          <a:prstGeom prst="rect">
-            <a:avLst/>
-          </a:prstGeom>
-          <a:solidFill>
-            <a:schemeClr val="bg1">
-              <a:lumMod val="75000"/>
-            </a:schemeClr>
-          </a:solidFill>
-          <a:ln>
-            <a:noFill/>
-          </a:ln>
-        </p:spPr>
-        <p:style>
-          <a:lnRef idx="2">
-            <a:schemeClr val="accent1">
-              <a:shade val="50000"/>
-            </a:schemeClr>
-          </a:lnRef>
-          <a:fillRef idx="1">
-            <a:schemeClr val="accent1"/>
-          </a:fillRef>
-          <a:effectRef idx="0">
-            <a:schemeClr val="accent1"/>
-          </a:effectRef>
-          <a:fontRef idx="minor">
-            <a:schemeClr val="lt1"/>
-          </a:fontRef>
-        </p:style>
-        <p:txBody>
-          <a:bodyPr rtlCol="0" anchor="ctr"/>
-          <a:lstStyle/>
-          <a:p>
-            <a:pPr algn="ctr"/>
-            <a:endParaRPr lang="en-US"/>
-          </a:p>
-        </p:txBody>
-      </p:sp>
-      <p:sp>
-        <p:nvSpPr>
-          <p:cNvPr id="2" name="Title 1"/>
+          <p:cNvPr id="2" name="Title 1">
+            <a:extLst>
+              <a:ext uri="{FF2B5EF4-FFF2-40B4-BE49-F238E27FC236}">
+                <a16:creationId xmlns:a16="http://schemas.microsoft.com/office/drawing/2014/main" id="{FDE10D68-BB61-4474-BC60-CD2665E2CB5E}"/>
+              </a:ext>
+            </a:extLst>
+          </p:cNvPr>
           <p:cNvSpPr>
             <a:spLocks noGrp="1"/>
           </p:cNvSpPr>
@@ -41467,22 +41534,1800 @@
             <p:ph type="title"/>
           </p:nvPr>
         </p:nvSpPr>
+        <p:spPr/>
+        <p:txBody>
+          <a:bodyPr/>
+          <a:lstStyle/>
+          <a:p>
+            <a:r>
+              <a:rPr lang="en-US" dirty="0"/>
+              <a:t>Theoretical Proxies for </a:t>
+            </a:r>
+            <a:r>
+              <a:rPr lang="en-US" i="1" dirty="0"/>
+              <a:t>B</a:t>
+            </a:r>
+            <a:r>
+              <a:rPr lang="en-US" i="1" baseline="-25000" dirty="0"/>
+              <a:t>MSY</a:t>
+            </a:r>
+            <a:endParaRPr lang="en-US" dirty="0"/>
+          </a:p>
+        </p:txBody>
+      </p:sp>
+      <mc:AlternateContent xmlns:mc="http://schemas.openxmlformats.org/markup-compatibility/2006">
+        <mc:Choice xmlns:a14="http://schemas.microsoft.com/office/drawing/2010/main" Requires="a14">
+          <p:sp>
+            <p:nvSpPr>
+              <p:cNvPr id="3" name="Content Placeholder 2">
+                <a:extLst>
+                  <a:ext uri="{FF2B5EF4-FFF2-40B4-BE49-F238E27FC236}">
+                    <a16:creationId xmlns:a16="http://schemas.microsoft.com/office/drawing/2014/main" id="{90EBF679-C065-4E9A-A132-B6E0E137E3B8}"/>
+                  </a:ext>
+                </a:extLst>
+              </p:cNvPr>
+              <p:cNvSpPr>
+                <a:spLocks noGrp="1"/>
+              </p:cNvSpPr>
+              <p:nvPr>
+                <p:ph idx="1"/>
+              </p:nvPr>
+            </p:nvSpPr>
+            <p:spPr/>
+            <p:txBody>
+              <a:bodyPr/>
+              <a:lstStyle/>
+              <a:p>
+                <a:r>
+                  <a:rPr lang="en-US" dirty="0"/>
+                  <a:t>Per-recruit models: Spawning Potential Ratio (SPR)</a:t>
+                </a:r>
+              </a:p>
+              <a:p>
+                <a:pPr lvl="1"/>
+                <a14:m>
+                  <m:oMath xmlns:m="http://schemas.openxmlformats.org/officeDocument/2006/math">
+                    <m:r>
+                      <a:rPr lang="en-US" i="1" dirty="0" smtClean="0">
+                        <a:latin typeface="Cambria Math" panose="02040503050406030204" pitchFamily="18" charset="0"/>
+                      </a:rPr>
+                      <m:t>𝐹</m:t>
+                    </m:r>
+                  </m:oMath>
+                </a14:m>
+                <a:r>
+                  <a:rPr lang="en-US" dirty="0"/>
+                  <a:t> reference point: </a:t>
+                </a:r>
+                <a14:m>
+                  <m:oMath xmlns:m="http://schemas.openxmlformats.org/officeDocument/2006/math">
+                    <m:r>
+                      <a:rPr lang="en-US" i="1" dirty="0" smtClean="0">
+                        <a:latin typeface="Cambria Math" panose="02040503050406030204" pitchFamily="18" charset="0"/>
+                      </a:rPr>
+                      <m:t>𝐹</m:t>
+                    </m:r>
+                    <m:r>
+                      <a:rPr lang="en-US" i="1" baseline="-25000" dirty="0">
+                        <a:latin typeface="Cambria Math" panose="02040503050406030204" pitchFamily="18" charset="0"/>
+                      </a:rPr>
+                      <m:t>𝑋</m:t>
+                    </m:r>
+                    <m:r>
+                      <a:rPr lang="en-US" i="1" baseline="-25000" dirty="0">
+                        <a:latin typeface="Cambria Math" panose="02040503050406030204" pitchFamily="18" charset="0"/>
+                      </a:rPr>
+                      <m:t>%</m:t>
+                    </m:r>
+                    <m:r>
+                      <a:rPr lang="en-US" i="1" baseline="-25000" dirty="0">
+                        <a:latin typeface="Cambria Math" panose="02040503050406030204" pitchFamily="18" charset="0"/>
+                      </a:rPr>
+                      <m:t>𝑆𝑃𝑅</m:t>
+                    </m:r>
+                  </m:oMath>
+                </a14:m>
+                <a:r>
+                  <a:rPr lang="en-US" dirty="0"/>
+                  <a:t> represents the </a:t>
+                </a:r>
+                <a14:m>
+                  <m:oMath xmlns:m="http://schemas.openxmlformats.org/officeDocument/2006/math">
+                    <m:r>
+                      <a:rPr lang="en-US" i="1" dirty="0">
+                        <a:latin typeface="Cambria Math" panose="02040503050406030204" pitchFamily="18" charset="0"/>
+                      </a:rPr>
+                      <m:t>𝐹</m:t>
+                    </m:r>
+                  </m:oMath>
+                </a14:m>
+                <a:r>
+                  <a:rPr lang="en-US" dirty="0"/>
+                  <a:t> that results in </a:t>
+                </a:r>
+                <a14:m>
+                  <m:oMath xmlns:m="http://schemas.openxmlformats.org/officeDocument/2006/math">
+                    <m:r>
+                      <a:rPr lang="en-US" b="0" i="1" dirty="0" smtClean="0">
+                        <a:latin typeface="Cambria Math" panose="02040503050406030204" pitchFamily="18" charset="0"/>
+                      </a:rPr>
+                      <m:t>𝑋</m:t>
+                    </m:r>
+                  </m:oMath>
+                </a14:m>
+                <a:r>
+                  <a:rPr lang="en-US" dirty="0"/>
+                  <a:t>% of unfished SSB-pre-recruit</a:t>
+                </a:r>
+              </a:p>
+              <a:p>
+                <a:pPr lvl="2"/>
+                <a14:m>
+                  <m:oMath xmlns:m="http://schemas.openxmlformats.org/officeDocument/2006/math">
+                    <m:r>
+                      <a:rPr lang="en-US" i="1" dirty="0" smtClean="0">
+                        <a:latin typeface="Cambria Math" panose="02040503050406030204" pitchFamily="18" charset="0"/>
+                      </a:rPr>
+                      <m:t>𝐹</m:t>
+                    </m:r>
+                    <m:r>
+                      <a:rPr lang="en-US" i="1" baseline="-25000" dirty="0">
+                        <a:latin typeface="Cambria Math" panose="02040503050406030204" pitchFamily="18" charset="0"/>
+                      </a:rPr>
+                      <m:t>𝑋</m:t>
+                    </m:r>
+                    <m:r>
+                      <a:rPr lang="en-US" i="1" baseline="-25000" dirty="0">
+                        <a:latin typeface="Cambria Math" panose="02040503050406030204" pitchFamily="18" charset="0"/>
+                      </a:rPr>
+                      <m:t>%</m:t>
+                    </m:r>
+                    <m:r>
+                      <a:rPr lang="en-US" i="1" baseline="-25000" dirty="0">
+                        <a:latin typeface="Cambria Math" panose="02040503050406030204" pitchFamily="18" charset="0"/>
+                      </a:rPr>
+                      <m:t>𝑆𝑃𝑅</m:t>
+                    </m:r>
+                    <m:r>
+                      <a:rPr lang="en-US" i="1" baseline="-25000" dirty="0">
+                        <a:latin typeface="Cambria Math" panose="02040503050406030204" pitchFamily="18" charset="0"/>
+                      </a:rPr>
+                      <m:t> </m:t>
+                    </m:r>
+                  </m:oMath>
+                </a14:m>
+                <a:r>
+                  <a:rPr lang="en-US" dirty="0"/>
+                  <a:t>is a common proxy for </a:t>
+                </a:r>
+                <a14:m>
+                  <m:oMath xmlns:m="http://schemas.openxmlformats.org/officeDocument/2006/math">
+                    <m:r>
+                      <a:rPr lang="en-US" i="1" dirty="0">
+                        <a:latin typeface="Cambria Math" panose="02040503050406030204" pitchFamily="18" charset="0"/>
+                      </a:rPr>
+                      <m:t>𝐹</m:t>
+                    </m:r>
+                    <m:r>
+                      <a:rPr lang="en-US" b="0" i="1" baseline="-25000" dirty="0" smtClean="0">
+                        <a:latin typeface="Cambria Math" panose="02040503050406030204" pitchFamily="18" charset="0"/>
+                      </a:rPr>
+                      <m:t>𝑀𝑆𝑌</m:t>
+                    </m:r>
+                    <m:r>
+                      <a:rPr lang="en-US" i="1" baseline="-25000" dirty="0">
+                        <a:latin typeface="Cambria Math" panose="02040503050406030204" pitchFamily="18" charset="0"/>
+                      </a:rPr>
+                      <m:t> </m:t>
+                    </m:r>
+                  </m:oMath>
+                </a14:m>
+                <a:endParaRPr lang="en-US" dirty="0"/>
+              </a:p>
+              <a:p>
+                <a:pPr lvl="2"/>
+                <a:r>
+                  <a:rPr lang="en-US" dirty="0"/>
+                  <a:t>Value of SPR as a proxy for </a:t>
+                </a:r>
+                <a14:m>
+                  <m:oMath xmlns:m="http://schemas.openxmlformats.org/officeDocument/2006/math">
+                    <m:r>
+                      <a:rPr lang="en-US" i="1" dirty="0" smtClean="0">
+                        <a:latin typeface="Cambria Math" panose="02040503050406030204" pitchFamily="18" charset="0"/>
+                      </a:rPr>
+                      <m:t>𝐹</m:t>
+                    </m:r>
+                    <m:r>
+                      <a:rPr lang="en-US" b="0" i="1" baseline="-25000" dirty="0" smtClean="0">
+                        <a:latin typeface="Cambria Math" panose="02040503050406030204" pitchFamily="18" charset="0"/>
+                      </a:rPr>
+                      <m:t>𝑀𝑆𝑌</m:t>
+                    </m:r>
+                  </m:oMath>
+                </a14:m>
+                <a:r>
+                  <a:rPr lang="en-US" dirty="0"/>
+                  <a:t> depends on productivity</a:t>
+                </a:r>
+              </a:p>
+              <a:p>
+                <a:pPr lvl="1"/>
+                <a:r>
+                  <a:rPr lang="en-US" dirty="0"/>
+                  <a:t>Biomass reference point:</a:t>
+                </a:r>
+              </a:p>
+              <a:p>
+                <a:pPr lvl="2"/>
+                <a14:m>
+                  <m:oMath xmlns:m="http://schemas.openxmlformats.org/officeDocument/2006/math">
+                    <m:r>
+                      <a:rPr lang="en-US" i="1" dirty="0" smtClean="0">
+                        <a:latin typeface="Cambria Math" panose="02040503050406030204" pitchFamily="18" charset="0"/>
+                      </a:rPr>
+                      <m:t>𝐵</m:t>
+                    </m:r>
+                    <m:r>
+                      <a:rPr lang="en-US" i="1" baseline="-25000" dirty="0" smtClean="0">
+                        <a:latin typeface="Cambria Math" panose="02040503050406030204" pitchFamily="18" charset="0"/>
+                      </a:rPr>
+                      <m:t>𝑀𝑆𝑌</m:t>
+                    </m:r>
+                  </m:oMath>
+                </a14:m>
+                <a:r>
+                  <a:rPr lang="en-US" dirty="0"/>
+                  <a:t> proxy = equilibrium B from fishing at </a:t>
+                </a:r>
+                <a14:m>
+                  <m:oMath xmlns:m="http://schemas.openxmlformats.org/officeDocument/2006/math">
+                    <m:r>
+                      <a:rPr lang="en-US" i="1" dirty="0" smtClean="0">
+                        <a:latin typeface="Cambria Math" panose="02040503050406030204" pitchFamily="18" charset="0"/>
+                      </a:rPr>
+                      <m:t>𝐹</m:t>
+                    </m:r>
+                    <m:r>
+                      <a:rPr lang="en-US" i="1" baseline="-25000" dirty="0" smtClean="0">
+                        <a:latin typeface="Cambria Math" panose="02040503050406030204" pitchFamily="18" charset="0"/>
+                      </a:rPr>
+                      <m:t>𝑋</m:t>
+                    </m:r>
+                    <m:r>
+                      <a:rPr lang="en-US" i="1" baseline="-25000" dirty="0" smtClean="0">
+                        <a:latin typeface="Cambria Math" panose="02040503050406030204" pitchFamily="18" charset="0"/>
+                      </a:rPr>
+                      <m:t>%</m:t>
+                    </m:r>
+                    <m:r>
+                      <a:rPr lang="en-US" i="1" baseline="-25000" dirty="0" smtClean="0">
+                        <a:latin typeface="Cambria Math" panose="02040503050406030204" pitchFamily="18" charset="0"/>
+                      </a:rPr>
+                      <m:t>𝑆𝑃𝑅</m:t>
+                    </m:r>
+                    <m:r>
+                      <a:rPr lang="en-US" i="1" baseline="-25000" dirty="0" smtClean="0">
+                        <a:latin typeface="Cambria Math" panose="02040503050406030204" pitchFamily="18" charset="0"/>
+                      </a:rPr>
+                      <m:t> </m:t>
+                    </m:r>
+                  </m:oMath>
+                </a14:m>
+                <a:endParaRPr lang="en-US" baseline="-25000" dirty="0"/>
+              </a:p>
+              <a:p>
+                <a:pPr lvl="2"/>
+                <a:endParaRPr lang="en-US" dirty="0"/>
+              </a:p>
+            </p:txBody>
+          </p:sp>
+        </mc:Choice>
+        <mc:Fallback>
+          <p:sp>
+            <p:nvSpPr>
+              <p:cNvPr id="3" name="Content Placeholder 2">
+                <a:extLst>
+                  <a:ext uri="{FF2B5EF4-FFF2-40B4-BE49-F238E27FC236}">
+                    <a16:creationId xmlns:a16="http://schemas.microsoft.com/office/drawing/2014/main" id="{90EBF679-C065-4E9A-A132-B6E0E137E3B8}"/>
+                  </a:ext>
+                </a:extLst>
+              </p:cNvPr>
+              <p:cNvSpPr>
+                <a:spLocks noGrp="1" noRot="1" noChangeAspect="1" noMove="1" noResize="1" noEditPoints="1" noAdjustHandles="1" noChangeArrowheads="1" noChangeShapeType="1" noTextEdit="1"/>
+              </p:cNvSpPr>
+              <p:nvPr>
+                <p:ph idx="1"/>
+              </p:nvPr>
+            </p:nvSpPr>
+            <p:spPr>
+              <a:blipFill>
+                <a:blip r:embed="rId2"/>
+                <a:stretch>
+                  <a:fillRect l="-1043" t="-2241"/>
+                </a:stretch>
+              </a:blipFill>
+            </p:spPr>
+            <p:txBody>
+              <a:bodyPr/>
+              <a:lstStyle/>
+              <a:p>
+                <a:r>
+                  <a:rPr lang="en-US">
+                    <a:noFill/>
+                  </a:rPr>
+                  <a:t> </a:t>
+                </a:r>
+              </a:p>
+            </p:txBody>
+          </p:sp>
+        </mc:Fallback>
+      </mc:AlternateContent>
+      <mc:AlternateContent xmlns:mc="http://schemas.openxmlformats.org/markup-compatibility/2006">
+        <mc:Choice xmlns:a14="http://schemas.microsoft.com/office/drawing/2010/main" Requires="a14">
+          <p:graphicFrame>
+            <p:nvGraphicFramePr>
+              <p:cNvPr id="4" name="Content Placeholder 3">
+                <a:extLst>
+                  <a:ext uri="{FF2B5EF4-FFF2-40B4-BE49-F238E27FC236}">
+                    <a16:creationId xmlns:a16="http://schemas.microsoft.com/office/drawing/2014/main" id="{F130B1CC-8FC9-4ACD-8ADA-A6E138A286D6}"/>
+                  </a:ext>
+                </a:extLst>
+              </p:cNvPr>
+              <p:cNvGraphicFramePr>
+                <a:graphicFrameLocks/>
+              </p:cNvGraphicFramePr>
+              <p:nvPr>
+                <p:extLst>
+                  <p:ext uri="{D42A27DB-BD31-4B8C-83A1-F6EECF244321}">
+                    <p14:modId xmlns:p14="http://schemas.microsoft.com/office/powerpoint/2010/main" val="1455370126"/>
+                  </p:ext>
+                </p:extLst>
+              </p:nvPr>
+            </p:nvGraphicFramePr>
+            <p:xfrm>
+              <a:off x="7695343" y="4862195"/>
+              <a:ext cx="4496657" cy="1630680"/>
+            </p:xfrm>
+            <a:graphic>
+              <a:graphicData uri="http://schemas.openxmlformats.org/drawingml/2006/table">
+                <a:tbl>
+                  <a:tblPr bandRow="1">
+                    <a:tableStyleId>{5C22544A-7EE6-4342-B048-85BDC9FD1C3A}</a:tableStyleId>
+                  </a:tblPr>
+                  <a:tblGrid>
+                    <a:gridCol w="1763362">
+                      <a:extLst>
+                        <a:ext uri="{9D8B030D-6E8A-4147-A177-3AD203B41FA5}">
+                          <a16:colId xmlns:a16="http://schemas.microsoft.com/office/drawing/2014/main" val="765603383"/>
+                        </a:ext>
+                      </a:extLst>
+                    </a:gridCol>
+                    <a:gridCol w="1158924">
+                      <a:extLst>
+                        <a:ext uri="{9D8B030D-6E8A-4147-A177-3AD203B41FA5}">
+                          <a16:colId xmlns:a16="http://schemas.microsoft.com/office/drawing/2014/main" val="2414924035"/>
+                        </a:ext>
+                      </a:extLst>
+                    </a:gridCol>
+                    <a:gridCol w="1574371">
+                      <a:extLst>
+                        <a:ext uri="{9D8B030D-6E8A-4147-A177-3AD203B41FA5}">
+                          <a16:colId xmlns:a16="http://schemas.microsoft.com/office/drawing/2014/main" val="1996351042"/>
+                        </a:ext>
+                      </a:extLst>
+                    </a:gridCol>
+                  </a:tblGrid>
+                  <a:tr h="0">
+                    <a:tc>
+                      <a:txBody>
+                        <a:bodyPr/>
+                        <a:lstStyle/>
+                        <a:p>
+                          <a:pPr marL="0" marR="0">
+                            <a:spcBef>
+                              <a:spcPts val="600"/>
+                            </a:spcBef>
+                            <a:spcAft>
+                              <a:spcPts val="600"/>
+                            </a:spcAft>
+                          </a:pPr>
+                          <a:r>
+                            <a:rPr lang="en-US" sz="1800" b="1" dirty="0">
+                              <a:effectLst/>
+                              <a:latin typeface="Century Gothic" panose="020B0502020202020204" pitchFamily="34" charset="0"/>
+                            </a:rPr>
+                            <a:t>Productivity</a:t>
+                          </a:r>
+                          <a:endParaRPr lang="en-US" sz="1800" b="1" dirty="0">
+                            <a:effectLst/>
+                            <a:latin typeface="Century Gothic" panose="020B0502020202020204" pitchFamily="34" charset="0"/>
+                            <a:ea typeface="Times New Roman" panose="02020603050405020304" pitchFamily="18" charset="0"/>
+                            <a:cs typeface="Times New Roman" panose="02020603050405020304" pitchFamily="18" charset="0"/>
+                          </a:endParaRPr>
+                        </a:p>
+                      </a:txBody>
+                      <a:tcPr marL="68580" marR="68580" marT="0" marB="0"/>
+                    </a:tc>
+                    <a:tc>
+                      <a:txBody>
+                        <a:bodyPr/>
+                        <a:lstStyle/>
+                        <a:p>
+                          <a:pPr marL="0" marR="0" algn="ctr">
+                            <a:spcBef>
+                              <a:spcPts val="600"/>
+                            </a:spcBef>
+                            <a:spcAft>
+                              <a:spcPts val="600"/>
+                            </a:spcAft>
+                          </a:pPr>
+                          <a14:m>
+                            <m:oMathPara xmlns:m="http://schemas.openxmlformats.org/officeDocument/2006/math">
+                              <m:oMathParaPr>
+                                <m:jc m:val="centerGroup"/>
+                              </m:oMathParaPr>
+                              <m:oMath xmlns:m="http://schemas.openxmlformats.org/officeDocument/2006/math">
+                                <m:r>
+                                  <a:rPr lang="en-US" sz="1800" b="1" i="1" dirty="0" smtClean="0">
+                                    <a:effectLst/>
+                                    <a:latin typeface="Cambria Math" panose="02040503050406030204" pitchFamily="18" charset="0"/>
+                                  </a:rPr>
+                                  <m:t>𝒓</m:t>
+                                </m:r>
+                              </m:oMath>
+                            </m:oMathPara>
+                          </a14:m>
+                          <a:endParaRPr lang="en-US" sz="1800" b="1" i="1" dirty="0">
+                            <a:effectLst/>
+                            <a:latin typeface="Century Gothic" panose="020B0502020202020204" pitchFamily="34" charset="0"/>
+                            <a:ea typeface="Times New Roman" panose="02020603050405020304" pitchFamily="18" charset="0"/>
+                            <a:cs typeface="Times New Roman" panose="02020603050405020304" pitchFamily="18" charset="0"/>
+                          </a:endParaRPr>
+                        </a:p>
+                      </a:txBody>
+                      <a:tcPr marL="68580" marR="68580" marT="0" marB="0"/>
+                    </a:tc>
+                    <a:tc>
+                      <a:txBody>
+                        <a:bodyPr/>
+                        <a:lstStyle/>
+                        <a:p>
+                          <a:pPr marL="0" marR="0" algn="ctr">
+                            <a:spcBef>
+                              <a:spcPts val="600"/>
+                            </a:spcBef>
+                            <a:spcAft>
+                              <a:spcPts val="600"/>
+                            </a:spcAft>
+                          </a:pPr>
+                          <a14:m>
+                            <m:oMath xmlns:m="http://schemas.openxmlformats.org/officeDocument/2006/math">
+                              <m:r>
+                                <a:rPr lang="en-US" sz="1800" b="1" i="1" smtClean="0">
+                                  <a:effectLst/>
+                                  <a:latin typeface="Cambria Math" panose="02040503050406030204" pitchFamily="18" charset="0"/>
+                                </a:rPr>
+                                <m:t>𝑭</m:t>
+                              </m:r>
+                              <m:r>
+                                <a:rPr lang="en-US" sz="1800" b="1" i="1" baseline="-25000" smtClean="0">
+                                  <a:effectLst/>
+                                  <a:latin typeface="Cambria Math" panose="02040503050406030204" pitchFamily="18" charset="0"/>
+                                </a:rPr>
+                                <m:t>𝑴𝑺𝒀</m:t>
+                              </m:r>
+                            </m:oMath>
+                          </a14:m>
+                          <a:r>
+                            <a:rPr lang="en-US" sz="1800" b="1" dirty="0">
+                              <a:effectLst/>
+                              <a:latin typeface="Century Gothic" panose="020B0502020202020204" pitchFamily="34" charset="0"/>
+                            </a:rPr>
+                            <a:t> ≈ </a:t>
+                          </a:r>
+                          <a14:m>
+                            <m:oMath xmlns:m="http://schemas.openxmlformats.org/officeDocument/2006/math">
+                              <m:r>
+                                <a:rPr lang="en-US" sz="1800" b="1" i="1" dirty="0" smtClean="0">
+                                  <a:effectLst/>
+                                  <a:latin typeface="Cambria Math" panose="02040503050406030204" pitchFamily="18" charset="0"/>
+                                </a:rPr>
+                                <m:t>𝑭</m:t>
+                              </m:r>
+                              <m:r>
+                                <a:rPr lang="en-US" sz="1800" b="1" i="1" baseline="-25000" dirty="0">
+                                  <a:effectLst/>
+                                  <a:latin typeface="Cambria Math" panose="02040503050406030204" pitchFamily="18" charset="0"/>
+                                </a:rPr>
+                                <m:t>𝑿</m:t>
+                              </m:r>
+                              <m:r>
+                                <a:rPr lang="en-US" sz="1800" b="1" i="1" baseline="-25000" dirty="0">
+                                  <a:effectLst/>
+                                  <a:latin typeface="Cambria Math" panose="02040503050406030204" pitchFamily="18" charset="0"/>
+                                </a:rPr>
+                                <m:t>%</m:t>
+                              </m:r>
+                              <m:r>
+                                <a:rPr lang="en-US" sz="1800" b="1" i="1" baseline="-25000" dirty="0">
+                                  <a:effectLst/>
+                                  <a:latin typeface="Cambria Math" panose="02040503050406030204" pitchFamily="18" charset="0"/>
+                                </a:rPr>
+                                <m:t>𝑺𝑷𝑹</m:t>
+                              </m:r>
+                            </m:oMath>
+                          </a14:m>
+                          <a:endParaRPr lang="en-US" sz="1800" b="1" dirty="0">
+                            <a:effectLst/>
+                            <a:latin typeface="Century Gothic" panose="020B0502020202020204" pitchFamily="34" charset="0"/>
+                            <a:ea typeface="Times New Roman" panose="02020603050405020304" pitchFamily="18" charset="0"/>
+                            <a:cs typeface="Times New Roman" panose="02020603050405020304" pitchFamily="18" charset="0"/>
+                          </a:endParaRPr>
+                        </a:p>
+                      </a:txBody>
+                      <a:tcPr marL="68580" marR="68580" marT="0" marB="0"/>
+                    </a:tc>
+                    <a:extLst>
+                      <a:ext uri="{0D108BD9-81ED-4DB2-BD59-A6C34878D82A}">
+                        <a16:rowId xmlns:a16="http://schemas.microsoft.com/office/drawing/2014/main" val="3743201480"/>
+                      </a:ext>
+                    </a:extLst>
+                  </a:tr>
+                  <a:tr h="0">
+                    <a:tc>
+                      <a:txBody>
+                        <a:bodyPr/>
+                        <a:lstStyle/>
+                        <a:p>
+                          <a:pPr marL="0" marR="0">
+                            <a:spcBef>
+                              <a:spcPts val="600"/>
+                            </a:spcBef>
+                            <a:spcAft>
+                              <a:spcPts val="600"/>
+                            </a:spcAft>
+                          </a:pPr>
+                          <a:r>
+                            <a:rPr lang="en-US" sz="1800" dirty="0">
+                              <a:effectLst/>
+                              <a:latin typeface="Century Gothic" panose="020B0502020202020204" pitchFamily="34" charset="0"/>
+                            </a:rPr>
+                            <a:t>Very Low</a:t>
+                          </a:r>
+                          <a:endParaRPr lang="en-US" sz="1800" dirty="0">
+                            <a:effectLst/>
+                            <a:latin typeface="Century Gothic" panose="020B0502020202020204" pitchFamily="34" charset="0"/>
+                            <a:ea typeface="Times New Roman" panose="02020603050405020304" pitchFamily="18" charset="0"/>
+                            <a:cs typeface="Times New Roman" panose="02020603050405020304" pitchFamily="18" charset="0"/>
+                          </a:endParaRPr>
+                        </a:p>
+                      </a:txBody>
+                      <a:tcPr marL="68580" marR="68580" marT="0" marB="0"/>
+                    </a:tc>
+                    <a:tc>
+                      <a:txBody>
+                        <a:bodyPr/>
+                        <a:lstStyle/>
+                        <a:p>
+                          <a:pPr marL="0" marR="0" algn="ctr">
+                            <a:spcBef>
+                              <a:spcPts val="600"/>
+                            </a:spcBef>
+                            <a:spcAft>
+                              <a:spcPts val="600"/>
+                            </a:spcAft>
+                          </a:pPr>
+                          <a:r>
+                            <a:rPr lang="en-US" sz="1800" dirty="0">
+                              <a:effectLst/>
+                              <a:latin typeface="Century Gothic" panose="020B0502020202020204" pitchFamily="34" charset="0"/>
+                            </a:rPr>
+                            <a:t>-*</a:t>
+                          </a:r>
+                          <a:endParaRPr lang="en-US" sz="1800" dirty="0">
+                            <a:effectLst/>
+                            <a:latin typeface="Century Gothic" panose="020B0502020202020204" pitchFamily="34" charset="0"/>
+                            <a:ea typeface="Times New Roman" panose="02020603050405020304" pitchFamily="18" charset="0"/>
+                            <a:cs typeface="Times New Roman" panose="02020603050405020304" pitchFamily="18" charset="0"/>
+                          </a:endParaRPr>
+                        </a:p>
+                      </a:txBody>
+                      <a:tcPr marL="68580" marR="68580" marT="0" marB="0"/>
+                    </a:tc>
+                    <a:tc>
+                      <a:txBody>
+                        <a:bodyPr/>
+                        <a:lstStyle/>
+                        <a:p>
+                          <a:pPr marL="0" marR="0" algn="ctr">
+                            <a:spcBef>
+                              <a:spcPts val="600"/>
+                            </a:spcBef>
+                            <a:spcAft>
+                              <a:spcPts val="600"/>
+                            </a:spcAft>
+                          </a:pPr>
+                          <a:r>
+                            <a:rPr lang="en-US" sz="1800" i="1" dirty="0">
+                              <a:effectLst/>
+                              <a:latin typeface="Century Gothic" panose="020B0502020202020204" pitchFamily="34" charset="0"/>
+                            </a:rPr>
+                            <a:t>F</a:t>
+                          </a:r>
+                          <a:r>
+                            <a:rPr lang="en-US" sz="1800" i="1" baseline="-25000" dirty="0">
+                              <a:effectLst/>
+                              <a:latin typeface="Century Gothic" panose="020B0502020202020204" pitchFamily="34" charset="0"/>
+                            </a:rPr>
+                            <a:t>≥50%</a:t>
+                          </a:r>
+                          <a:endParaRPr lang="en-US" sz="1800" i="1" dirty="0">
+                            <a:effectLst/>
+                            <a:latin typeface="Century Gothic" panose="020B0502020202020204" pitchFamily="34" charset="0"/>
+                            <a:ea typeface="Times New Roman" panose="02020603050405020304" pitchFamily="18" charset="0"/>
+                            <a:cs typeface="Times New Roman" panose="02020603050405020304" pitchFamily="18" charset="0"/>
+                          </a:endParaRPr>
+                        </a:p>
+                      </a:txBody>
+                      <a:tcPr marL="68580" marR="68580" marT="0" marB="0"/>
+                    </a:tc>
+                    <a:extLst>
+                      <a:ext uri="{0D108BD9-81ED-4DB2-BD59-A6C34878D82A}">
+                        <a16:rowId xmlns:a16="http://schemas.microsoft.com/office/drawing/2014/main" val="782048765"/>
+                      </a:ext>
+                    </a:extLst>
+                  </a:tr>
+                  <a:tr h="0">
+                    <a:tc>
+                      <a:txBody>
+                        <a:bodyPr/>
+                        <a:lstStyle/>
+                        <a:p>
+                          <a:pPr marL="0" marR="0">
+                            <a:spcBef>
+                              <a:spcPts val="600"/>
+                            </a:spcBef>
+                            <a:spcAft>
+                              <a:spcPts val="600"/>
+                            </a:spcAft>
+                          </a:pPr>
+                          <a:r>
+                            <a:rPr lang="en-US" sz="1800" dirty="0">
+                              <a:effectLst/>
+                              <a:latin typeface="Century Gothic" panose="020B0502020202020204" pitchFamily="34" charset="0"/>
+                            </a:rPr>
+                            <a:t>Low</a:t>
+                          </a:r>
+                          <a:endParaRPr lang="en-US" sz="1800" dirty="0">
+                            <a:effectLst/>
+                            <a:latin typeface="Century Gothic" panose="020B0502020202020204" pitchFamily="34" charset="0"/>
+                            <a:ea typeface="Times New Roman" panose="02020603050405020304" pitchFamily="18" charset="0"/>
+                            <a:cs typeface="Times New Roman" panose="02020603050405020304" pitchFamily="18" charset="0"/>
+                          </a:endParaRPr>
+                        </a:p>
+                      </a:txBody>
+                      <a:tcPr marL="68580" marR="68580" marT="0" marB="0"/>
+                    </a:tc>
+                    <a:tc>
+                      <a:txBody>
+                        <a:bodyPr/>
+                        <a:lstStyle/>
+                        <a:p>
+                          <a:pPr marL="0" marR="0" algn="ctr">
+                            <a:spcBef>
+                              <a:spcPts val="600"/>
+                            </a:spcBef>
+                            <a:spcAft>
+                              <a:spcPts val="600"/>
+                            </a:spcAft>
+                          </a:pPr>
+                          <a:r>
+                            <a:rPr lang="en-US" sz="1800" dirty="0">
+                              <a:effectLst/>
+                              <a:latin typeface="Century Gothic" panose="020B0502020202020204" pitchFamily="34" charset="0"/>
+                            </a:rPr>
+                            <a:t>&lt;0.14</a:t>
+                          </a:r>
+                          <a:endParaRPr lang="en-US" sz="1800" dirty="0">
+                            <a:effectLst/>
+                            <a:latin typeface="Century Gothic" panose="020B0502020202020204" pitchFamily="34" charset="0"/>
+                            <a:ea typeface="Times New Roman" panose="02020603050405020304" pitchFamily="18" charset="0"/>
+                            <a:cs typeface="Times New Roman" panose="02020603050405020304" pitchFamily="18" charset="0"/>
+                          </a:endParaRPr>
+                        </a:p>
+                      </a:txBody>
+                      <a:tcPr marL="68580" marR="68580" marT="0" marB="0"/>
+                    </a:tc>
+                    <a:tc>
+                      <a:txBody>
+                        <a:bodyPr/>
+                        <a:lstStyle/>
+                        <a:p>
+                          <a:pPr marL="0" marR="0" algn="ctr">
+                            <a:spcBef>
+                              <a:spcPts val="600"/>
+                            </a:spcBef>
+                            <a:spcAft>
+                              <a:spcPts val="600"/>
+                            </a:spcAft>
+                          </a:pPr>
+                          <a:r>
+                            <a:rPr lang="en-US" sz="1800" i="1" dirty="0">
+                              <a:effectLst/>
+                              <a:latin typeface="Century Gothic" panose="020B0502020202020204" pitchFamily="34" charset="0"/>
+                            </a:rPr>
+                            <a:t>F</a:t>
+                          </a:r>
+                          <a:r>
+                            <a:rPr lang="en-US" sz="1800" i="1" baseline="-25000" dirty="0">
+                              <a:effectLst/>
+                              <a:latin typeface="Century Gothic" panose="020B0502020202020204" pitchFamily="34" charset="0"/>
+                            </a:rPr>
+                            <a:t>45%</a:t>
+                          </a:r>
+                          <a:endParaRPr lang="en-US" sz="1800" i="1" dirty="0">
+                            <a:effectLst/>
+                            <a:latin typeface="Century Gothic" panose="020B0502020202020204" pitchFamily="34" charset="0"/>
+                            <a:ea typeface="Times New Roman" panose="02020603050405020304" pitchFamily="18" charset="0"/>
+                            <a:cs typeface="Times New Roman" panose="02020603050405020304" pitchFamily="18" charset="0"/>
+                          </a:endParaRPr>
+                        </a:p>
+                      </a:txBody>
+                      <a:tcPr marL="68580" marR="68580" marT="0" marB="0"/>
+                    </a:tc>
+                    <a:extLst>
+                      <a:ext uri="{0D108BD9-81ED-4DB2-BD59-A6C34878D82A}">
+                        <a16:rowId xmlns:a16="http://schemas.microsoft.com/office/drawing/2014/main" val="3305822969"/>
+                      </a:ext>
+                    </a:extLst>
+                  </a:tr>
+                  <a:tr h="0">
+                    <a:tc>
+                      <a:txBody>
+                        <a:bodyPr/>
+                        <a:lstStyle/>
+                        <a:p>
+                          <a:pPr marL="0" marR="0">
+                            <a:spcBef>
+                              <a:spcPts val="600"/>
+                            </a:spcBef>
+                            <a:spcAft>
+                              <a:spcPts val="600"/>
+                            </a:spcAft>
+                          </a:pPr>
+                          <a:r>
+                            <a:rPr lang="en-US" sz="1800" dirty="0">
+                              <a:effectLst/>
+                              <a:latin typeface="Century Gothic" panose="020B0502020202020204" pitchFamily="34" charset="0"/>
+                            </a:rPr>
+                            <a:t>Medium</a:t>
+                          </a:r>
+                          <a:endParaRPr lang="en-US" sz="1800" dirty="0">
+                            <a:effectLst/>
+                            <a:latin typeface="Century Gothic" panose="020B0502020202020204" pitchFamily="34" charset="0"/>
+                            <a:ea typeface="Times New Roman" panose="02020603050405020304" pitchFamily="18" charset="0"/>
+                            <a:cs typeface="Times New Roman" panose="02020603050405020304" pitchFamily="18" charset="0"/>
+                          </a:endParaRPr>
+                        </a:p>
+                      </a:txBody>
+                      <a:tcPr marL="68580" marR="68580" marT="0" marB="0"/>
+                    </a:tc>
+                    <a:tc>
+                      <a:txBody>
+                        <a:bodyPr/>
+                        <a:lstStyle/>
+                        <a:p>
+                          <a:pPr marL="0" marR="0" algn="ctr">
+                            <a:spcBef>
+                              <a:spcPts val="600"/>
+                            </a:spcBef>
+                            <a:spcAft>
+                              <a:spcPts val="600"/>
+                            </a:spcAft>
+                          </a:pPr>
+                          <a:r>
+                            <a:rPr lang="en-US" sz="1800" dirty="0">
+                              <a:effectLst/>
+                              <a:latin typeface="Century Gothic" panose="020B0502020202020204" pitchFamily="34" charset="0"/>
+                            </a:rPr>
+                            <a:t>0.14-0.35</a:t>
+                          </a:r>
+                          <a:endParaRPr lang="en-US" sz="1800" dirty="0">
+                            <a:effectLst/>
+                            <a:latin typeface="Century Gothic" panose="020B0502020202020204" pitchFamily="34" charset="0"/>
+                            <a:ea typeface="Times New Roman" panose="02020603050405020304" pitchFamily="18" charset="0"/>
+                            <a:cs typeface="Times New Roman" panose="02020603050405020304" pitchFamily="18" charset="0"/>
+                          </a:endParaRPr>
+                        </a:p>
+                      </a:txBody>
+                      <a:tcPr marL="68580" marR="68580" marT="0" marB="0"/>
+                    </a:tc>
+                    <a:tc>
+                      <a:txBody>
+                        <a:bodyPr/>
+                        <a:lstStyle/>
+                        <a:p>
+                          <a:pPr marL="0" marR="0" algn="ctr">
+                            <a:spcBef>
+                              <a:spcPts val="600"/>
+                            </a:spcBef>
+                            <a:spcAft>
+                              <a:spcPts val="600"/>
+                            </a:spcAft>
+                          </a:pPr>
+                          <a:r>
+                            <a:rPr lang="en-US" sz="1800" i="1" dirty="0">
+                              <a:effectLst/>
+                              <a:latin typeface="Century Gothic" panose="020B0502020202020204" pitchFamily="34" charset="0"/>
+                            </a:rPr>
+                            <a:t>F</a:t>
+                          </a:r>
+                          <a:r>
+                            <a:rPr lang="en-US" sz="1800" i="1" baseline="-25000" dirty="0">
+                              <a:effectLst/>
+                              <a:latin typeface="Century Gothic" panose="020B0502020202020204" pitchFamily="34" charset="0"/>
+                            </a:rPr>
+                            <a:t>40%</a:t>
+                          </a:r>
+                          <a:endParaRPr lang="en-US" sz="1800" i="1" dirty="0">
+                            <a:effectLst/>
+                            <a:latin typeface="Century Gothic" panose="020B0502020202020204" pitchFamily="34" charset="0"/>
+                            <a:ea typeface="Times New Roman" panose="02020603050405020304" pitchFamily="18" charset="0"/>
+                            <a:cs typeface="Times New Roman" panose="02020603050405020304" pitchFamily="18" charset="0"/>
+                          </a:endParaRPr>
+                        </a:p>
+                      </a:txBody>
+                      <a:tcPr marL="68580" marR="68580" marT="0" marB="0"/>
+                    </a:tc>
+                    <a:extLst>
+                      <a:ext uri="{0D108BD9-81ED-4DB2-BD59-A6C34878D82A}">
+                        <a16:rowId xmlns:a16="http://schemas.microsoft.com/office/drawing/2014/main" val="2143095636"/>
+                      </a:ext>
+                    </a:extLst>
+                  </a:tr>
+                  <a:tr h="0">
+                    <a:tc>
+                      <a:txBody>
+                        <a:bodyPr/>
+                        <a:lstStyle/>
+                        <a:p>
+                          <a:pPr marL="0" marR="0">
+                            <a:spcBef>
+                              <a:spcPts val="600"/>
+                            </a:spcBef>
+                            <a:spcAft>
+                              <a:spcPts val="600"/>
+                            </a:spcAft>
+                          </a:pPr>
+                          <a:r>
+                            <a:rPr lang="en-US" sz="1800" dirty="0">
+                              <a:effectLst/>
+                              <a:latin typeface="Century Gothic" panose="020B0502020202020204" pitchFamily="34" charset="0"/>
+                            </a:rPr>
+                            <a:t>High</a:t>
+                          </a:r>
+                          <a:endParaRPr lang="en-US" sz="1800" dirty="0">
+                            <a:effectLst/>
+                            <a:latin typeface="Century Gothic" panose="020B0502020202020204" pitchFamily="34" charset="0"/>
+                            <a:ea typeface="Times New Roman" panose="02020603050405020304" pitchFamily="18" charset="0"/>
+                            <a:cs typeface="Times New Roman" panose="02020603050405020304" pitchFamily="18" charset="0"/>
+                          </a:endParaRPr>
+                        </a:p>
+                      </a:txBody>
+                      <a:tcPr marL="68580" marR="68580" marT="0" marB="0"/>
+                    </a:tc>
+                    <a:tc>
+                      <a:txBody>
+                        <a:bodyPr/>
+                        <a:lstStyle/>
+                        <a:p>
+                          <a:pPr marL="0" marR="0" algn="ctr">
+                            <a:spcBef>
+                              <a:spcPts val="600"/>
+                            </a:spcBef>
+                            <a:spcAft>
+                              <a:spcPts val="600"/>
+                            </a:spcAft>
+                          </a:pPr>
+                          <a:r>
+                            <a:rPr lang="en-US" sz="1800" dirty="0">
+                              <a:effectLst/>
+                              <a:latin typeface="Century Gothic" panose="020B0502020202020204" pitchFamily="34" charset="0"/>
+                            </a:rPr>
+                            <a:t>&gt;0.35</a:t>
+                          </a:r>
+                          <a:endParaRPr lang="en-US" sz="1800" dirty="0">
+                            <a:effectLst/>
+                            <a:latin typeface="Century Gothic" panose="020B0502020202020204" pitchFamily="34" charset="0"/>
+                            <a:ea typeface="Times New Roman" panose="02020603050405020304" pitchFamily="18" charset="0"/>
+                            <a:cs typeface="Times New Roman" panose="02020603050405020304" pitchFamily="18" charset="0"/>
+                          </a:endParaRPr>
+                        </a:p>
+                      </a:txBody>
+                      <a:tcPr marL="68580" marR="68580" marT="0" marB="0"/>
+                    </a:tc>
+                    <a:tc>
+                      <a:txBody>
+                        <a:bodyPr/>
+                        <a:lstStyle/>
+                        <a:p>
+                          <a:pPr marL="0" marR="0" algn="ctr">
+                            <a:spcBef>
+                              <a:spcPts val="600"/>
+                            </a:spcBef>
+                            <a:spcAft>
+                              <a:spcPts val="600"/>
+                            </a:spcAft>
+                          </a:pPr>
+                          <a:r>
+                            <a:rPr lang="en-US" sz="1800" i="1" dirty="0">
+                              <a:effectLst/>
+                              <a:latin typeface="Century Gothic" panose="020B0502020202020204" pitchFamily="34" charset="0"/>
+                            </a:rPr>
+                            <a:t>F</a:t>
+                          </a:r>
+                          <a:r>
+                            <a:rPr lang="en-US" sz="1800" i="1" baseline="-25000" dirty="0">
+                              <a:effectLst/>
+                              <a:latin typeface="Century Gothic" panose="020B0502020202020204" pitchFamily="34" charset="0"/>
+                            </a:rPr>
+                            <a:t>30%</a:t>
+                          </a:r>
+                          <a:endParaRPr lang="en-US" sz="1800" i="1" dirty="0">
+                            <a:effectLst/>
+                            <a:latin typeface="Century Gothic" panose="020B0502020202020204" pitchFamily="34" charset="0"/>
+                            <a:ea typeface="Times New Roman" panose="02020603050405020304" pitchFamily="18" charset="0"/>
+                            <a:cs typeface="Times New Roman" panose="02020603050405020304" pitchFamily="18" charset="0"/>
+                          </a:endParaRPr>
+                        </a:p>
+                      </a:txBody>
+                      <a:tcPr marL="68580" marR="68580" marT="0" marB="0"/>
+                    </a:tc>
+                    <a:extLst>
+                      <a:ext uri="{0D108BD9-81ED-4DB2-BD59-A6C34878D82A}">
+                        <a16:rowId xmlns:a16="http://schemas.microsoft.com/office/drawing/2014/main" val="2461834903"/>
+                      </a:ext>
+                    </a:extLst>
+                  </a:tr>
+                  <a:tr h="0">
+                    <a:tc gridSpan="3">
+                      <a:txBody>
+                        <a:bodyPr/>
+                        <a:lstStyle/>
+                        <a:p>
+                          <a:pPr marL="0" marR="0">
+                            <a:spcBef>
+                              <a:spcPts val="600"/>
+                            </a:spcBef>
+                            <a:spcAft>
+                              <a:spcPts val="600"/>
+                            </a:spcAft>
+                          </a:pPr>
+                          <a:r>
+                            <a:rPr lang="en-US" sz="1200" kern="1200" dirty="0">
+                              <a:solidFill>
+                                <a:schemeClr val="dk1"/>
+                              </a:solidFill>
+                              <a:effectLst/>
+                              <a:latin typeface="Century Gothic" panose="020B0502020202020204" pitchFamily="34" charset="0"/>
+                            </a:rPr>
+                            <a:t>*</a:t>
+                          </a:r>
+                          <a:r>
+                            <a:rPr lang="en-US" sz="1100" kern="1200" dirty="0">
+                              <a:solidFill>
+                                <a:schemeClr val="dk1"/>
+                              </a:solidFill>
+                              <a:effectLst/>
+                              <a:latin typeface="Century Gothic" panose="020B0502020202020204" pitchFamily="34" charset="0"/>
+                            </a:rPr>
+                            <a:t>Defined based on </a:t>
+                          </a:r>
+                          <a:r>
+                            <a:rPr lang="en-US" sz="1100" i="1" kern="1200" dirty="0">
+                              <a:solidFill>
+                                <a:schemeClr val="dk1"/>
+                              </a:solidFill>
+                              <a:effectLst/>
+                              <a:latin typeface="Century Gothic" panose="020B0502020202020204" pitchFamily="34" charset="0"/>
+                            </a:rPr>
+                            <a:t>M</a:t>
+                          </a:r>
+                          <a:r>
+                            <a:rPr lang="en-US" sz="1100" kern="1200" dirty="0">
+                              <a:solidFill>
+                                <a:schemeClr val="dk1"/>
+                              </a:solidFill>
+                              <a:effectLst/>
+                              <a:latin typeface="Century Gothic" panose="020B0502020202020204" pitchFamily="34" charset="0"/>
+                            </a:rPr>
+                            <a:t> &lt; 0.1 and age-at-maturation &gt; 15 years</a:t>
+                          </a:r>
+                          <a:endParaRPr lang="en-US" sz="1200" dirty="0">
+                            <a:effectLst/>
+                            <a:latin typeface="Century Gothic" panose="020B0502020202020204" pitchFamily="34" charset="0"/>
+                            <a:ea typeface="Times New Roman" panose="02020603050405020304" pitchFamily="18" charset="0"/>
+                            <a:cs typeface="Times New Roman" panose="02020603050405020304" pitchFamily="18" charset="0"/>
+                          </a:endParaRPr>
+                        </a:p>
+                      </a:txBody>
+                      <a:tcPr marL="68580" marR="68580" marT="0" marB="0"/>
+                    </a:tc>
+                    <a:tc hMerge="1">
+                      <a:txBody>
+                        <a:bodyPr/>
+                        <a:lstStyle/>
+                        <a:p>
+                          <a:pPr marL="0" marR="0" algn="ctr">
+                            <a:spcBef>
+                              <a:spcPts val="600"/>
+                            </a:spcBef>
+                            <a:spcAft>
+                              <a:spcPts val="600"/>
+                            </a:spcAft>
+                          </a:pPr>
+                          <a:endParaRPr lang="en-US" sz="1800" dirty="0">
+                            <a:effectLst/>
+                            <a:latin typeface="Arial" panose="020B0604020202020204" pitchFamily="34" charset="0"/>
+                            <a:ea typeface="Times New Roman" panose="02020603050405020304" pitchFamily="18" charset="0"/>
+                            <a:cs typeface="Times New Roman" panose="02020603050405020304" pitchFamily="18" charset="0"/>
+                          </a:endParaRPr>
+                        </a:p>
+                      </a:txBody>
+                      <a:tcPr marL="68580" marR="68580" marT="0" marB="0">
+                        <a:solidFill>
+                          <a:schemeClr val="bg1"/>
+                        </a:solidFill>
+                      </a:tcPr>
+                    </a:tc>
+                    <a:tc hMerge="1">
+                      <a:txBody>
+                        <a:bodyPr/>
+                        <a:lstStyle/>
+                        <a:p>
+                          <a:pPr marL="0" marR="0" algn="ctr">
+                            <a:spcBef>
+                              <a:spcPts val="600"/>
+                            </a:spcBef>
+                            <a:spcAft>
+                              <a:spcPts val="600"/>
+                            </a:spcAft>
+                          </a:pPr>
+                          <a:endParaRPr lang="en-US" sz="1800" dirty="0">
+                            <a:effectLst/>
+                            <a:latin typeface="Arial" panose="020B0604020202020204" pitchFamily="34" charset="0"/>
+                            <a:ea typeface="Times New Roman" panose="02020603050405020304" pitchFamily="18" charset="0"/>
+                            <a:cs typeface="Times New Roman" panose="02020603050405020304" pitchFamily="18" charset="0"/>
+                          </a:endParaRPr>
+                        </a:p>
+                      </a:txBody>
+                      <a:tcPr marL="68580" marR="68580" marT="0" marB="0">
+                        <a:solidFill>
+                          <a:schemeClr val="bg1"/>
+                        </a:solidFill>
+                      </a:tcPr>
+                    </a:tc>
+                    <a:extLst>
+                      <a:ext uri="{0D108BD9-81ED-4DB2-BD59-A6C34878D82A}">
+                        <a16:rowId xmlns:a16="http://schemas.microsoft.com/office/drawing/2014/main" val="819109025"/>
+                      </a:ext>
+                    </a:extLst>
+                  </a:tr>
+                </a:tbl>
+              </a:graphicData>
+            </a:graphic>
+          </p:graphicFrame>
+        </mc:Choice>
+        <mc:Fallback>
+          <p:graphicFrame>
+            <p:nvGraphicFramePr>
+              <p:cNvPr id="4" name="Content Placeholder 3">
+                <a:extLst>
+                  <a:ext uri="{FF2B5EF4-FFF2-40B4-BE49-F238E27FC236}">
+                    <a16:creationId xmlns:a16="http://schemas.microsoft.com/office/drawing/2014/main" id="{F130B1CC-8FC9-4ACD-8ADA-A6E138A286D6}"/>
+                  </a:ext>
+                </a:extLst>
+              </p:cNvPr>
+              <p:cNvGraphicFramePr>
+                <a:graphicFrameLocks/>
+              </p:cNvGraphicFramePr>
+              <p:nvPr>
+                <p:extLst>
+                  <p:ext uri="{D42A27DB-BD31-4B8C-83A1-F6EECF244321}">
+                    <p14:modId xmlns:p14="http://schemas.microsoft.com/office/powerpoint/2010/main" val="1455370126"/>
+                  </p:ext>
+                </p:extLst>
+              </p:nvPr>
+            </p:nvGraphicFramePr>
+            <p:xfrm>
+              <a:off x="7695343" y="4862195"/>
+              <a:ext cx="4496657" cy="1630680"/>
+            </p:xfrm>
+            <a:graphic>
+              <a:graphicData uri="http://schemas.openxmlformats.org/drawingml/2006/table">
+                <a:tbl>
+                  <a:tblPr bandRow="1">
+                    <a:tableStyleId>{5C22544A-7EE6-4342-B048-85BDC9FD1C3A}</a:tableStyleId>
+                  </a:tblPr>
+                  <a:tblGrid>
+                    <a:gridCol w="1763362">
+                      <a:extLst>
+                        <a:ext uri="{9D8B030D-6E8A-4147-A177-3AD203B41FA5}">
+                          <a16:colId xmlns:a16="http://schemas.microsoft.com/office/drawing/2014/main" val="765603383"/>
+                        </a:ext>
+                      </a:extLst>
+                    </a:gridCol>
+                    <a:gridCol w="1158924">
+                      <a:extLst>
+                        <a:ext uri="{9D8B030D-6E8A-4147-A177-3AD203B41FA5}">
+                          <a16:colId xmlns:a16="http://schemas.microsoft.com/office/drawing/2014/main" val="2414924035"/>
+                        </a:ext>
+                      </a:extLst>
+                    </a:gridCol>
+                    <a:gridCol w="1574371">
+                      <a:extLst>
+                        <a:ext uri="{9D8B030D-6E8A-4147-A177-3AD203B41FA5}">
+                          <a16:colId xmlns:a16="http://schemas.microsoft.com/office/drawing/2014/main" val="1996351042"/>
+                        </a:ext>
+                      </a:extLst>
+                    </a:gridCol>
+                  </a:tblGrid>
+                  <a:tr h="350520">
+                    <a:tc>
+                      <a:txBody>
+                        <a:bodyPr/>
+                        <a:lstStyle/>
+                        <a:p>
+                          <a:pPr marL="0" marR="0">
+                            <a:spcBef>
+                              <a:spcPts val="600"/>
+                            </a:spcBef>
+                            <a:spcAft>
+                              <a:spcPts val="600"/>
+                            </a:spcAft>
+                          </a:pPr>
+                          <a:r>
+                            <a:rPr lang="en-US" sz="1800" b="1" dirty="0">
+                              <a:effectLst/>
+                              <a:latin typeface="Century Gothic" panose="020B0502020202020204" pitchFamily="34" charset="0"/>
+                            </a:rPr>
+                            <a:t>Productivity</a:t>
+                          </a:r>
+                          <a:endParaRPr lang="en-US" sz="1800" b="1" dirty="0">
+                            <a:effectLst/>
+                            <a:latin typeface="Century Gothic" panose="020B0502020202020204" pitchFamily="34" charset="0"/>
+                            <a:ea typeface="Times New Roman" panose="02020603050405020304" pitchFamily="18" charset="0"/>
+                            <a:cs typeface="Times New Roman" panose="02020603050405020304" pitchFamily="18" charset="0"/>
+                          </a:endParaRPr>
+                        </a:p>
+                      </a:txBody>
+                      <a:tcPr marL="68580" marR="68580" marT="0" marB="0"/>
+                    </a:tc>
+                    <a:tc>
+                      <a:txBody>
+                        <a:bodyPr/>
+                        <a:lstStyle/>
+                        <a:p>
+                          <a:endParaRPr lang="en-US"/>
+                        </a:p>
+                      </a:txBody>
+                      <a:tcPr marL="68580" marR="68580" marT="0" marB="0">
+                        <a:blipFill>
+                          <a:blip r:embed="rId3"/>
+                          <a:stretch>
+                            <a:fillRect l="-151832" t="-20690" r="-136649" b="-389655"/>
+                          </a:stretch>
+                        </a:blipFill>
+                      </a:tcPr>
+                    </a:tc>
+                    <a:tc>
+                      <a:txBody>
+                        <a:bodyPr/>
+                        <a:lstStyle/>
+                        <a:p>
+                          <a:endParaRPr lang="en-US"/>
+                        </a:p>
+                      </a:txBody>
+                      <a:tcPr marL="68580" marR="68580" marT="0" marB="0">
+                        <a:blipFill>
+                          <a:blip r:embed="rId3"/>
+                          <a:stretch>
+                            <a:fillRect l="-186434" t="-20690" r="-1163" b="-389655"/>
+                          </a:stretch>
+                        </a:blipFill>
+                      </a:tcPr>
+                    </a:tc>
+                    <a:extLst>
+                      <a:ext uri="{0D108BD9-81ED-4DB2-BD59-A6C34878D82A}">
+                        <a16:rowId xmlns:a16="http://schemas.microsoft.com/office/drawing/2014/main" val="3743201480"/>
+                      </a:ext>
+                    </a:extLst>
+                  </a:tr>
+                  <a:tr h="274320">
+                    <a:tc>
+                      <a:txBody>
+                        <a:bodyPr/>
+                        <a:lstStyle/>
+                        <a:p>
+                          <a:pPr marL="0" marR="0">
+                            <a:spcBef>
+                              <a:spcPts val="600"/>
+                            </a:spcBef>
+                            <a:spcAft>
+                              <a:spcPts val="600"/>
+                            </a:spcAft>
+                          </a:pPr>
+                          <a:r>
+                            <a:rPr lang="en-US" sz="1800" dirty="0">
+                              <a:effectLst/>
+                              <a:latin typeface="Century Gothic" panose="020B0502020202020204" pitchFamily="34" charset="0"/>
+                            </a:rPr>
+                            <a:t>Very Low</a:t>
+                          </a:r>
+                          <a:endParaRPr lang="en-US" sz="1800" dirty="0">
+                            <a:effectLst/>
+                            <a:latin typeface="Century Gothic" panose="020B0502020202020204" pitchFamily="34" charset="0"/>
+                            <a:ea typeface="Times New Roman" panose="02020603050405020304" pitchFamily="18" charset="0"/>
+                            <a:cs typeface="Times New Roman" panose="02020603050405020304" pitchFamily="18" charset="0"/>
+                          </a:endParaRPr>
+                        </a:p>
+                      </a:txBody>
+                      <a:tcPr marL="68580" marR="68580" marT="0" marB="0"/>
+                    </a:tc>
+                    <a:tc>
+                      <a:txBody>
+                        <a:bodyPr/>
+                        <a:lstStyle/>
+                        <a:p>
+                          <a:pPr marL="0" marR="0" algn="ctr">
+                            <a:spcBef>
+                              <a:spcPts val="600"/>
+                            </a:spcBef>
+                            <a:spcAft>
+                              <a:spcPts val="600"/>
+                            </a:spcAft>
+                          </a:pPr>
+                          <a:r>
+                            <a:rPr lang="en-US" sz="1800" dirty="0">
+                              <a:effectLst/>
+                              <a:latin typeface="Century Gothic" panose="020B0502020202020204" pitchFamily="34" charset="0"/>
+                            </a:rPr>
+                            <a:t>-*</a:t>
+                          </a:r>
+                          <a:endParaRPr lang="en-US" sz="1800" dirty="0">
+                            <a:effectLst/>
+                            <a:latin typeface="Century Gothic" panose="020B0502020202020204" pitchFamily="34" charset="0"/>
+                            <a:ea typeface="Times New Roman" panose="02020603050405020304" pitchFamily="18" charset="0"/>
+                            <a:cs typeface="Times New Roman" panose="02020603050405020304" pitchFamily="18" charset="0"/>
+                          </a:endParaRPr>
+                        </a:p>
+                      </a:txBody>
+                      <a:tcPr marL="68580" marR="68580" marT="0" marB="0"/>
+                    </a:tc>
+                    <a:tc>
+                      <a:txBody>
+                        <a:bodyPr/>
+                        <a:lstStyle/>
+                        <a:p>
+                          <a:pPr marL="0" marR="0" algn="ctr">
+                            <a:spcBef>
+                              <a:spcPts val="600"/>
+                            </a:spcBef>
+                            <a:spcAft>
+                              <a:spcPts val="600"/>
+                            </a:spcAft>
+                          </a:pPr>
+                          <a:r>
+                            <a:rPr lang="en-US" sz="1800" i="1" dirty="0">
+                              <a:effectLst/>
+                              <a:latin typeface="Century Gothic" panose="020B0502020202020204" pitchFamily="34" charset="0"/>
+                            </a:rPr>
+                            <a:t>F</a:t>
+                          </a:r>
+                          <a:r>
+                            <a:rPr lang="en-US" sz="1800" i="1" baseline="-25000" dirty="0">
+                              <a:effectLst/>
+                              <a:latin typeface="Century Gothic" panose="020B0502020202020204" pitchFamily="34" charset="0"/>
+                            </a:rPr>
+                            <a:t>≥50%</a:t>
+                          </a:r>
+                          <a:endParaRPr lang="en-US" sz="1800" i="1" dirty="0">
+                            <a:effectLst/>
+                            <a:latin typeface="Century Gothic" panose="020B0502020202020204" pitchFamily="34" charset="0"/>
+                            <a:ea typeface="Times New Roman" panose="02020603050405020304" pitchFamily="18" charset="0"/>
+                            <a:cs typeface="Times New Roman" panose="02020603050405020304" pitchFamily="18" charset="0"/>
+                          </a:endParaRPr>
+                        </a:p>
+                      </a:txBody>
+                      <a:tcPr marL="68580" marR="68580" marT="0" marB="0"/>
+                    </a:tc>
+                    <a:extLst>
+                      <a:ext uri="{0D108BD9-81ED-4DB2-BD59-A6C34878D82A}">
+                        <a16:rowId xmlns:a16="http://schemas.microsoft.com/office/drawing/2014/main" val="782048765"/>
+                      </a:ext>
+                    </a:extLst>
+                  </a:tr>
+                  <a:tr h="274320">
+                    <a:tc>
+                      <a:txBody>
+                        <a:bodyPr/>
+                        <a:lstStyle/>
+                        <a:p>
+                          <a:pPr marL="0" marR="0">
+                            <a:spcBef>
+                              <a:spcPts val="600"/>
+                            </a:spcBef>
+                            <a:spcAft>
+                              <a:spcPts val="600"/>
+                            </a:spcAft>
+                          </a:pPr>
+                          <a:r>
+                            <a:rPr lang="en-US" sz="1800" dirty="0">
+                              <a:effectLst/>
+                              <a:latin typeface="Century Gothic" panose="020B0502020202020204" pitchFamily="34" charset="0"/>
+                            </a:rPr>
+                            <a:t>Low</a:t>
+                          </a:r>
+                          <a:endParaRPr lang="en-US" sz="1800" dirty="0">
+                            <a:effectLst/>
+                            <a:latin typeface="Century Gothic" panose="020B0502020202020204" pitchFamily="34" charset="0"/>
+                            <a:ea typeface="Times New Roman" panose="02020603050405020304" pitchFamily="18" charset="0"/>
+                            <a:cs typeface="Times New Roman" panose="02020603050405020304" pitchFamily="18" charset="0"/>
+                          </a:endParaRPr>
+                        </a:p>
+                      </a:txBody>
+                      <a:tcPr marL="68580" marR="68580" marT="0" marB="0"/>
+                    </a:tc>
+                    <a:tc>
+                      <a:txBody>
+                        <a:bodyPr/>
+                        <a:lstStyle/>
+                        <a:p>
+                          <a:pPr marL="0" marR="0" algn="ctr">
+                            <a:spcBef>
+                              <a:spcPts val="600"/>
+                            </a:spcBef>
+                            <a:spcAft>
+                              <a:spcPts val="600"/>
+                            </a:spcAft>
+                          </a:pPr>
+                          <a:r>
+                            <a:rPr lang="en-US" sz="1800" dirty="0">
+                              <a:effectLst/>
+                              <a:latin typeface="Century Gothic" panose="020B0502020202020204" pitchFamily="34" charset="0"/>
+                            </a:rPr>
+                            <a:t>&lt;0.14</a:t>
+                          </a:r>
+                          <a:endParaRPr lang="en-US" sz="1800" dirty="0">
+                            <a:effectLst/>
+                            <a:latin typeface="Century Gothic" panose="020B0502020202020204" pitchFamily="34" charset="0"/>
+                            <a:ea typeface="Times New Roman" panose="02020603050405020304" pitchFamily="18" charset="0"/>
+                            <a:cs typeface="Times New Roman" panose="02020603050405020304" pitchFamily="18" charset="0"/>
+                          </a:endParaRPr>
+                        </a:p>
+                      </a:txBody>
+                      <a:tcPr marL="68580" marR="68580" marT="0" marB="0"/>
+                    </a:tc>
+                    <a:tc>
+                      <a:txBody>
+                        <a:bodyPr/>
+                        <a:lstStyle/>
+                        <a:p>
+                          <a:pPr marL="0" marR="0" algn="ctr">
+                            <a:spcBef>
+                              <a:spcPts val="600"/>
+                            </a:spcBef>
+                            <a:spcAft>
+                              <a:spcPts val="600"/>
+                            </a:spcAft>
+                          </a:pPr>
+                          <a:r>
+                            <a:rPr lang="en-US" sz="1800" i="1" dirty="0">
+                              <a:effectLst/>
+                              <a:latin typeface="Century Gothic" panose="020B0502020202020204" pitchFamily="34" charset="0"/>
+                            </a:rPr>
+                            <a:t>F</a:t>
+                          </a:r>
+                          <a:r>
+                            <a:rPr lang="en-US" sz="1800" i="1" baseline="-25000" dirty="0">
+                              <a:effectLst/>
+                              <a:latin typeface="Century Gothic" panose="020B0502020202020204" pitchFamily="34" charset="0"/>
+                            </a:rPr>
+                            <a:t>45%</a:t>
+                          </a:r>
+                          <a:endParaRPr lang="en-US" sz="1800" i="1" dirty="0">
+                            <a:effectLst/>
+                            <a:latin typeface="Century Gothic" panose="020B0502020202020204" pitchFamily="34" charset="0"/>
+                            <a:ea typeface="Times New Roman" panose="02020603050405020304" pitchFamily="18" charset="0"/>
+                            <a:cs typeface="Times New Roman" panose="02020603050405020304" pitchFamily="18" charset="0"/>
+                          </a:endParaRPr>
+                        </a:p>
+                      </a:txBody>
+                      <a:tcPr marL="68580" marR="68580" marT="0" marB="0"/>
+                    </a:tc>
+                    <a:extLst>
+                      <a:ext uri="{0D108BD9-81ED-4DB2-BD59-A6C34878D82A}">
+                        <a16:rowId xmlns:a16="http://schemas.microsoft.com/office/drawing/2014/main" val="3305822969"/>
+                      </a:ext>
+                    </a:extLst>
+                  </a:tr>
+                  <a:tr h="274320">
+                    <a:tc>
+                      <a:txBody>
+                        <a:bodyPr/>
+                        <a:lstStyle/>
+                        <a:p>
+                          <a:pPr marL="0" marR="0">
+                            <a:spcBef>
+                              <a:spcPts val="600"/>
+                            </a:spcBef>
+                            <a:spcAft>
+                              <a:spcPts val="600"/>
+                            </a:spcAft>
+                          </a:pPr>
+                          <a:r>
+                            <a:rPr lang="en-US" sz="1800" dirty="0">
+                              <a:effectLst/>
+                              <a:latin typeface="Century Gothic" panose="020B0502020202020204" pitchFamily="34" charset="0"/>
+                            </a:rPr>
+                            <a:t>Medium</a:t>
+                          </a:r>
+                          <a:endParaRPr lang="en-US" sz="1800" dirty="0">
+                            <a:effectLst/>
+                            <a:latin typeface="Century Gothic" panose="020B0502020202020204" pitchFamily="34" charset="0"/>
+                            <a:ea typeface="Times New Roman" panose="02020603050405020304" pitchFamily="18" charset="0"/>
+                            <a:cs typeface="Times New Roman" panose="02020603050405020304" pitchFamily="18" charset="0"/>
+                          </a:endParaRPr>
+                        </a:p>
+                      </a:txBody>
+                      <a:tcPr marL="68580" marR="68580" marT="0" marB="0"/>
+                    </a:tc>
+                    <a:tc>
+                      <a:txBody>
+                        <a:bodyPr/>
+                        <a:lstStyle/>
+                        <a:p>
+                          <a:pPr marL="0" marR="0" algn="ctr">
+                            <a:spcBef>
+                              <a:spcPts val="600"/>
+                            </a:spcBef>
+                            <a:spcAft>
+                              <a:spcPts val="600"/>
+                            </a:spcAft>
+                          </a:pPr>
+                          <a:r>
+                            <a:rPr lang="en-US" sz="1800" dirty="0">
+                              <a:effectLst/>
+                              <a:latin typeface="Century Gothic" panose="020B0502020202020204" pitchFamily="34" charset="0"/>
+                            </a:rPr>
+                            <a:t>0.14-0.35</a:t>
+                          </a:r>
+                          <a:endParaRPr lang="en-US" sz="1800" dirty="0">
+                            <a:effectLst/>
+                            <a:latin typeface="Century Gothic" panose="020B0502020202020204" pitchFamily="34" charset="0"/>
+                            <a:ea typeface="Times New Roman" panose="02020603050405020304" pitchFamily="18" charset="0"/>
+                            <a:cs typeface="Times New Roman" panose="02020603050405020304" pitchFamily="18" charset="0"/>
+                          </a:endParaRPr>
+                        </a:p>
+                      </a:txBody>
+                      <a:tcPr marL="68580" marR="68580" marT="0" marB="0"/>
+                    </a:tc>
+                    <a:tc>
+                      <a:txBody>
+                        <a:bodyPr/>
+                        <a:lstStyle/>
+                        <a:p>
+                          <a:pPr marL="0" marR="0" algn="ctr">
+                            <a:spcBef>
+                              <a:spcPts val="600"/>
+                            </a:spcBef>
+                            <a:spcAft>
+                              <a:spcPts val="600"/>
+                            </a:spcAft>
+                          </a:pPr>
+                          <a:r>
+                            <a:rPr lang="en-US" sz="1800" i="1" dirty="0">
+                              <a:effectLst/>
+                              <a:latin typeface="Century Gothic" panose="020B0502020202020204" pitchFamily="34" charset="0"/>
+                            </a:rPr>
+                            <a:t>F</a:t>
+                          </a:r>
+                          <a:r>
+                            <a:rPr lang="en-US" sz="1800" i="1" baseline="-25000" dirty="0">
+                              <a:effectLst/>
+                              <a:latin typeface="Century Gothic" panose="020B0502020202020204" pitchFamily="34" charset="0"/>
+                            </a:rPr>
+                            <a:t>40%</a:t>
+                          </a:r>
+                          <a:endParaRPr lang="en-US" sz="1800" i="1" dirty="0">
+                            <a:effectLst/>
+                            <a:latin typeface="Century Gothic" panose="020B0502020202020204" pitchFamily="34" charset="0"/>
+                            <a:ea typeface="Times New Roman" panose="02020603050405020304" pitchFamily="18" charset="0"/>
+                            <a:cs typeface="Times New Roman" panose="02020603050405020304" pitchFamily="18" charset="0"/>
+                          </a:endParaRPr>
+                        </a:p>
+                      </a:txBody>
+                      <a:tcPr marL="68580" marR="68580" marT="0" marB="0"/>
+                    </a:tc>
+                    <a:extLst>
+                      <a:ext uri="{0D108BD9-81ED-4DB2-BD59-A6C34878D82A}">
+                        <a16:rowId xmlns:a16="http://schemas.microsoft.com/office/drawing/2014/main" val="2143095636"/>
+                      </a:ext>
+                    </a:extLst>
+                  </a:tr>
+                  <a:tr h="274320">
+                    <a:tc>
+                      <a:txBody>
+                        <a:bodyPr/>
+                        <a:lstStyle/>
+                        <a:p>
+                          <a:pPr marL="0" marR="0">
+                            <a:spcBef>
+                              <a:spcPts val="600"/>
+                            </a:spcBef>
+                            <a:spcAft>
+                              <a:spcPts val="600"/>
+                            </a:spcAft>
+                          </a:pPr>
+                          <a:r>
+                            <a:rPr lang="en-US" sz="1800" dirty="0">
+                              <a:effectLst/>
+                              <a:latin typeface="Century Gothic" panose="020B0502020202020204" pitchFamily="34" charset="0"/>
+                            </a:rPr>
+                            <a:t>High</a:t>
+                          </a:r>
+                          <a:endParaRPr lang="en-US" sz="1800" dirty="0">
+                            <a:effectLst/>
+                            <a:latin typeface="Century Gothic" panose="020B0502020202020204" pitchFamily="34" charset="0"/>
+                            <a:ea typeface="Times New Roman" panose="02020603050405020304" pitchFamily="18" charset="0"/>
+                            <a:cs typeface="Times New Roman" panose="02020603050405020304" pitchFamily="18" charset="0"/>
+                          </a:endParaRPr>
+                        </a:p>
+                      </a:txBody>
+                      <a:tcPr marL="68580" marR="68580" marT="0" marB="0"/>
+                    </a:tc>
+                    <a:tc>
+                      <a:txBody>
+                        <a:bodyPr/>
+                        <a:lstStyle/>
+                        <a:p>
+                          <a:pPr marL="0" marR="0" algn="ctr">
+                            <a:spcBef>
+                              <a:spcPts val="600"/>
+                            </a:spcBef>
+                            <a:spcAft>
+                              <a:spcPts val="600"/>
+                            </a:spcAft>
+                          </a:pPr>
+                          <a:r>
+                            <a:rPr lang="en-US" sz="1800" dirty="0">
+                              <a:effectLst/>
+                              <a:latin typeface="Century Gothic" panose="020B0502020202020204" pitchFamily="34" charset="0"/>
+                            </a:rPr>
+                            <a:t>&gt;0.35</a:t>
+                          </a:r>
+                          <a:endParaRPr lang="en-US" sz="1800" dirty="0">
+                            <a:effectLst/>
+                            <a:latin typeface="Century Gothic" panose="020B0502020202020204" pitchFamily="34" charset="0"/>
+                            <a:ea typeface="Times New Roman" panose="02020603050405020304" pitchFamily="18" charset="0"/>
+                            <a:cs typeface="Times New Roman" panose="02020603050405020304" pitchFamily="18" charset="0"/>
+                          </a:endParaRPr>
+                        </a:p>
+                      </a:txBody>
+                      <a:tcPr marL="68580" marR="68580" marT="0" marB="0"/>
+                    </a:tc>
+                    <a:tc>
+                      <a:txBody>
+                        <a:bodyPr/>
+                        <a:lstStyle/>
+                        <a:p>
+                          <a:pPr marL="0" marR="0" algn="ctr">
+                            <a:spcBef>
+                              <a:spcPts val="600"/>
+                            </a:spcBef>
+                            <a:spcAft>
+                              <a:spcPts val="600"/>
+                            </a:spcAft>
+                          </a:pPr>
+                          <a:r>
+                            <a:rPr lang="en-US" sz="1800" i="1" dirty="0">
+                              <a:effectLst/>
+                              <a:latin typeface="Century Gothic" panose="020B0502020202020204" pitchFamily="34" charset="0"/>
+                            </a:rPr>
+                            <a:t>F</a:t>
+                          </a:r>
+                          <a:r>
+                            <a:rPr lang="en-US" sz="1800" i="1" baseline="-25000" dirty="0">
+                              <a:effectLst/>
+                              <a:latin typeface="Century Gothic" panose="020B0502020202020204" pitchFamily="34" charset="0"/>
+                            </a:rPr>
+                            <a:t>30%</a:t>
+                          </a:r>
+                          <a:endParaRPr lang="en-US" sz="1800" i="1" dirty="0">
+                            <a:effectLst/>
+                            <a:latin typeface="Century Gothic" panose="020B0502020202020204" pitchFamily="34" charset="0"/>
+                            <a:ea typeface="Times New Roman" panose="02020603050405020304" pitchFamily="18" charset="0"/>
+                            <a:cs typeface="Times New Roman" panose="02020603050405020304" pitchFamily="18" charset="0"/>
+                          </a:endParaRPr>
+                        </a:p>
+                      </a:txBody>
+                      <a:tcPr marL="68580" marR="68580" marT="0" marB="0"/>
+                    </a:tc>
+                    <a:extLst>
+                      <a:ext uri="{0D108BD9-81ED-4DB2-BD59-A6C34878D82A}">
+                        <a16:rowId xmlns:a16="http://schemas.microsoft.com/office/drawing/2014/main" val="2461834903"/>
+                      </a:ext>
+                    </a:extLst>
+                  </a:tr>
+                  <a:tr h="182880">
+                    <a:tc gridSpan="3">
+                      <a:txBody>
+                        <a:bodyPr/>
+                        <a:lstStyle/>
+                        <a:p>
+                          <a:pPr marL="0" marR="0">
+                            <a:spcBef>
+                              <a:spcPts val="600"/>
+                            </a:spcBef>
+                            <a:spcAft>
+                              <a:spcPts val="600"/>
+                            </a:spcAft>
+                          </a:pPr>
+                          <a:r>
+                            <a:rPr lang="en-US" sz="1200" kern="1200" dirty="0">
+                              <a:solidFill>
+                                <a:schemeClr val="dk1"/>
+                              </a:solidFill>
+                              <a:effectLst/>
+                              <a:latin typeface="Century Gothic" panose="020B0502020202020204" pitchFamily="34" charset="0"/>
+                            </a:rPr>
+                            <a:t>*</a:t>
+                          </a:r>
+                          <a:r>
+                            <a:rPr lang="en-US" sz="1100" kern="1200" dirty="0">
+                              <a:solidFill>
+                                <a:schemeClr val="dk1"/>
+                              </a:solidFill>
+                              <a:effectLst/>
+                              <a:latin typeface="Century Gothic" panose="020B0502020202020204" pitchFamily="34" charset="0"/>
+                            </a:rPr>
+                            <a:t>Defined based on </a:t>
+                          </a:r>
+                          <a:r>
+                            <a:rPr lang="en-US" sz="1100" i="1" kern="1200" dirty="0">
+                              <a:solidFill>
+                                <a:schemeClr val="dk1"/>
+                              </a:solidFill>
+                              <a:effectLst/>
+                              <a:latin typeface="Century Gothic" panose="020B0502020202020204" pitchFamily="34" charset="0"/>
+                            </a:rPr>
+                            <a:t>M</a:t>
+                          </a:r>
+                          <a:r>
+                            <a:rPr lang="en-US" sz="1100" kern="1200" dirty="0">
+                              <a:solidFill>
+                                <a:schemeClr val="dk1"/>
+                              </a:solidFill>
+                              <a:effectLst/>
+                              <a:latin typeface="Century Gothic" panose="020B0502020202020204" pitchFamily="34" charset="0"/>
+                            </a:rPr>
+                            <a:t> &lt; 0.1 and age-at-maturation &gt; 15 years</a:t>
+                          </a:r>
+                          <a:endParaRPr lang="en-US" sz="1200" dirty="0">
+                            <a:effectLst/>
+                            <a:latin typeface="Century Gothic" panose="020B0502020202020204" pitchFamily="34" charset="0"/>
+                            <a:ea typeface="Times New Roman" panose="02020603050405020304" pitchFamily="18" charset="0"/>
+                            <a:cs typeface="Times New Roman" panose="02020603050405020304" pitchFamily="18" charset="0"/>
+                          </a:endParaRPr>
+                        </a:p>
+                      </a:txBody>
+                      <a:tcPr marL="68580" marR="68580" marT="0" marB="0"/>
+                    </a:tc>
+                    <a:tc hMerge="1">
+                      <a:txBody>
+                        <a:bodyPr/>
+                        <a:lstStyle/>
+                        <a:p>
+                          <a:pPr marL="0" marR="0" algn="ctr">
+                            <a:spcBef>
+                              <a:spcPts val="600"/>
+                            </a:spcBef>
+                            <a:spcAft>
+                              <a:spcPts val="600"/>
+                            </a:spcAft>
+                          </a:pPr>
+                          <a:endParaRPr lang="en-US" sz="1800" dirty="0">
+                            <a:effectLst/>
+                            <a:latin typeface="Arial" panose="020B0604020202020204" pitchFamily="34" charset="0"/>
+                            <a:ea typeface="Times New Roman" panose="02020603050405020304" pitchFamily="18" charset="0"/>
+                            <a:cs typeface="Times New Roman" panose="02020603050405020304" pitchFamily="18" charset="0"/>
+                          </a:endParaRPr>
+                        </a:p>
+                      </a:txBody>
+                      <a:tcPr marL="68580" marR="68580" marT="0" marB="0">
+                        <a:solidFill>
+                          <a:schemeClr val="bg1"/>
+                        </a:solidFill>
+                      </a:tcPr>
+                    </a:tc>
+                    <a:tc hMerge="1">
+                      <a:txBody>
+                        <a:bodyPr/>
+                        <a:lstStyle/>
+                        <a:p>
+                          <a:pPr marL="0" marR="0" algn="ctr">
+                            <a:spcBef>
+                              <a:spcPts val="600"/>
+                            </a:spcBef>
+                            <a:spcAft>
+                              <a:spcPts val="600"/>
+                            </a:spcAft>
+                          </a:pPr>
+                          <a:endParaRPr lang="en-US" sz="1800" dirty="0">
+                            <a:effectLst/>
+                            <a:latin typeface="Arial" panose="020B0604020202020204" pitchFamily="34" charset="0"/>
+                            <a:ea typeface="Times New Roman" panose="02020603050405020304" pitchFamily="18" charset="0"/>
+                            <a:cs typeface="Times New Roman" panose="02020603050405020304" pitchFamily="18" charset="0"/>
+                          </a:endParaRPr>
+                        </a:p>
+                      </a:txBody>
+                      <a:tcPr marL="68580" marR="68580" marT="0" marB="0">
+                        <a:solidFill>
+                          <a:schemeClr val="bg1"/>
+                        </a:solidFill>
+                      </a:tcPr>
+                    </a:tc>
+                    <a:extLst>
+                      <a:ext uri="{0D108BD9-81ED-4DB2-BD59-A6C34878D82A}">
+                        <a16:rowId xmlns:a16="http://schemas.microsoft.com/office/drawing/2014/main" val="819109025"/>
+                      </a:ext>
+                    </a:extLst>
+                  </a:tr>
+                </a:tbl>
+              </a:graphicData>
+            </a:graphic>
+          </p:graphicFrame>
+        </mc:Fallback>
+      </mc:AlternateContent>
+      <p:sp>
+        <p:nvSpPr>
+          <p:cNvPr id="5" name="TextBox 4">
+            <a:extLst>
+              <a:ext uri="{FF2B5EF4-FFF2-40B4-BE49-F238E27FC236}">
+                <a16:creationId xmlns:a16="http://schemas.microsoft.com/office/drawing/2014/main" id="{E1EA88A9-649F-40E4-9D6F-C18C68BC6AA3}"/>
+              </a:ext>
+            </a:extLst>
+          </p:cNvPr>
+          <p:cNvSpPr txBox="1"/>
+          <p:nvPr/>
+        </p:nvSpPr>
         <p:spPr>
           <a:xfrm>
-            <a:off x="838200" y="2700434"/>
-            <a:ext cx="10515600" cy="1325563"/>
+            <a:off x="9798340" y="6550111"/>
+            <a:ext cx="2393660" cy="276999"/>
           </a:xfrm>
+          <a:prstGeom prst="rect">
+            <a:avLst/>
+          </a:prstGeom>
+          <a:noFill/>
         </p:spPr>
         <p:txBody>
-          <a:bodyPr>
-            <a:noAutofit/>
+          <a:bodyPr wrap="square" rtlCol="0">
+            <a:spAutoFit/>
           </a:bodyPr>
           <a:lstStyle/>
           <a:p>
-            <a:pPr algn="ctr"/>
+            <a:pPr algn="r"/>
             <a:r>
-              <a:rPr lang="en-US" sz="5400" dirty="0"/>
-              <a:t>8. Approaches using Multiple Models</a:t>
+              <a:rPr lang="en-US" sz="1200" dirty="0"/>
+              <a:t>NZ Ministry of Fisheries</a:t>
+            </a:r>
+            <a:r>
+              <a:rPr lang="en-US" sz="1200" dirty="0">
+                <a:cs typeface="Arial" panose="020B0604020202020204" pitchFamily="34" charset="0"/>
+              </a:rPr>
+              <a:t> (2011)</a:t>
             </a:r>
           </a:p>
         </p:txBody>
@@ -41490,13 +43335,168 @@
     </p:spTree>
     <p:extLst>
       <p:ext uri="{BB962C8B-B14F-4D97-AF65-F5344CB8AC3E}">
-        <p14:creationId xmlns:p14="http://schemas.microsoft.com/office/powerpoint/2010/main" val="2577584056"/>
+        <p14:creationId xmlns:p14="http://schemas.microsoft.com/office/powerpoint/2010/main" val="3242522520"/>
       </p:ext>
     </p:extLst>
   </p:cSld>
   <p:clrMapOvr>
     <a:masterClrMapping/>
   </p:clrMapOvr>
+  <p:timing>
+    <p:tnLst>
+      <p:par>
+        <p:cTn id="1" dur="indefinite" restart="never" nodeType="tmRoot">
+          <p:childTnLst>
+            <p:seq concurrent="1" nextAc="seek">
+              <p:cTn id="2" dur="indefinite" nodeType="mainSeq">
+                <p:childTnLst>
+                  <p:par>
+                    <p:cTn id="3" fill="hold">
+                      <p:stCondLst>
+                        <p:cond delay="indefinite"/>
+                      </p:stCondLst>
+                      <p:childTnLst>
+                        <p:par>
+                          <p:cTn id="4" fill="hold">
+                            <p:stCondLst>
+                              <p:cond delay="0"/>
+                            </p:stCondLst>
+                            <p:childTnLst>
+                              <p:par>
+                                <p:cTn id="5" presetID="1" presetClass="entr" presetSubtype="0" fill="hold" nodeType="clickEffect">
+                                  <p:stCondLst>
+                                    <p:cond delay="0"/>
+                                  </p:stCondLst>
+                                  <p:childTnLst>
+                                    <p:set>
+                                      <p:cBhvr>
+                                        <p:cTn id="6" dur="1" fill="hold">
+                                          <p:stCondLst>
+                                            <p:cond delay="0"/>
+                                          </p:stCondLst>
+                                        </p:cTn>
+                                        <p:tgtEl>
+                                          <p:spTgt spid="4"/>
+                                        </p:tgtEl>
+                                        <p:attrNameLst>
+                                          <p:attrName>style.visibility</p:attrName>
+                                        </p:attrNameLst>
+                                      </p:cBhvr>
+                                      <p:to>
+                                        <p:strVal val="visible"/>
+                                      </p:to>
+                                    </p:set>
+                                  </p:childTnLst>
+                                </p:cTn>
+                              </p:par>
+                            </p:childTnLst>
+                          </p:cTn>
+                        </p:par>
+                      </p:childTnLst>
+                    </p:cTn>
+                  </p:par>
+                  <p:par>
+                    <p:cTn id="7" fill="hold">
+                      <p:stCondLst>
+                        <p:cond delay="indefinite"/>
+                      </p:stCondLst>
+                      <p:childTnLst>
+                        <p:par>
+                          <p:cTn id="8" fill="hold">
+                            <p:stCondLst>
+                              <p:cond delay="0"/>
+                            </p:stCondLst>
+                            <p:childTnLst>
+                              <p:par>
+                                <p:cTn id="9" presetID="1" presetClass="entr" presetSubtype="0" fill="hold" nodeType="clickEffect">
+                                  <p:stCondLst>
+                                    <p:cond delay="0"/>
+                                  </p:stCondLst>
+                                  <p:childTnLst>
+                                    <p:set>
+                                      <p:cBhvr>
+                                        <p:cTn id="10" dur="1" fill="hold">
+                                          <p:stCondLst>
+                                            <p:cond delay="0"/>
+                                          </p:stCondLst>
+                                        </p:cTn>
+                                        <p:tgtEl>
+                                          <p:spTgt spid="3">
+                                            <p:txEl>
+                                              <p:pRg st="4" end="4"/>
+                                            </p:txEl>
+                                          </p:spTgt>
+                                        </p:tgtEl>
+                                        <p:attrNameLst>
+                                          <p:attrName>style.visibility</p:attrName>
+                                        </p:attrNameLst>
+                                      </p:cBhvr>
+                                      <p:to>
+                                        <p:strVal val="visible"/>
+                                      </p:to>
+                                    </p:set>
+                                  </p:childTnLst>
+                                </p:cTn>
+                              </p:par>
+                              <p:par>
+                                <p:cTn id="11" presetID="1" presetClass="entr" presetSubtype="0" fill="hold" nodeType="withEffect">
+                                  <p:stCondLst>
+                                    <p:cond delay="0"/>
+                                  </p:stCondLst>
+                                  <p:childTnLst>
+                                    <p:set>
+                                      <p:cBhvr>
+                                        <p:cTn id="12" dur="1" fill="hold">
+                                          <p:stCondLst>
+                                            <p:cond delay="0"/>
+                                          </p:stCondLst>
+                                        </p:cTn>
+                                        <p:tgtEl>
+                                          <p:spTgt spid="3">
+                                            <p:txEl>
+                                              <p:pRg st="5" end="5"/>
+                                            </p:txEl>
+                                          </p:spTgt>
+                                        </p:tgtEl>
+                                        <p:attrNameLst>
+                                          <p:attrName>style.visibility</p:attrName>
+                                        </p:attrNameLst>
+                                      </p:cBhvr>
+                                      <p:to>
+                                        <p:strVal val="visible"/>
+                                      </p:to>
+                                    </p:set>
+                                  </p:childTnLst>
+                                </p:cTn>
+                              </p:par>
+                            </p:childTnLst>
+                          </p:cTn>
+                        </p:par>
+                      </p:childTnLst>
+                    </p:cTn>
+                  </p:par>
+                </p:childTnLst>
+              </p:cTn>
+              <p:prevCondLst>
+                <p:cond evt="onPrev" delay="0">
+                  <p:tgtEl>
+                    <p:sldTgt/>
+                  </p:tgtEl>
+                </p:cond>
+              </p:prevCondLst>
+              <p:nextCondLst>
+                <p:cond evt="onNext" delay="0">
+                  <p:tgtEl>
+                    <p:sldTgt/>
+                  </p:tgtEl>
+                </p:cond>
+              </p:nextCondLst>
+            </p:seq>
+          </p:childTnLst>
+        </p:cTn>
+      </p:par>
+    </p:tnLst>
+  </p:timing>
 </p:sld>
 </file>
 
@@ -41522,7 +43522,7 @@
           <p:cNvPr id="2" name="Title 1">
             <a:extLst>
               <a:ext uri="{FF2B5EF4-FFF2-40B4-BE49-F238E27FC236}">
-                <a16:creationId xmlns:a16="http://schemas.microsoft.com/office/drawing/2014/main" id="{EE4442E9-B5D4-4531-A4CA-969BFCED0A61}"/>
+                <a16:creationId xmlns:a16="http://schemas.microsoft.com/office/drawing/2014/main" id="{1199914E-EA14-43BE-AD13-A1E26E81AB91}"/>
               </a:ext>
             </a:extLst>
           </p:cNvPr>
@@ -41538,39 +43538,392 @@
           <a:bodyPr/>
           <a:lstStyle/>
           <a:p>
-            <a:endParaRPr lang="en-US"/>
+            <a:r>
+              <a:rPr lang="en-US" dirty="0"/>
+              <a:t>Theoretical Proxies for </a:t>
+            </a:r>
+            <a:r>
+              <a:rPr lang="en-US" i="1" dirty="0"/>
+              <a:t>F</a:t>
+            </a:r>
+            <a:r>
+              <a:rPr lang="en-US" i="1" baseline="-25000" dirty="0"/>
+              <a:t>MSY</a:t>
+            </a:r>
+            <a:endParaRPr lang="en-US" dirty="0"/>
           </a:p>
         </p:txBody>
       </p:sp>
+      <mc:AlternateContent xmlns:mc="http://schemas.openxmlformats.org/markup-compatibility/2006">
+        <mc:Choice xmlns:a14="http://schemas.microsoft.com/office/drawing/2010/main" Requires="a14">
+          <p:sp>
+            <p:nvSpPr>
+              <p:cNvPr id="3" name="Content Placeholder 2">
+                <a:extLst>
+                  <a:ext uri="{FF2B5EF4-FFF2-40B4-BE49-F238E27FC236}">
+                    <a16:creationId xmlns:a16="http://schemas.microsoft.com/office/drawing/2014/main" id="{56028CA9-6F96-4DC6-B5CB-EF5B36A25839}"/>
+                  </a:ext>
+                </a:extLst>
+              </p:cNvPr>
+              <p:cNvSpPr>
+                <a:spLocks noGrp="1"/>
+              </p:cNvSpPr>
+              <p:nvPr>
+                <p:ph idx="1"/>
+              </p:nvPr>
+            </p:nvSpPr>
+            <p:spPr/>
+            <p:txBody>
+              <a:bodyPr/>
+              <a:lstStyle/>
+              <a:p>
+                <a:r>
+                  <a:rPr lang="en-US" dirty="0"/>
+                  <a:t>Other </a:t>
+                </a:r>
+                <a:r>
+                  <a:rPr lang="en-US" i="1" dirty="0"/>
+                  <a:t>F</a:t>
+                </a:r>
+                <a:r>
+                  <a:rPr lang="en-US" i="1" baseline="-25000" dirty="0"/>
+                  <a:t>MSY</a:t>
+                </a:r>
+                <a:r>
+                  <a:rPr lang="en-US" dirty="0"/>
+                  <a:t> proxies:</a:t>
+                </a:r>
+              </a:p>
+              <a:p>
+                <a:pPr lvl="1"/>
+                <a14:m>
+                  <m:oMath xmlns:m="http://schemas.openxmlformats.org/officeDocument/2006/math">
+                    <m:r>
+                      <a:rPr lang="en-US" i="1" dirty="0" smtClean="0">
+                        <a:latin typeface="Cambria Math" panose="02040503050406030204" pitchFamily="18" charset="0"/>
+                      </a:rPr>
+                      <m:t>𝐹</m:t>
+                    </m:r>
+                    <m:r>
+                      <a:rPr lang="en-US" i="1" baseline="-25000" dirty="0">
+                        <a:latin typeface="Cambria Math" panose="02040503050406030204" pitchFamily="18" charset="0"/>
+                      </a:rPr>
+                      <m:t>𝑚𝑎𝑥</m:t>
+                    </m:r>
+                    <m:r>
+                      <a:rPr lang="en-US" i="1" baseline="-25000" dirty="0">
+                        <a:latin typeface="Cambria Math" panose="02040503050406030204" pitchFamily="18" charset="0"/>
+                      </a:rPr>
+                      <m:t> </m:t>
+                    </m:r>
+                  </m:oMath>
+                </a14:m>
+                <a:r>
+                  <a:rPr lang="en-US" dirty="0"/>
+                  <a:t>= </a:t>
+                </a:r>
+                <a14:m>
+                  <m:oMath xmlns:m="http://schemas.openxmlformats.org/officeDocument/2006/math">
+                    <m:r>
+                      <a:rPr lang="en-US" i="1" dirty="0" smtClean="0">
+                        <a:latin typeface="Cambria Math" panose="02040503050406030204" pitchFamily="18" charset="0"/>
+                      </a:rPr>
+                      <m:t>𝐹</m:t>
+                    </m:r>
+                  </m:oMath>
+                </a14:m>
+                <a:r>
+                  <a:rPr lang="en-US" dirty="0"/>
+                  <a:t> that maximizes YPR (not recommended)</a:t>
+                </a:r>
+              </a:p>
+              <a:p>
+                <a:pPr lvl="1"/>
+                <a14:m>
+                  <m:oMath xmlns:m="http://schemas.openxmlformats.org/officeDocument/2006/math">
+                    <m:r>
+                      <a:rPr lang="en-US" i="1" dirty="0" smtClean="0">
+                        <a:latin typeface="Cambria Math" panose="02040503050406030204" pitchFamily="18" charset="0"/>
+                      </a:rPr>
+                      <m:t>𝐹</m:t>
+                    </m:r>
+                    <m:r>
+                      <a:rPr lang="en-US" i="1" baseline="-25000" dirty="0" smtClean="0">
+                        <a:latin typeface="Cambria Math" panose="02040503050406030204" pitchFamily="18" charset="0"/>
+                      </a:rPr>
+                      <m:t>0</m:t>
+                    </m:r>
+                    <m:r>
+                      <a:rPr lang="en-US" b="0" i="1" baseline="-25000" dirty="0" smtClean="0">
+                        <a:latin typeface="Cambria Math" panose="02040503050406030204" pitchFamily="18" charset="0"/>
+                      </a:rPr>
+                      <m:t> 1</m:t>
+                    </m:r>
+                  </m:oMath>
+                </a14:m>
+                <a:r>
+                  <a:rPr lang="en-US" dirty="0"/>
+                  <a:t> = </a:t>
+                </a:r>
+                <a14:m>
+                  <m:oMath xmlns:m="http://schemas.openxmlformats.org/officeDocument/2006/math">
+                    <m:r>
+                      <a:rPr lang="en-US" i="1" dirty="0" smtClean="0">
+                        <a:latin typeface="Cambria Math" panose="02040503050406030204" pitchFamily="18" charset="0"/>
+                      </a:rPr>
+                      <m:t>𝐹</m:t>
+                    </m:r>
+                  </m:oMath>
+                </a14:m>
+                <a:r>
+                  <a:rPr lang="en-US" dirty="0"/>
+                  <a:t> where slope of YPR curve is 10% of the slope at the origin</a:t>
+                </a:r>
+              </a:p>
+              <a:p>
+                <a:pPr lvl="2"/>
+                <a:r>
+                  <a:rPr lang="en-US" dirty="0"/>
+                  <a:t>Sensitive to assumptions about growth and </a:t>
+                </a:r>
+                <a14:m>
+                  <m:oMath xmlns:m="http://schemas.openxmlformats.org/officeDocument/2006/math">
+                    <m:r>
+                      <a:rPr lang="en-US" i="1" dirty="0" smtClean="0">
+                        <a:latin typeface="Cambria Math" panose="02040503050406030204" pitchFamily="18" charset="0"/>
+                      </a:rPr>
+                      <m:t>𝑀</m:t>
+                    </m:r>
+                  </m:oMath>
+                </a14:m>
+                <a:endParaRPr lang="en-US" i="1" dirty="0"/>
+              </a:p>
+              <a:p>
+                <a:pPr lvl="2"/>
+                <a:r>
+                  <a:rPr lang="en-US" dirty="0"/>
+                  <a:t>Not recommended without understanding how well it relates to </a:t>
+                </a:r>
+                <a14:m>
+                  <m:oMath xmlns:m="http://schemas.openxmlformats.org/officeDocument/2006/math">
+                    <m:r>
+                      <a:rPr lang="en-US" i="1" dirty="0" smtClean="0">
+                        <a:latin typeface="Cambria Math" panose="02040503050406030204" pitchFamily="18" charset="0"/>
+                      </a:rPr>
+                      <m:t>𝐹</m:t>
+                    </m:r>
+                    <m:r>
+                      <a:rPr lang="en-US" i="1" baseline="-25000" dirty="0">
+                        <a:latin typeface="Cambria Math" panose="02040503050406030204" pitchFamily="18" charset="0"/>
+                      </a:rPr>
+                      <m:t>𝑀𝑆𝑌</m:t>
+                    </m:r>
+                  </m:oMath>
+                </a14:m>
+                <a:r>
+                  <a:rPr lang="en-US" dirty="0"/>
+                  <a:t> (Mace 2001)</a:t>
+                </a:r>
+              </a:p>
+              <a:p>
+                <a:pPr lvl="1"/>
+                <a14:m>
+                  <m:oMath xmlns:m="http://schemas.openxmlformats.org/officeDocument/2006/math">
+                    <m:r>
+                      <a:rPr lang="en-US" i="1" dirty="0" smtClean="0">
+                        <a:latin typeface="Cambria Math" panose="02040503050406030204" pitchFamily="18" charset="0"/>
+                      </a:rPr>
+                      <m:t>𝐹</m:t>
+                    </m:r>
+                    <m:r>
+                      <a:rPr lang="en-US" i="1" baseline="-25000" dirty="0">
+                        <a:latin typeface="Cambria Math" panose="02040503050406030204" pitchFamily="18" charset="0"/>
+                      </a:rPr>
+                      <m:t>𝑀𝑆𝑌</m:t>
+                    </m:r>
+                  </m:oMath>
+                </a14:m>
+                <a:r>
+                  <a:rPr lang="en-US" dirty="0"/>
+                  <a:t> = </a:t>
+                </a:r>
+                <a14:m>
+                  <m:oMath xmlns:m="http://schemas.openxmlformats.org/officeDocument/2006/math">
+                    <m:r>
+                      <a:rPr lang="en-US" i="1" dirty="0" smtClean="0">
+                        <a:latin typeface="Cambria Math" panose="02040503050406030204" pitchFamily="18" charset="0"/>
+                      </a:rPr>
+                      <m:t>𝑀</m:t>
+                    </m:r>
+                  </m:oMath>
+                </a14:m>
+                <a:r>
+                  <a:rPr lang="en-US" dirty="0"/>
+                  <a:t> or a proportion of </a:t>
+                </a:r>
+                <a14:m>
+                  <m:oMath xmlns:m="http://schemas.openxmlformats.org/officeDocument/2006/math">
+                    <m:r>
+                      <a:rPr lang="en-US" i="1" dirty="0" smtClean="0">
+                        <a:latin typeface="Cambria Math" panose="02040503050406030204" pitchFamily="18" charset="0"/>
+                      </a:rPr>
+                      <m:t>𝑀</m:t>
+                    </m:r>
+                  </m:oMath>
+                </a14:m>
+                <a:endParaRPr lang="en-US" i="1" dirty="0"/>
+              </a:p>
+              <a:p>
+                <a:pPr lvl="2"/>
+                <a14:m>
+                  <m:oMath xmlns:m="http://schemas.openxmlformats.org/officeDocument/2006/math">
+                    <m:r>
+                      <a:rPr lang="en-US" b="0" i="0" dirty="0" smtClean="0">
+                        <a:latin typeface="Cambria Math" panose="02040503050406030204" pitchFamily="18" charset="0"/>
+                      </a:rPr>
+                      <m:t>0.87</m:t>
+                    </m:r>
+                    <m:r>
+                      <a:rPr lang="en-US" i="1" dirty="0" smtClean="0">
+                        <a:latin typeface="Cambria Math" panose="02040503050406030204" pitchFamily="18" charset="0"/>
+                      </a:rPr>
+                      <m:t>𝑀</m:t>
+                    </m:r>
+                  </m:oMath>
+                </a14:m>
+                <a:r>
+                  <a:rPr lang="en-US" dirty="0"/>
+                  <a:t> meta-analysis (Zhou et al. 2012)</a:t>
+                </a:r>
+              </a:p>
+              <a:p>
+                <a:pPr lvl="2"/>
+                <a14:m>
+                  <m:oMath xmlns:m="http://schemas.openxmlformats.org/officeDocument/2006/math">
+                    <m:r>
+                      <a:rPr lang="en-US" b="0" i="0" dirty="0" smtClean="0">
+                        <a:latin typeface="Cambria Math" panose="02040503050406030204" pitchFamily="18" charset="0"/>
+                      </a:rPr>
+                      <m:t>0.5</m:t>
+                    </m:r>
+                    <m:r>
+                      <a:rPr lang="en-US" i="1" dirty="0" smtClean="0">
+                        <a:latin typeface="Cambria Math" panose="02040503050406030204" pitchFamily="18" charset="0"/>
+                      </a:rPr>
+                      <m:t>𝑀</m:t>
+                    </m:r>
+                  </m:oMath>
+                </a14:m>
+                <a:r>
+                  <a:rPr lang="en-US" dirty="0"/>
+                  <a:t> pelagic species (Patterson 1992)</a:t>
+                </a:r>
+              </a:p>
+              <a:p>
+                <a:r>
+                  <a:rPr lang="en-US" dirty="0"/>
+                  <a:t>Biomass reference points = equilibrium B from fishing at </a:t>
+                </a:r>
+                <a14:m>
+                  <m:oMath xmlns:m="http://schemas.openxmlformats.org/officeDocument/2006/math">
+                    <m:r>
+                      <a:rPr lang="en-US" i="1" dirty="0" smtClean="0">
+                        <a:latin typeface="Cambria Math" panose="02040503050406030204" pitchFamily="18" charset="0"/>
+                      </a:rPr>
+                      <m:t>𝐹</m:t>
+                    </m:r>
+                  </m:oMath>
+                </a14:m>
+                <a:r>
+                  <a:rPr lang="en-US" baseline="-25000" dirty="0"/>
+                  <a:t> </a:t>
+                </a:r>
+              </a:p>
+              <a:p>
+                <a:endParaRPr lang="en-US" dirty="0"/>
+              </a:p>
+            </p:txBody>
+          </p:sp>
+        </mc:Choice>
+        <mc:Fallback>
+          <p:sp>
+            <p:nvSpPr>
+              <p:cNvPr id="3" name="Content Placeholder 2">
+                <a:extLst>
+                  <a:ext uri="{FF2B5EF4-FFF2-40B4-BE49-F238E27FC236}">
+                    <a16:creationId xmlns:a16="http://schemas.microsoft.com/office/drawing/2014/main" id="{56028CA9-6F96-4DC6-B5CB-EF5B36A25839}"/>
+                  </a:ext>
+                </a:extLst>
+              </p:cNvPr>
+              <p:cNvSpPr>
+                <a:spLocks noGrp="1" noRot="1" noChangeAspect="1" noMove="1" noResize="1" noEditPoints="1" noAdjustHandles="1" noChangeArrowheads="1" noChangeShapeType="1" noTextEdit="1"/>
+              </p:cNvSpPr>
+              <p:nvPr>
+                <p:ph idx="1"/>
+              </p:nvPr>
+            </p:nvSpPr>
+            <p:spPr>
+              <a:blipFill>
+                <a:blip r:embed="rId2"/>
+                <a:stretch>
+                  <a:fillRect l="-1043" t="-2241"/>
+                </a:stretch>
+              </a:blipFill>
+            </p:spPr>
+            <p:txBody>
+              <a:bodyPr/>
+              <a:lstStyle/>
+              <a:p>
+                <a:r>
+                  <a:rPr lang="en-US">
+                    <a:noFill/>
+                  </a:rPr>
+                  <a:t> </a:t>
+                </a:r>
+              </a:p>
+            </p:txBody>
+          </p:sp>
+        </mc:Fallback>
+      </mc:AlternateContent>
       <p:sp>
         <p:nvSpPr>
-          <p:cNvPr id="3" name="Content Placeholder 2">
+          <p:cNvPr id="4" name="TextBox 3">
             <a:extLst>
               <a:ext uri="{FF2B5EF4-FFF2-40B4-BE49-F238E27FC236}">
-                <a16:creationId xmlns:a16="http://schemas.microsoft.com/office/drawing/2014/main" id="{BAEA506C-3D09-4A13-849A-5181B9F98155}"/>
+                <a16:creationId xmlns:a16="http://schemas.microsoft.com/office/drawing/2014/main" id="{BCC7CBE7-DFD7-40E4-B423-F807B34CE615}"/>
               </a:ext>
             </a:extLst>
           </p:cNvPr>
-          <p:cNvSpPr>
-            <a:spLocks noGrp="1"/>
-          </p:cNvSpPr>
-          <p:nvPr>
-            <p:ph idx="1"/>
-          </p:nvPr>
+          <p:cNvSpPr txBox="1"/>
+          <p:nvPr/>
         </p:nvSpPr>
-        <p:spPr/>
+        <p:spPr>
+          <a:xfrm>
+            <a:off x="1818968" y="2762864"/>
+            <a:ext cx="242374" cy="369332"/>
+          </a:xfrm>
+          <a:prstGeom prst="rect">
+            <a:avLst/>
+          </a:prstGeom>
+          <a:noFill/>
+        </p:spPr>
         <p:txBody>
-          <a:bodyPr/>
+          <a:bodyPr wrap="none" rtlCol="0">
+            <a:spAutoFit/>
+          </a:bodyPr>
           <a:lstStyle/>
           <a:p>
-            <a:endParaRPr lang="en-US"/>
+            <a:r>
+              <a:rPr lang="en-US" dirty="0"/>
+              <a:t>.</a:t>
+            </a:r>
           </a:p>
         </p:txBody>
       </p:sp>
     </p:spTree>
     <p:extLst>
       <p:ext uri="{BB962C8B-B14F-4D97-AF65-F5344CB8AC3E}">
-        <p14:creationId xmlns:p14="http://schemas.microsoft.com/office/powerpoint/2010/main" val="1139122519"/>
+        <p14:creationId xmlns:p14="http://schemas.microsoft.com/office/powerpoint/2010/main" val="3633149234"/>
       </p:ext>
     </p:extLst>
   </p:cSld>
@@ -41779,6 +44132,911 @@
     <p:extLst>
       <p:ext uri="{BB962C8B-B14F-4D97-AF65-F5344CB8AC3E}">
         <p14:creationId xmlns:p14="http://schemas.microsoft.com/office/powerpoint/2010/main" val="1871860117"/>
+      </p:ext>
+    </p:extLst>
+  </p:cSld>
+  <p:clrMapOvr>
+    <a:masterClrMapping/>
+  </p:clrMapOvr>
+</p:sld>
+</file>
+
+<file path=ppt/slides/slide70.xml><?xml version="1.0" encoding="utf-8"?>
+<p:sld xmlns:a="http://schemas.openxmlformats.org/drawingml/2006/main" xmlns:r="http://schemas.openxmlformats.org/officeDocument/2006/relationships" xmlns:p="http://schemas.openxmlformats.org/presentationml/2006/main">
+  <p:cSld>
+    <p:spTree>
+      <p:nvGrpSpPr>
+        <p:cNvPr id="1" name=""/>
+        <p:cNvGrpSpPr/>
+        <p:nvPr/>
+      </p:nvGrpSpPr>
+      <p:grpSpPr>
+        <a:xfrm>
+          <a:off x="0" y="0"/>
+          <a:ext cx="0" cy="0"/>
+          <a:chOff x="0" y="0"/>
+          <a:chExt cx="0" cy="0"/>
+        </a:xfrm>
+      </p:grpSpPr>
+      <p:sp>
+        <p:nvSpPr>
+          <p:cNvPr id="2" name="Title 1">
+            <a:extLst>
+              <a:ext uri="{FF2B5EF4-FFF2-40B4-BE49-F238E27FC236}">
+                <a16:creationId xmlns:a16="http://schemas.microsoft.com/office/drawing/2014/main" id="{2176352E-C719-43DA-8EE8-62DB1B86A6D0}"/>
+              </a:ext>
+            </a:extLst>
+          </p:cNvPr>
+          <p:cNvSpPr>
+            <a:spLocks noGrp="1"/>
+          </p:cNvSpPr>
+          <p:nvPr>
+            <p:ph type="title"/>
+          </p:nvPr>
+        </p:nvSpPr>
+        <p:spPr/>
+        <p:txBody>
+          <a:bodyPr/>
+          <a:lstStyle/>
+          <a:p>
+            <a:r>
+              <a:rPr lang="en-US" dirty="0"/>
+              <a:t>Historical, Empirical, or Other Proxies for </a:t>
+            </a:r>
+            <a:r>
+              <a:rPr lang="en-US" i="1" dirty="0"/>
+              <a:t>B</a:t>
+            </a:r>
+            <a:r>
+              <a:rPr lang="en-US" i="1" baseline="-25000" dirty="0"/>
+              <a:t>0</a:t>
+            </a:r>
+            <a:r>
+              <a:rPr lang="en-US" dirty="0"/>
+              <a:t> and </a:t>
+            </a:r>
+            <a:r>
+              <a:rPr lang="en-US" i="1" dirty="0"/>
+              <a:t>B</a:t>
+            </a:r>
+            <a:r>
+              <a:rPr lang="en-US" i="1" baseline="-25000" dirty="0"/>
+              <a:t>MSY</a:t>
+            </a:r>
+            <a:endParaRPr lang="en-US" dirty="0"/>
+          </a:p>
+        </p:txBody>
+      </p:sp>
+      <mc:AlternateContent xmlns:mc="http://schemas.openxmlformats.org/markup-compatibility/2006">
+        <mc:Choice xmlns:a14="http://schemas.microsoft.com/office/drawing/2010/main" Requires="a14">
+          <p:sp>
+            <p:nvSpPr>
+              <p:cNvPr id="3" name="Content Placeholder 2">
+                <a:extLst>
+                  <a:ext uri="{FF2B5EF4-FFF2-40B4-BE49-F238E27FC236}">
+                    <a16:creationId xmlns:a16="http://schemas.microsoft.com/office/drawing/2014/main" id="{31AB9779-38A7-4805-B83D-30331ECAE391}"/>
+                  </a:ext>
+                </a:extLst>
+              </p:cNvPr>
+              <p:cNvSpPr>
+                <a:spLocks noGrp="1"/>
+              </p:cNvSpPr>
+              <p:nvPr>
+                <p:ph idx="1"/>
+              </p:nvPr>
+            </p:nvSpPr>
+            <p:spPr/>
+            <p:txBody>
+              <a:bodyPr>
+                <a:normAutofit lnSpcReduction="10000"/>
+              </a:bodyPr>
+              <a:lstStyle/>
+              <a:p>
+                <a14:m>
+                  <m:oMath xmlns:m="http://schemas.openxmlformats.org/officeDocument/2006/math">
+                    <m:r>
+                      <a:rPr lang="en-US" i="1" dirty="0" smtClean="0">
+                        <a:latin typeface="Cambria Math" panose="02040503050406030204" pitchFamily="18" charset="0"/>
+                      </a:rPr>
+                      <m:t>𝐵</m:t>
+                    </m:r>
+                    <m:r>
+                      <a:rPr lang="en-US" i="1" baseline="-25000" dirty="0" smtClean="0">
+                        <a:latin typeface="Cambria Math" panose="02040503050406030204" pitchFamily="18" charset="0"/>
+                      </a:rPr>
+                      <m:t>𝑀𝑆𝑌</m:t>
+                    </m:r>
+                  </m:oMath>
+                </a14:m>
+                <a:r>
+                  <a:rPr lang="en-US" dirty="0"/>
+                  <a:t> proxy, defined by </a:t>
+                </a:r>
+              </a:p>
+              <a:p>
+                <a:pPr lvl="1"/>
+                <a:r>
+                  <a:rPr lang="en-US" dirty="0"/>
+                  <a:t>the mean or median value of an indicator over a historical time period when the indicator is high and catches are high; or</a:t>
+                </a:r>
+              </a:p>
+              <a:p>
+                <a:pPr lvl="1"/>
+                <a:r>
+                  <a:rPr lang="en-US" dirty="0"/>
+                  <a:t>the mean or median value of an indicator over a productive period.</a:t>
+                </a:r>
+              </a:p>
+              <a:p>
+                <a14:m>
+                  <m:oMath xmlns:m="http://schemas.openxmlformats.org/officeDocument/2006/math">
+                    <m:r>
+                      <a:rPr lang="en-US" i="1" dirty="0" smtClean="0">
+                        <a:latin typeface="Cambria Math" panose="02040503050406030204" pitchFamily="18" charset="0"/>
+                      </a:rPr>
+                      <m:t>𝐵</m:t>
+                    </m:r>
+                    <m:r>
+                      <a:rPr lang="en-US" i="1" baseline="-25000" dirty="0" smtClean="0">
+                        <a:latin typeface="Cambria Math" panose="02040503050406030204" pitchFamily="18" charset="0"/>
+                      </a:rPr>
+                      <m:t>0</m:t>
+                    </m:r>
+                  </m:oMath>
+                </a14:m>
+                <a:r>
+                  <a:rPr lang="en-US" dirty="0"/>
+                  <a:t> proxy, defined by </a:t>
+                </a:r>
+              </a:p>
+              <a:p>
+                <a:pPr lvl="1"/>
+                <a:r>
+                  <a:rPr lang="en-US" dirty="0"/>
+                  <a:t>the mean/median (or maximum) value of the indicator over a historical time period reflecting the beginning of exploitation. </a:t>
+                </a:r>
+              </a:p>
+              <a:p>
+                <a:r>
+                  <a:rPr lang="en-US" dirty="0"/>
+                  <a:t>LRPs based on a historical low biomass state:</a:t>
+                </a:r>
+              </a:p>
+              <a:p>
+                <a:pPr lvl="1"/>
+                <a:r>
+                  <a:rPr lang="en-US" dirty="0"/>
+                  <a:t>from which the stock recovered to above average levels; </a:t>
+                </a:r>
+              </a:p>
+              <a:p>
+                <a:pPr lvl="1"/>
+                <a:r>
+                  <a:rPr lang="en-US" dirty="0"/>
+                  <a:t>or that is agreed by managers and resource users to be an undesirable state to avoid. </a:t>
+                </a:r>
+              </a:p>
+              <a:p>
+                <a:endParaRPr lang="en-US" dirty="0"/>
+              </a:p>
+            </p:txBody>
+          </p:sp>
+        </mc:Choice>
+        <mc:Fallback>
+          <p:sp>
+            <p:nvSpPr>
+              <p:cNvPr id="3" name="Content Placeholder 2">
+                <a:extLst>
+                  <a:ext uri="{FF2B5EF4-FFF2-40B4-BE49-F238E27FC236}">
+                    <a16:creationId xmlns:a16="http://schemas.microsoft.com/office/drawing/2014/main" id="{31AB9779-38A7-4805-B83D-30331ECAE391}"/>
+                  </a:ext>
+                </a:extLst>
+              </p:cNvPr>
+              <p:cNvSpPr>
+                <a:spLocks noGrp="1" noRot="1" noChangeAspect="1" noMove="1" noResize="1" noEditPoints="1" noAdjustHandles="1" noChangeArrowheads="1" noChangeShapeType="1" noTextEdit="1"/>
+              </p:cNvSpPr>
+              <p:nvPr>
+                <p:ph idx="1"/>
+              </p:nvPr>
+            </p:nvSpPr>
+            <p:spPr>
+              <a:blipFill>
+                <a:blip r:embed="rId2"/>
+                <a:stretch>
+                  <a:fillRect l="-1043" t="-3081"/>
+                </a:stretch>
+              </a:blipFill>
+            </p:spPr>
+            <p:txBody>
+              <a:bodyPr/>
+              <a:lstStyle/>
+              <a:p>
+                <a:r>
+                  <a:rPr lang="en-US">
+                    <a:noFill/>
+                  </a:rPr>
+                  <a:t> </a:t>
+                </a:r>
+              </a:p>
+            </p:txBody>
+          </p:sp>
+        </mc:Fallback>
+      </mc:AlternateContent>
+    </p:spTree>
+    <p:extLst>
+      <p:ext uri="{BB962C8B-B14F-4D97-AF65-F5344CB8AC3E}">
+        <p14:creationId xmlns:p14="http://schemas.microsoft.com/office/powerpoint/2010/main" val="3350997305"/>
+      </p:ext>
+    </p:extLst>
+  </p:cSld>
+  <p:clrMapOvr>
+    <a:masterClrMapping/>
+  </p:clrMapOvr>
+</p:sld>
+</file>
+
+<file path=ppt/slides/slide71.xml><?xml version="1.0" encoding="utf-8"?>
+<p:sld xmlns:a="http://schemas.openxmlformats.org/drawingml/2006/main" xmlns:r="http://schemas.openxmlformats.org/officeDocument/2006/relationships" xmlns:p="http://schemas.openxmlformats.org/presentationml/2006/main">
+  <p:cSld>
+    <p:spTree>
+      <p:nvGrpSpPr>
+        <p:cNvPr id="1" name=""/>
+        <p:cNvGrpSpPr/>
+        <p:nvPr/>
+      </p:nvGrpSpPr>
+      <p:grpSpPr>
+        <a:xfrm>
+          <a:off x="0" y="0"/>
+          <a:ext cx="0" cy="0"/>
+          <a:chOff x="0" y="0"/>
+          <a:chExt cx="0" cy="0"/>
+        </a:xfrm>
+      </p:grpSpPr>
+      <p:sp>
+        <p:nvSpPr>
+          <p:cNvPr id="2" name="Title 1">
+            <a:extLst>
+              <a:ext uri="{FF2B5EF4-FFF2-40B4-BE49-F238E27FC236}">
+                <a16:creationId xmlns:a16="http://schemas.microsoft.com/office/drawing/2014/main" id="{C47CF4DB-F41F-422C-A0AD-970DFF8184C5}"/>
+              </a:ext>
+            </a:extLst>
+          </p:cNvPr>
+          <p:cNvSpPr>
+            <a:spLocks noGrp="1"/>
+          </p:cNvSpPr>
+          <p:nvPr>
+            <p:ph type="title"/>
+          </p:nvPr>
+        </p:nvSpPr>
+        <p:spPr/>
+        <p:txBody>
+          <a:bodyPr/>
+          <a:lstStyle/>
+          <a:p>
+            <a:r>
+              <a:rPr lang="en-US" dirty="0"/>
+              <a:t>Catch-only Approaches</a:t>
+            </a:r>
+          </a:p>
+        </p:txBody>
+      </p:sp>
+      <p:sp>
+        <p:nvSpPr>
+          <p:cNvPr id="3" name="Content Placeholder 2">
+            <a:extLst>
+              <a:ext uri="{FF2B5EF4-FFF2-40B4-BE49-F238E27FC236}">
+                <a16:creationId xmlns:a16="http://schemas.microsoft.com/office/drawing/2014/main" id="{B4D02DD6-619C-4CA2-93BA-8A25DA0FD15E}"/>
+              </a:ext>
+            </a:extLst>
+          </p:cNvPr>
+          <p:cNvSpPr>
+            <a:spLocks noGrp="1"/>
+          </p:cNvSpPr>
+          <p:nvPr>
+            <p:ph idx="1"/>
+          </p:nvPr>
+        </p:nvSpPr>
+        <p:spPr/>
+        <p:txBody>
+          <a:bodyPr>
+            <a:normAutofit fontScale="92500"/>
+          </a:bodyPr>
+          <a:lstStyle/>
+          <a:p>
+            <a:r>
+              <a:rPr lang="en-US" dirty="0"/>
+              <a:t>Assume </a:t>
+            </a:r>
+            <a:r>
+              <a:rPr lang="en-US" i="1" dirty="0"/>
+              <a:t>Catch</a:t>
+            </a:r>
+            <a:r>
+              <a:rPr lang="en-US" dirty="0"/>
+              <a:t> is proportional to </a:t>
+            </a:r>
+            <a:r>
+              <a:rPr lang="en-US" i="1" dirty="0"/>
+              <a:t>Abundance </a:t>
+            </a:r>
+          </a:p>
+          <a:p>
+            <a:r>
+              <a:rPr lang="en-US" dirty="0"/>
+              <a:t>Have been developed primarily to assess the global status of unassessed stocks (e.g., Costello et al. 2012; </a:t>
+            </a:r>
+            <a:r>
+              <a:rPr lang="en-US" dirty="0" err="1"/>
+              <a:t>Kleisner</a:t>
+            </a:r>
+            <a:r>
+              <a:rPr lang="en-US" dirty="0"/>
+              <a:t> et al. 2013; </a:t>
+            </a:r>
+            <a:r>
+              <a:rPr lang="en-US" dirty="0" err="1"/>
+              <a:t>Palomares</a:t>
+            </a:r>
+            <a:r>
+              <a:rPr lang="en-US" dirty="0"/>
+              <a:t> et al. 2020)</a:t>
+            </a:r>
+          </a:p>
+          <a:p>
+            <a:r>
+              <a:rPr lang="en-US" dirty="0"/>
+              <a:t>Recent reviews of data-limited methods have evaluated the performance of catch-only methods to estimate stock status (</a:t>
+            </a:r>
+            <a:r>
+              <a:rPr lang="da-DK" dirty="0"/>
+              <a:t>Carruthers et al. 2014; Free et al. 2020; Sharma et al., 2021; Ovando et al. 2022). </a:t>
+            </a:r>
+          </a:p>
+          <a:p>
+            <a:pPr lvl="1"/>
+            <a:r>
+              <a:rPr lang="en-US" dirty="0"/>
+              <a:t>Performance evaluated on data rich stocks and simulated stocks</a:t>
+            </a:r>
+          </a:p>
+          <a:p>
+            <a:pPr lvl="1"/>
+            <a:r>
+              <a:rPr lang="en-US" dirty="0"/>
+              <a:t>Catch-only methods:</a:t>
+            </a:r>
+          </a:p>
+          <a:p>
+            <a:pPr lvl="2"/>
+            <a:r>
+              <a:rPr lang="en-US" dirty="0"/>
+              <a:t>produced biased and imprecise estimates of stock status</a:t>
+            </a:r>
+          </a:p>
+          <a:p>
+            <a:pPr lvl="2"/>
+            <a:r>
+              <a:rPr lang="en-US" dirty="0"/>
+              <a:t>have been developed primarily to assess the global status of unassessed stocks </a:t>
+            </a:r>
+          </a:p>
+        </p:txBody>
+      </p:sp>
+    </p:spTree>
+    <p:extLst>
+      <p:ext uri="{BB962C8B-B14F-4D97-AF65-F5344CB8AC3E}">
+        <p14:creationId xmlns:p14="http://schemas.microsoft.com/office/powerpoint/2010/main" val="271049976"/>
+      </p:ext>
+    </p:extLst>
+  </p:cSld>
+  <p:clrMapOvr>
+    <a:masterClrMapping/>
+  </p:clrMapOvr>
+</p:sld>
+</file>
+
+<file path=ppt/slides/slide72.xml><?xml version="1.0" encoding="utf-8"?>
+<p:sld xmlns:a="http://schemas.openxmlformats.org/drawingml/2006/main" xmlns:r="http://schemas.openxmlformats.org/officeDocument/2006/relationships" xmlns:p="http://schemas.openxmlformats.org/presentationml/2006/main">
+  <p:cSld>
+    <p:spTree>
+      <p:nvGrpSpPr>
+        <p:cNvPr id="1" name=""/>
+        <p:cNvGrpSpPr/>
+        <p:nvPr/>
+      </p:nvGrpSpPr>
+      <p:grpSpPr>
+        <a:xfrm>
+          <a:off x="0" y="0"/>
+          <a:ext cx="0" cy="0"/>
+          <a:chOff x="0" y="0"/>
+          <a:chExt cx="0" cy="0"/>
+        </a:xfrm>
+      </p:grpSpPr>
+      <p:sp>
+        <p:nvSpPr>
+          <p:cNvPr id="2" name="Title 1">
+            <a:extLst>
+              <a:ext uri="{FF2B5EF4-FFF2-40B4-BE49-F238E27FC236}">
+                <a16:creationId xmlns:a16="http://schemas.microsoft.com/office/drawing/2014/main" id="{9A9EA5F8-DDCC-47BB-B6C2-32DA4AFA788D}"/>
+              </a:ext>
+            </a:extLst>
+          </p:cNvPr>
+          <p:cNvSpPr>
+            <a:spLocks noGrp="1"/>
+          </p:cNvSpPr>
+          <p:nvPr>
+            <p:ph type="title"/>
+          </p:nvPr>
+        </p:nvSpPr>
+        <p:spPr/>
+        <p:txBody>
+          <a:bodyPr/>
+          <a:lstStyle/>
+          <a:p>
+            <a:r>
+              <a:rPr lang="en-US" dirty="0"/>
+              <a:t>Closed-loop Simulation</a:t>
+            </a:r>
+          </a:p>
+        </p:txBody>
+      </p:sp>
+      <p:sp>
+        <p:nvSpPr>
+          <p:cNvPr id="3" name="Content Placeholder 2">
+            <a:extLst>
+              <a:ext uri="{FF2B5EF4-FFF2-40B4-BE49-F238E27FC236}">
+                <a16:creationId xmlns:a16="http://schemas.microsoft.com/office/drawing/2014/main" id="{37F6CAA4-4FB6-4979-80EB-70BF42932719}"/>
+              </a:ext>
+            </a:extLst>
+          </p:cNvPr>
+          <p:cNvSpPr>
+            <a:spLocks noGrp="1"/>
+          </p:cNvSpPr>
+          <p:nvPr>
+            <p:ph idx="1"/>
+          </p:nvPr>
+        </p:nvSpPr>
+        <p:spPr/>
+        <p:txBody>
+          <a:bodyPr/>
+          <a:lstStyle/>
+          <a:p>
+            <a:r>
+              <a:rPr lang="en-US" dirty="0"/>
+              <a:t>Process that involves evaluating performance of MPs through simulation to assess trade-offs among multiple fishery and conservation objectives.</a:t>
+            </a:r>
+          </a:p>
+          <a:p>
+            <a:r>
+              <a:rPr lang="en-US" dirty="0"/>
+              <a:t>“Management Strategy Evaluation” – CLS is the technical modeling component of MSE.</a:t>
+            </a:r>
+          </a:p>
+          <a:p>
+            <a:endParaRPr lang="en-US" dirty="0"/>
+          </a:p>
+        </p:txBody>
+      </p:sp>
+      <p:pic>
+        <p:nvPicPr>
+          <p:cNvPr id="4" name="Picture 3">
+            <a:extLst>
+              <a:ext uri="{FF2B5EF4-FFF2-40B4-BE49-F238E27FC236}">
+                <a16:creationId xmlns:a16="http://schemas.microsoft.com/office/drawing/2014/main" id="{A867E930-5213-4915-92DE-B58C98869E94}"/>
+              </a:ext>
+            </a:extLst>
+          </p:cNvPr>
+          <p:cNvPicPr>
+            <a:picLocks noChangeAspect="1"/>
+          </p:cNvPicPr>
+          <p:nvPr/>
+        </p:nvPicPr>
+        <p:blipFill>
+          <a:blip r:embed="rId2"/>
+          <a:stretch>
+            <a:fillRect/>
+          </a:stretch>
+        </p:blipFill>
+        <p:spPr>
+          <a:xfrm>
+            <a:off x="6961214" y="3969844"/>
+            <a:ext cx="4758214" cy="2680347"/>
+          </a:xfrm>
+          <a:prstGeom prst="rect">
+            <a:avLst/>
+          </a:prstGeom>
+        </p:spPr>
+      </p:pic>
+    </p:spTree>
+    <p:extLst>
+      <p:ext uri="{BB962C8B-B14F-4D97-AF65-F5344CB8AC3E}">
+        <p14:creationId xmlns:p14="http://schemas.microsoft.com/office/powerpoint/2010/main" val="2169958138"/>
+      </p:ext>
+    </p:extLst>
+  </p:cSld>
+  <p:clrMapOvr>
+    <a:masterClrMapping/>
+  </p:clrMapOvr>
+</p:sld>
+</file>
+
+<file path=ppt/slides/slide73.xml><?xml version="1.0" encoding="utf-8"?>
+<p:sld xmlns:a="http://schemas.openxmlformats.org/drawingml/2006/main" xmlns:r="http://schemas.openxmlformats.org/officeDocument/2006/relationships" xmlns:p="http://schemas.openxmlformats.org/presentationml/2006/main">
+  <p:cSld>
+    <p:spTree>
+      <p:nvGrpSpPr>
+        <p:cNvPr id="1" name=""/>
+        <p:cNvGrpSpPr/>
+        <p:nvPr/>
+      </p:nvGrpSpPr>
+      <p:grpSpPr>
+        <a:xfrm>
+          <a:off x="0" y="0"/>
+          <a:ext cx="0" cy="0"/>
+          <a:chOff x="0" y="0"/>
+          <a:chExt cx="0" cy="0"/>
+        </a:xfrm>
+      </p:grpSpPr>
+      <p:sp>
+        <p:nvSpPr>
+          <p:cNvPr id="2" name="Title 1">
+            <a:extLst>
+              <a:ext uri="{FF2B5EF4-FFF2-40B4-BE49-F238E27FC236}">
+                <a16:creationId xmlns:a16="http://schemas.microsoft.com/office/drawing/2014/main" id="{9A9EA5F8-DDCC-47BB-B6C2-32DA4AFA788D}"/>
+              </a:ext>
+            </a:extLst>
+          </p:cNvPr>
+          <p:cNvSpPr>
+            <a:spLocks noGrp="1"/>
+          </p:cNvSpPr>
+          <p:nvPr>
+            <p:ph type="title"/>
+          </p:nvPr>
+        </p:nvSpPr>
+        <p:spPr/>
+        <p:txBody>
+          <a:bodyPr/>
+          <a:lstStyle/>
+          <a:p>
+            <a:r>
+              <a:rPr lang="en-US" dirty="0"/>
+              <a:t>Closed-loop Simulation</a:t>
+            </a:r>
+          </a:p>
+        </p:txBody>
+      </p:sp>
+      <p:sp>
+        <p:nvSpPr>
+          <p:cNvPr id="3" name="Content Placeholder 2">
+            <a:extLst>
+              <a:ext uri="{FF2B5EF4-FFF2-40B4-BE49-F238E27FC236}">
+                <a16:creationId xmlns:a16="http://schemas.microsoft.com/office/drawing/2014/main" id="{37F6CAA4-4FB6-4979-80EB-70BF42932719}"/>
+              </a:ext>
+            </a:extLst>
+          </p:cNvPr>
+          <p:cNvSpPr>
+            <a:spLocks noGrp="1"/>
+          </p:cNvSpPr>
+          <p:nvPr>
+            <p:ph idx="1"/>
+          </p:nvPr>
+        </p:nvSpPr>
+        <p:spPr/>
+        <p:txBody>
+          <a:bodyPr/>
+          <a:lstStyle/>
+          <a:p>
+            <a:r>
+              <a:rPr lang="en-US" dirty="0"/>
+              <a:t>Data-limited context, CLS approach is an alternative to using empirical proxies that may not capture bias and uncertainty in estimated stock status.</a:t>
+            </a:r>
+          </a:p>
+          <a:p>
+            <a:r>
+              <a:rPr lang="en-US" dirty="0"/>
+              <a:t>CLS approach can provide sustainable catch advice consistent with the PA Policy and in compliance with the FSP, when stock status cannot be well estimated using traditional methods.</a:t>
+            </a:r>
+          </a:p>
+          <a:p>
+            <a:r>
+              <a:rPr lang="en-US" dirty="0"/>
+              <a:t>The application of a data-limited CLS framework to provide management advice has been demonstrated for groundfish in BC (Anderson et al. 2021). </a:t>
+            </a:r>
+          </a:p>
+        </p:txBody>
+      </p:sp>
+    </p:spTree>
+    <p:extLst>
+      <p:ext uri="{BB962C8B-B14F-4D97-AF65-F5344CB8AC3E}">
+        <p14:creationId xmlns:p14="http://schemas.microsoft.com/office/powerpoint/2010/main" val="1924140907"/>
+      </p:ext>
+    </p:extLst>
+  </p:cSld>
+  <p:clrMapOvr>
+    <a:masterClrMapping/>
+  </p:clrMapOvr>
+</p:sld>
+</file>
+
+<file path=ppt/slides/slide74.xml><?xml version="1.0" encoding="utf-8"?>
+<p:sld xmlns:a="http://schemas.openxmlformats.org/drawingml/2006/main" xmlns:r="http://schemas.openxmlformats.org/officeDocument/2006/relationships" xmlns:p="http://schemas.openxmlformats.org/presentationml/2006/main">
+  <p:cSld>
+    <p:spTree>
+      <p:nvGrpSpPr>
+        <p:cNvPr id="1" name=""/>
+        <p:cNvGrpSpPr/>
+        <p:nvPr/>
+      </p:nvGrpSpPr>
+      <p:grpSpPr>
+        <a:xfrm>
+          <a:off x="0" y="0"/>
+          <a:ext cx="0" cy="0"/>
+          <a:chOff x="0" y="0"/>
+          <a:chExt cx="0" cy="0"/>
+        </a:xfrm>
+      </p:grpSpPr>
+      <p:sp>
+        <p:nvSpPr>
+          <p:cNvPr id="8" name="Rectangle 7"/>
+          <p:cNvSpPr/>
+          <p:nvPr/>
+        </p:nvSpPr>
+        <p:spPr>
+          <a:xfrm>
+            <a:off x="0" y="0"/>
+            <a:ext cx="12192000" cy="6858000"/>
+          </a:xfrm>
+          <a:prstGeom prst="rect">
+            <a:avLst/>
+          </a:prstGeom>
+          <a:solidFill>
+            <a:schemeClr val="bg1">
+              <a:lumMod val="75000"/>
+            </a:schemeClr>
+          </a:solidFill>
+          <a:ln>
+            <a:noFill/>
+          </a:ln>
+        </p:spPr>
+        <p:style>
+          <a:lnRef idx="2">
+            <a:schemeClr val="accent1">
+              <a:shade val="50000"/>
+            </a:schemeClr>
+          </a:lnRef>
+          <a:fillRef idx="1">
+            <a:schemeClr val="accent1"/>
+          </a:fillRef>
+          <a:effectRef idx="0">
+            <a:schemeClr val="accent1"/>
+          </a:effectRef>
+          <a:fontRef idx="minor">
+            <a:schemeClr val="lt1"/>
+          </a:fontRef>
+        </p:style>
+        <p:txBody>
+          <a:bodyPr rtlCol="0" anchor="ctr"/>
+          <a:lstStyle/>
+          <a:p>
+            <a:pPr algn="ctr"/>
+            <a:endParaRPr lang="en-US"/>
+          </a:p>
+        </p:txBody>
+      </p:sp>
+      <p:sp>
+        <p:nvSpPr>
+          <p:cNvPr id="2" name="Title 1"/>
+          <p:cNvSpPr>
+            <a:spLocks noGrp="1"/>
+          </p:cNvSpPr>
+          <p:nvPr>
+            <p:ph type="title"/>
+          </p:nvPr>
+        </p:nvSpPr>
+        <p:spPr>
+          <a:xfrm>
+            <a:off x="838200" y="2700434"/>
+            <a:ext cx="10515600" cy="1325563"/>
+          </a:xfrm>
+        </p:spPr>
+        <p:txBody>
+          <a:bodyPr>
+            <a:noAutofit/>
+          </a:bodyPr>
+          <a:lstStyle/>
+          <a:p>
+            <a:pPr algn="ctr"/>
+            <a:r>
+              <a:rPr lang="en-US" sz="5400" dirty="0"/>
+              <a:t>8. Approaches using Multiple Models</a:t>
+            </a:r>
+          </a:p>
+        </p:txBody>
+      </p:sp>
+      <p:sp>
+        <p:nvSpPr>
+          <p:cNvPr id="4" name="TextBox 3">
+            <a:extLst>
+              <a:ext uri="{FF2B5EF4-FFF2-40B4-BE49-F238E27FC236}">
+                <a16:creationId xmlns:a16="http://schemas.microsoft.com/office/drawing/2014/main" id="{02A356B6-F582-4700-86DC-20C0A9ABB979}"/>
+              </a:ext>
+            </a:extLst>
+          </p:cNvPr>
+          <p:cNvSpPr txBox="1"/>
+          <p:nvPr/>
+        </p:nvSpPr>
+        <p:spPr>
+          <a:xfrm>
+            <a:off x="3057832" y="4218039"/>
+            <a:ext cx="6105833" cy="646331"/>
+          </a:xfrm>
+          <a:prstGeom prst="rect">
+            <a:avLst/>
+          </a:prstGeom>
+          <a:noFill/>
+        </p:spPr>
+        <p:txBody>
+          <a:bodyPr wrap="square" rtlCol="0">
+            <a:spAutoFit/>
+          </a:bodyPr>
+          <a:lstStyle/>
+          <a:p>
+            <a:r>
+              <a:rPr lang="en-US" dirty="0">
+                <a:solidFill>
+                  <a:srgbClr val="FF0000"/>
+                </a:solidFill>
+              </a:rPr>
+              <a:t>I think this should be a very gentle introduction to what options are available?</a:t>
+            </a:r>
+          </a:p>
+        </p:txBody>
+      </p:sp>
+    </p:spTree>
+    <p:extLst>
+      <p:ext uri="{BB962C8B-B14F-4D97-AF65-F5344CB8AC3E}">
+        <p14:creationId xmlns:p14="http://schemas.microsoft.com/office/powerpoint/2010/main" val="2577584056"/>
+      </p:ext>
+    </p:extLst>
+  </p:cSld>
+  <p:clrMapOvr>
+    <a:masterClrMapping/>
+  </p:clrMapOvr>
+</p:sld>
+</file>
+
+<file path=ppt/slides/slide75.xml><?xml version="1.0" encoding="utf-8"?>
+<p:sld xmlns:a="http://schemas.openxmlformats.org/drawingml/2006/main" xmlns:r="http://schemas.openxmlformats.org/officeDocument/2006/relationships" xmlns:p="http://schemas.openxmlformats.org/presentationml/2006/main">
+  <p:cSld>
+    <p:spTree>
+      <p:nvGrpSpPr>
+        <p:cNvPr id="1" name=""/>
+        <p:cNvGrpSpPr/>
+        <p:nvPr/>
+      </p:nvGrpSpPr>
+      <p:grpSpPr>
+        <a:xfrm>
+          <a:off x="0" y="0"/>
+          <a:ext cx="0" cy="0"/>
+          <a:chOff x="0" y="0"/>
+          <a:chExt cx="0" cy="0"/>
+        </a:xfrm>
+      </p:grpSpPr>
+      <p:sp>
+        <p:nvSpPr>
+          <p:cNvPr id="2" name="Title 1">
+            <a:extLst>
+              <a:ext uri="{FF2B5EF4-FFF2-40B4-BE49-F238E27FC236}">
+                <a16:creationId xmlns:a16="http://schemas.microsoft.com/office/drawing/2014/main" id="{EE4442E9-B5D4-4531-A4CA-969BFCED0A61}"/>
+              </a:ext>
+            </a:extLst>
+          </p:cNvPr>
+          <p:cNvSpPr>
+            <a:spLocks noGrp="1"/>
+          </p:cNvSpPr>
+          <p:nvPr>
+            <p:ph type="title"/>
+          </p:nvPr>
+        </p:nvSpPr>
+        <p:spPr/>
+        <p:txBody>
+          <a:bodyPr/>
+          <a:lstStyle/>
+          <a:p>
+            <a:r>
+              <a:rPr lang="en-US" dirty="0"/>
+              <a:t>Stock Status from Multiple Models</a:t>
+            </a:r>
+          </a:p>
+        </p:txBody>
+      </p:sp>
+      <p:sp>
+        <p:nvSpPr>
+          <p:cNvPr id="3" name="Content Placeholder 2">
+            <a:extLst>
+              <a:ext uri="{FF2B5EF4-FFF2-40B4-BE49-F238E27FC236}">
+                <a16:creationId xmlns:a16="http://schemas.microsoft.com/office/drawing/2014/main" id="{BAEA506C-3D09-4A13-849A-5181B9F98155}"/>
+              </a:ext>
+            </a:extLst>
+          </p:cNvPr>
+          <p:cNvSpPr>
+            <a:spLocks noGrp="1"/>
+          </p:cNvSpPr>
+          <p:nvPr>
+            <p:ph idx="1"/>
+          </p:nvPr>
+        </p:nvSpPr>
+        <p:spPr/>
+        <p:txBody>
+          <a:bodyPr/>
+          <a:lstStyle/>
+          <a:p>
+            <a:r>
+              <a:rPr lang="en-US" dirty="0"/>
+              <a:t>Model averaging (ensemble approach)</a:t>
+            </a:r>
+          </a:p>
+          <a:p>
+            <a:pPr lvl="1"/>
+            <a:r>
+              <a:rPr lang="en-US" dirty="0"/>
+              <a:t>100% weight on one model (model selection); </a:t>
+            </a:r>
+          </a:p>
+          <a:p>
+            <a:pPr lvl="1"/>
+            <a:r>
+              <a:rPr lang="en-US" dirty="0"/>
+              <a:t>equal weighting;</a:t>
+            </a:r>
+          </a:p>
+          <a:p>
+            <a:pPr lvl="1"/>
+            <a:r>
+              <a:rPr lang="en-US" dirty="0"/>
+              <a:t>tactical weighting (e.g., based on expert opinion or historical performance); </a:t>
+            </a:r>
+          </a:p>
+          <a:p>
+            <a:pPr lvl="1"/>
+            <a:r>
+              <a:rPr lang="en-US" dirty="0"/>
+              <a:t>weighting based on model probabilities (e.g., Bayes factors); </a:t>
+            </a:r>
+          </a:p>
+          <a:p>
+            <a:pPr lvl="1"/>
+            <a:r>
+              <a:rPr lang="en-US" dirty="0"/>
+              <a:t>weighting based on information theoretic values (e.g., AIC); or </a:t>
+            </a:r>
+          </a:p>
+          <a:p>
+            <a:pPr lvl="1"/>
+            <a:r>
+              <a:rPr lang="en-US" dirty="0"/>
+              <a:t>weighting based on predictive ability</a:t>
+            </a:r>
+          </a:p>
+          <a:p>
+            <a:r>
+              <a:rPr lang="en-US" dirty="0"/>
+              <a:t>Empirical Approaches</a:t>
+            </a:r>
+          </a:p>
+          <a:p>
+            <a:pPr lvl="1"/>
+            <a:r>
+              <a:rPr lang="en-US" dirty="0"/>
+              <a:t>Reference points based on empirical indicators</a:t>
+            </a:r>
+          </a:p>
+        </p:txBody>
+      </p:sp>
+    </p:spTree>
+    <p:extLst>
+      <p:ext uri="{BB962C8B-B14F-4D97-AF65-F5344CB8AC3E}">
+        <p14:creationId xmlns:p14="http://schemas.microsoft.com/office/powerpoint/2010/main" val="1139122519"/>
       </p:ext>
     </p:extLst>
   </p:cSld>
